--- a/Mineracao de Dados/Projeto Final/Smart City & Digital Twin - Andrei.pptx
+++ b/Mineracao de Dados/Projeto Final/Smart City & Digital Twin - Andrei.pptx
@@ -5,28 +5,29 @@
     <p:sldMasterId id="2147483648" r:id="rId1"/>
   </p:sldMasterIdLst>
   <p:notesMasterIdLst>
-    <p:notesMasterId r:id="rId21"/>
+    <p:notesMasterId r:id="rId22"/>
   </p:notesMasterIdLst>
   <p:sldIdLst>
     <p:sldId id="256" r:id="rId2"/>
     <p:sldId id="257" r:id="rId3"/>
     <p:sldId id="261" r:id="rId4"/>
-    <p:sldId id="259" r:id="rId5"/>
-    <p:sldId id="263" r:id="rId6"/>
-    <p:sldId id="262" r:id="rId7"/>
-    <p:sldId id="264" r:id="rId8"/>
-    <p:sldId id="265" r:id="rId9"/>
-    <p:sldId id="266" r:id="rId10"/>
-    <p:sldId id="267" r:id="rId11"/>
-    <p:sldId id="270" r:id="rId12"/>
-    <p:sldId id="271" r:id="rId13"/>
-    <p:sldId id="268" r:id="rId14"/>
-    <p:sldId id="269" r:id="rId15"/>
-    <p:sldId id="272" r:id="rId16"/>
-    <p:sldId id="274" r:id="rId17"/>
-    <p:sldId id="273" r:id="rId18"/>
-    <p:sldId id="260" r:id="rId19"/>
-    <p:sldId id="258" r:id="rId20"/>
+    <p:sldId id="275" r:id="rId5"/>
+    <p:sldId id="259" r:id="rId6"/>
+    <p:sldId id="263" r:id="rId7"/>
+    <p:sldId id="262" r:id="rId8"/>
+    <p:sldId id="264" r:id="rId9"/>
+    <p:sldId id="265" r:id="rId10"/>
+    <p:sldId id="266" r:id="rId11"/>
+    <p:sldId id="267" r:id="rId12"/>
+    <p:sldId id="270" r:id="rId13"/>
+    <p:sldId id="271" r:id="rId14"/>
+    <p:sldId id="268" r:id="rId15"/>
+    <p:sldId id="269" r:id="rId16"/>
+    <p:sldId id="272" r:id="rId17"/>
+    <p:sldId id="274" r:id="rId18"/>
+    <p:sldId id="273" r:id="rId19"/>
+    <p:sldId id="260" r:id="rId20"/>
+    <p:sldId id="258" r:id="rId21"/>
   </p:sldIdLst>
   <p:sldSz cx="9144000" cy="5143500" type="screen16x9"/>
   <p:notesSz cx="6858000" cy="9144000"/>
@@ -145,11 +146,11 @@
 </file>
 
 <file path=ppt/diagrams/colors1.xml><?xml version="1.0" encoding="utf-8"?>
-<dgm:colorsDef xmlns:dgm="http://schemas.openxmlformats.org/drawingml/2006/diagram" xmlns:a="http://schemas.openxmlformats.org/drawingml/2006/main" uniqueId="urn:microsoft.com/office/officeart/2005/8/colors/accent1_2">
+<dgm:colorsDef xmlns:dgm="http://schemas.openxmlformats.org/drawingml/2006/diagram" xmlns:a="http://schemas.openxmlformats.org/drawingml/2006/main" uniqueId="urn:microsoft.com/office/officeart/2005/8/colors/colorful2">
   <dgm:title val=""/>
   <dgm:desc val=""/>
   <dgm:catLst>
-    <dgm:cat type="accent1" pri="11200"/>
+    <dgm:cat type="colorful" pri="10200"/>
   </dgm:catLst>
   <dgm:styleLbl name="node0">
     <dgm:fillClrLst meth="repeat">
@@ -163,21 +164,10 @@
     <dgm:txFillClrLst/>
     <dgm:txEffectClrLst/>
   </dgm:styleLbl>
-  <dgm:styleLbl name="alignNode1">
-    <dgm:fillClrLst meth="repeat">
-      <a:schemeClr val="accent1"/>
-    </dgm:fillClrLst>
-    <dgm:linClrLst meth="repeat">
-      <a:schemeClr val="accent1"/>
-    </dgm:linClrLst>
-    <dgm:effectClrLst/>
-    <dgm:txLinClrLst/>
-    <dgm:txFillClrLst/>
-    <dgm:txEffectClrLst/>
-  </dgm:styleLbl>
   <dgm:styleLbl name="node1">
-    <dgm:fillClrLst meth="repeat">
-      <a:schemeClr val="accent1"/>
+    <dgm:fillClrLst>
+      <a:schemeClr val="accent2"/>
+      <a:schemeClr val="accent3"/>
     </dgm:fillClrLst>
     <dgm:linClrLst meth="repeat">
       <a:schemeClr val="lt1"/>
@@ -187,9 +177,24 @@
     <dgm:txFillClrLst/>
     <dgm:txEffectClrLst/>
   </dgm:styleLbl>
+  <dgm:styleLbl name="alignNode1">
+    <dgm:fillClrLst>
+      <a:schemeClr val="accent2"/>
+      <a:schemeClr val="accent3"/>
+    </dgm:fillClrLst>
+    <dgm:linClrLst>
+      <a:schemeClr val="accent2"/>
+      <a:schemeClr val="accent3"/>
+    </dgm:linClrLst>
+    <dgm:effectClrLst/>
+    <dgm:txLinClrLst/>
+    <dgm:txFillClrLst/>
+    <dgm:txEffectClrLst/>
+  </dgm:styleLbl>
   <dgm:styleLbl name="lnNode1">
-    <dgm:fillClrLst meth="repeat">
-      <a:schemeClr val="accent1"/>
+    <dgm:fillClrLst>
+      <a:schemeClr val="accent2"/>
+      <a:schemeClr val="accent3"/>
     </dgm:fillClrLst>
     <dgm:linClrLst meth="repeat">
       <a:schemeClr val="lt1"/>
@@ -200,8 +205,11 @@
     <dgm:txEffectClrLst/>
   </dgm:styleLbl>
   <dgm:styleLbl name="vennNode1">
-    <dgm:fillClrLst meth="repeat">
-      <a:schemeClr val="accent1">
+    <dgm:fillClrLst>
+      <a:schemeClr val="accent2">
+        <a:alpha val="50000"/>
+      </a:schemeClr>
+      <a:schemeClr val="accent3">
         <a:alpha val="50000"/>
       </a:schemeClr>
     </dgm:fillClrLst>
@@ -214,8 +222,8 @@
     <dgm:txEffectClrLst/>
   </dgm:styleLbl>
   <dgm:styleLbl name="node2">
-    <dgm:fillClrLst meth="repeat">
-      <a:schemeClr val="accent1"/>
+    <dgm:fillClrLst>
+      <a:schemeClr val="accent3"/>
     </dgm:fillClrLst>
     <dgm:linClrLst meth="repeat">
       <a:schemeClr val="lt1"/>
@@ -226,8 +234,8 @@
     <dgm:txEffectClrLst/>
   </dgm:styleLbl>
   <dgm:styleLbl name="node3">
-    <dgm:fillClrLst meth="repeat">
-      <a:schemeClr val="accent1"/>
+    <dgm:fillClrLst>
+      <a:schemeClr val="accent4"/>
     </dgm:fillClrLst>
     <dgm:linClrLst meth="repeat">
       <a:schemeClr val="lt1"/>
@@ -238,8 +246,8 @@
     <dgm:txEffectClrLst/>
   </dgm:styleLbl>
   <dgm:styleLbl name="node4">
-    <dgm:fillClrLst meth="repeat">
-      <a:schemeClr val="accent1"/>
+    <dgm:fillClrLst>
+      <a:schemeClr val="accent5"/>
     </dgm:fillClrLst>
     <dgm:linClrLst meth="repeat">
       <a:schemeClr val="lt1"/>
@@ -250,8 +258,11 @@
     <dgm:txEffectClrLst/>
   </dgm:styleLbl>
   <dgm:styleLbl name="fgImgPlace1">
-    <dgm:fillClrLst meth="repeat">
-      <a:schemeClr val="accent1">
+    <dgm:fillClrLst>
+      <a:schemeClr val="accent2">
+        <a:tint val="50000"/>
+      </a:schemeClr>
+      <a:schemeClr val="accent3">
         <a:tint val="50000"/>
       </a:schemeClr>
     </dgm:fillClrLst>
@@ -266,9 +277,12 @@
     <dgm:txEffectClrLst/>
   </dgm:styleLbl>
   <dgm:styleLbl name="alignImgPlace1">
-    <dgm:fillClrLst meth="repeat">
-      <a:schemeClr val="accent1">
+    <dgm:fillClrLst>
+      <a:schemeClr val="accent2">
         <a:tint val="50000"/>
+      </a:schemeClr>
+      <a:schemeClr val="accent3">
+        <a:tint val="20000"/>
       </a:schemeClr>
     </dgm:fillClrLst>
     <dgm:linClrLst meth="repeat">
@@ -282,9 +296,12 @@
     <dgm:txEffectClrLst/>
   </dgm:styleLbl>
   <dgm:styleLbl name="bgImgPlace1">
-    <dgm:fillClrLst meth="repeat">
-      <a:schemeClr val="accent1">
+    <dgm:fillClrLst>
+      <a:schemeClr val="accent2">
         <a:tint val="50000"/>
+      </a:schemeClr>
+      <a:schemeClr val="accent3">
+        <a:tint val="20000"/>
       </a:schemeClr>
     </dgm:fillClrLst>
     <dgm:linClrLst meth="repeat">
@@ -298,15 +315,12 @@
     <dgm:txEffectClrLst/>
   </dgm:styleLbl>
   <dgm:styleLbl name="sibTrans2D1">
-    <dgm:fillClrLst meth="repeat">
-      <a:schemeClr val="accent1">
-        <a:tint val="60000"/>
-      </a:schemeClr>
+    <dgm:fillClrLst>
+      <a:schemeClr val="accent2"/>
+      <a:schemeClr val="accent3"/>
     </dgm:fillClrLst>
     <dgm:linClrLst meth="repeat">
-      <a:schemeClr val="accent1">
-        <a:tint val="60000"/>
-      </a:schemeClr>
+      <a:schemeClr val="lt1"/>
     </dgm:linClrLst>
     <dgm:effectClrLst/>
     <dgm:txLinClrLst/>
@@ -314,43 +328,40 @@
     <dgm:txEffectClrLst/>
   </dgm:styleLbl>
   <dgm:styleLbl name="fgSibTrans2D1">
-    <dgm:fillClrLst meth="repeat">
-      <a:schemeClr val="accent1">
-        <a:tint val="60000"/>
-      </a:schemeClr>
+    <dgm:fillClrLst>
+      <a:schemeClr val="accent2"/>
+      <a:schemeClr val="accent3"/>
     </dgm:fillClrLst>
     <dgm:linClrLst meth="repeat">
-      <a:schemeClr val="accent1">
-        <a:tint val="60000"/>
-      </a:schemeClr>
+      <a:schemeClr val="lt1"/>
     </dgm:linClrLst>
     <dgm:effectClrLst/>
     <dgm:txLinClrLst/>
-    <dgm:txFillClrLst/>
+    <dgm:txFillClrLst meth="repeat">
+      <a:schemeClr val="lt1"/>
+    </dgm:txFillClrLst>
     <dgm:txEffectClrLst/>
   </dgm:styleLbl>
   <dgm:styleLbl name="bgSibTrans2D1">
-    <dgm:fillClrLst meth="repeat">
-      <a:schemeClr val="accent1">
-        <a:tint val="60000"/>
-      </a:schemeClr>
+    <dgm:fillClrLst>
+      <a:schemeClr val="accent2"/>
+      <a:schemeClr val="accent3"/>
     </dgm:fillClrLst>
     <dgm:linClrLst meth="repeat">
-      <a:schemeClr val="accent1">
-        <a:tint val="60000"/>
-      </a:schemeClr>
+      <a:schemeClr val="lt1"/>
     </dgm:linClrLst>
     <dgm:effectClrLst/>
     <dgm:txLinClrLst/>
-    <dgm:txFillClrLst/>
+    <dgm:txFillClrLst meth="repeat">
+      <a:schemeClr val="lt1"/>
+    </dgm:txFillClrLst>
     <dgm:txEffectClrLst/>
   </dgm:styleLbl>
   <dgm:styleLbl name="sibTrans1D1">
-    <dgm:fillClrLst meth="repeat">
-      <a:schemeClr val="accent1"/>
-    </dgm:fillClrLst>
-    <dgm:linClrLst meth="repeat">
-      <a:schemeClr val="accent1"/>
+    <dgm:fillClrLst/>
+    <dgm:linClrLst>
+      <a:schemeClr val="accent2"/>
+      <a:schemeClr val="accent3"/>
     </dgm:linClrLst>
     <dgm:effectClrLst/>
     <dgm:txLinClrLst/>
@@ -361,10 +372,10 @@
   </dgm:styleLbl>
   <dgm:styleLbl name="callout">
     <dgm:fillClrLst meth="repeat">
-      <a:schemeClr val="accent1"/>
+      <a:schemeClr val="accent2"/>
     </dgm:fillClrLst>
     <dgm:linClrLst meth="repeat">
-      <a:schemeClr val="accent1">
+      <a:schemeClr val="accent2">
         <a:tint val="50000"/>
       </a:schemeClr>
     </dgm:linClrLst>
@@ -377,7 +388,35 @@
   </dgm:styleLbl>
   <dgm:styleLbl name="asst0">
     <dgm:fillClrLst meth="repeat">
-      <a:schemeClr val="accent1"/>
+      <a:schemeClr val="accent2"/>
+    </dgm:fillClrLst>
+    <dgm:linClrLst meth="repeat">
+      <a:schemeClr val="lt1">
+        <a:shade val="80000"/>
+      </a:schemeClr>
+    </dgm:linClrLst>
+    <dgm:effectClrLst/>
+    <dgm:txLinClrLst/>
+    <dgm:txFillClrLst/>
+    <dgm:txEffectClrLst/>
+  </dgm:styleLbl>
+  <dgm:styleLbl name="asst1">
+    <dgm:fillClrLst meth="repeat">
+      <a:schemeClr val="accent3"/>
+    </dgm:fillClrLst>
+    <dgm:linClrLst meth="repeat">
+      <a:schemeClr val="lt1">
+        <a:shade val="80000"/>
+      </a:schemeClr>
+    </dgm:linClrLst>
+    <dgm:effectClrLst/>
+    <dgm:txLinClrLst/>
+    <dgm:txFillClrLst/>
+    <dgm:txEffectClrLst/>
+  </dgm:styleLbl>
+  <dgm:styleLbl name="asst2">
+    <dgm:fillClrLst>
+      <a:schemeClr val="accent4"/>
     </dgm:fillClrLst>
     <dgm:linClrLst meth="repeat">
       <a:schemeClr val="lt1"/>
@@ -387,9 +426,9 @@
     <dgm:txFillClrLst/>
     <dgm:txEffectClrLst/>
   </dgm:styleLbl>
-  <dgm:styleLbl name="asst1">
-    <dgm:fillClrLst meth="repeat">
-      <a:schemeClr val="accent1"/>
+  <dgm:styleLbl name="asst3">
+    <dgm:fillClrLst>
+      <a:schemeClr val="accent5"/>
     </dgm:fillClrLst>
     <dgm:linClrLst meth="repeat">
       <a:schemeClr val="lt1"/>
@@ -399,9 +438,9 @@
     <dgm:txFillClrLst/>
     <dgm:txEffectClrLst/>
   </dgm:styleLbl>
-  <dgm:styleLbl name="asst2">
-    <dgm:fillClrLst meth="repeat">
-      <a:schemeClr val="accent1"/>
+  <dgm:styleLbl name="asst4">
+    <dgm:fillClrLst>
+      <a:schemeClr val="accent6"/>
     </dgm:fillClrLst>
     <dgm:linClrLst meth="repeat">
       <a:schemeClr val="lt1"/>
@@ -411,9 +450,23 @@
     <dgm:txFillClrLst/>
     <dgm:txEffectClrLst/>
   </dgm:styleLbl>
-  <dgm:styleLbl name="asst3">
+  <dgm:styleLbl name="parChTrans2D1">
     <dgm:fillClrLst meth="repeat">
-      <a:schemeClr val="accent1"/>
+      <a:schemeClr val="accent2"/>
+    </dgm:fillClrLst>
+    <dgm:linClrLst meth="repeat">
+      <a:schemeClr val="lt1"/>
+    </dgm:linClrLst>
+    <dgm:effectClrLst/>
+    <dgm:txLinClrLst/>
+    <dgm:txFillClrLst meth="repeat">
+      <a:schemeClr val="lt1"/>
+    </dgm:txFillClrLst>
+    <dgm:txEffectClrLst/>
+  </dgm:styleLbl>
+  <dgm:styleLbl name="parChTrans2D2">
+    <dgm:fillClrLst meth="repeat">
+      <a:schemeClr val="accent3"/>
     </dgm:fillClrLst>
     <dgm:linClrLst meth="repeat">
       <a:schemeClr val="lt1"/>
@@ -423,9 +476,9 @@
     <dgm:txFillClrLst/>
     <dgm:txEffectClrLst/>
   </dgm:styleLbl>
-  <dgm:styleLbl name="asst4">
+  <dgm:styleLbl name="parChTrans2D3">
     <dgm:fillClrLst meth="repeat">
-      <a:schemeClr val="accent1"/>
+      <a:schemeClr val="accent4"/>
     </dgm:fillClrLst>
     <dgm:linClrLst meth="repeat">
       <a:schemeClr val="lt1"/>
@@ -435,16 +488,12 @@
     <dgm:txFillClrLst/>
     <dgm:txEffectClrLst/>
   </dgm:styleLbl>
-  <dgm:styleLbl name="parChTrans2D1">
+  <dgm:styleLbl name="parChTrans2D4">
     <dgm:fillClrLst meth="repeat">
-      <a:schemeClr val="accent1">
-        <a:tint val="60000"/>
-      </a:schemeClr>
+      <a:schemeClr val="accent5"/>
     </dgm:fillClrLst>
     <dgm:linClrLst meth="repeat">
-      <a:schemeClr val="accent1">
-        <a:tint val="60000"/>
-      </a:schemeClr>
+      <a:schemeClr val="lt1"/>
     </dgm:linClrLst>
     <dgm:effectClrLst/>
     <dgm:txLinClrLst/>
@@ -453,56 +502,12 @@
     </dgm:txFillClrLst>
     <dgm:txEffectClrLst/>
   </dgm:styleLbl>
-  <dgm:styleLbl name="parChTrans2D2">
+  <dgm:styleLbl name="parChTrans1D1">
     <dgm:fillClrLst meth="repeat">
-      <a:schemeClr val="accent1"/>
+      <a:schemeClr val="accent2"/>
     </dgm:fillClrLst>
     <dgm:linClrLst meth="repeat">
-      <a:schemeClr val="accent1"/>
-    </dgm:linClrLst>
-    <dgm:effectClrLst/>
-    <dgm:txLinClrLst/>
-    <dgm:txFillClrLst meth="repeat">
-      <a:schemeClr val="lt1"/>
-    </dgm:txFillClrLst>
-    <dgm:txEffectClrLst/>
-  </dgm:styleLbl>
-  <dgm:styleLbl name="parChTrans2D3">
-    <dgm:fillClrLst meth="repeat">
-      <a:schemeClr val="accent1"/>
-    </dgm:fillClrLst>
-    <dgm:linClrLst meth="repeat">
-      <a:schemeClr val="accent1"/>
-    </dgm:linClrLst>
-    <dgm:effectClrLst/>
-    <dgm:txLinClrLst/>
-    <dgm:txFillClrLst meth="repeat">
-      <a:schemeClr val="lt1"/>
-    </dgm:txFillClrLst>
-    <dgm:txEffectClrLst/>
-  </dgm:styleLbl>
-  <dgm:styleLbl name="parChTrans2D4">
-    <dgm:fillClrLst meth="repeat">
-      <a:schemeClr val="accent1"/>
-    </dgm:fillClrLst>
-    <dgm:linClrLst meth="repeat">
-      <a:schemeClr val="accent1"/>
-    </dgm:linClrLst>
-    <dgm:effectClrLst/>
-    <dgm:txLinClrLst/>
-    <dgm:txFillClrLst meth="repeat">
-      <a:schemeClr val="lt1"/>
-    </dgm:txFillClrLst>
-    <dgm:txEffectClrLst/>
-  </dgm:styleLbl>
-  <dgm:styleLbl name="parChTrans1D1">
-    <dgm:fillClrLst meth="repeat">
-      <a:schemeClr val="accent1"/>
-    </dgm:fillClrLst>
-    <dgm:linClrLst meth="repeat">
-      <a:schemeClr val="accent1">
-        <a:shade val="60000"/>
-      </a:schemeClr>
+      <a:schemeClr val="accent2"/>
     </dgm:linClrLst>
     <dgm:effectClrLst/>
     <dgm:txLinClrLst/>
@@ -513,12 +518,12 @@
   </dgm:styleLbl>
   <dgm:styleLbl name="parChTrans1D2">
     <dgm:fillClrLst meth="repeat">
-      <a:schemeClr val="accent1"/>
+      <a:schemeClr val="accent2">
+        <a:tint val="90000"/>
+      </a:schemeClr>
     </dgm:fillClrLst>
     <dgm:linClrLst meth="repeat">
-      <a:schemeClr val="accent1">
-        <a:shade val="60000"/>
-      </a:schemeClr>
+      <a:schemeClr val="accent3"/>
     </dgm:linClrLst>
     <dgm:effectClrLst/>
     <dgm:txLinClrLst/>
@@ -529,12 +534,12 @@
   </dgm:styleLbl>
   <dgm:styleLbl name="parChTrans1D3">
     <dgm:fillClrLst meth="repeat">
-      <a:schemeClr val="accent1"/>
+      <a:schemeClr val="accent2">
+        <a:tint val="70000"/>
+      </a:schemeClr>
     </dgm:fillClrLst>
     <dgm:linClrLst meth="repeat">
-      <a:schemeClr val="accent1">
-        <a:shade val="80000"/>
-      </a:schemeClr>
+      <a:schemeClr val="accent4"/>
     </dgm:linClrLst>
     <dgm:effectClrLst/>
     <dgm:txLinClrLst/>
@@ -545,12 +550,12 @@
   </dgm:styleLbl>
   <dgm:styleLbl name="parChTrans1D4">
     <dgm:fillClrLst meth="repeat">
-      <a:schemeClr val="accent1"/>
+      <a:schemeClr val="accent2">
+        <a:tint val="50000"/>
+      </a:schemeClr>
     </dgm:fillClrLst>
     <dgm:linClrLst meth="repeat">
-      <a:schemeClr val="accent1">
-        <a:shade val="80000"/>
-      </a:schemeClr>
+      <a:schemeClr val="accent5"/>
     </dgm:linClrLst>
     <dgm:effectClrLst/>
     <dgm:txLinClrLst/>
@@ -565,7 +570,220 @@
         <a:alpha val="90000"/>
       </a:schemeClr>
     </dgm:fillClrLst>
+    <dgm:linClrLst>
+      <a:schemeClr val="accent2"/>
+      <a:schemeClr val="accent3"/>
+    </dgm:linClrLst>
+    <dgm:effectClrLst/>
+    <dgm:txLinClrLst/>
+    <dgm:txFillClrLst meth="repeat">
+      <a:schemeClr val="dk1"/>
+    </dgm:txFillClrLst>
+    <dgm:txEffectClrLst/>
+  </dgm:styleLbl>
+  <dgm:styleLbl name="conFgAcc1">
+    <dgm:fillClrLst meth="repeat">
+      <a:schemeClr val="lt1">
+        <a:alpha val="90000"/>
+      </a:schemeClr>
+    </dgm:fillClrLst>
+    <dgm:linClrLst>
+      <a:schemeClr val="accent2"/>
+      <a:schemeClr val="accent3"/>
+    </dgm:linClrLst>
+    <dgm:effectClrLst/>
+    <dgm:txLinClrLst/>
+    <dgm:txFillClrLst meth="repeat">
+      <a:schemeClr val="dk1"/>
+    </dgm:txFillClrLst>
+    <dgm:txEffectClrLst/>
+  </dgm:styleLbl>
+  <dgm:styleLbl name="alignAcc1">
+    <dgm:fillClrLst meth="repeat">
+      <a:schemeClr val="lt1">
+        <a:alpha val="90000"/>
+      </a:schemeClr>
+    </dgm:fillClrLst>
+    <dgm:linClrLst>
+      <a:schemeClr val="accent2"/>
+      <a:schemeClr val="accent3"/>
+    </dgm:linClrLst>
+    <dgm:effectClrLst/>
+    <dgm:txLinClrLst/>
+    <dgm:txFillClrLst meth="repeat">
+      <a:schemeClr val="dk1"/>
+    </dgm:txFillClrLst>
+    <dgm:txEffectClrLst/>
+  </dgm:styleLbl>
+  <dgm:styleLbl name="trAlignAcc1">
+    <dgm:fillClrLst meth="repeat">
+      <a:schemeClr val="lt1">
+        <a:alpha val="40000"/>
+      </a:schemeClr>
+    </dgm:fillClrLst>
     <dgm:linClrLst meth="repeat">
+      <a:schemeClr val="accent2"/>
+    </dgm:linClrLst>
+    <dgm:effectClrLst/>
+    <dgm:txLinClrLst/>
+    <dgm:txFillClrLst meth="repeat">
+      <a:schemeClr val="dk1"/>
+    </dgm:txFillClrLst>
+    <dgm:txEffectClrLst/>
+  </dgm:styleLbl>
+  <dgm:styleLbl name="bgAcc1">
+    <dgm:fillClrLst meth="repeat">
+      <a:schemeClr val="lt1">
+        <a:alpha val="90000"/>
+      </a:schemeClr>
+    </dgm:fillClrLst>
+    <dgm:linClrLst>
+      <a:schemeClr val="accent2"/>
+      <a:schemeClr val="accent3"/>
+    </dgm:linClrLst>
+    <dgm:effectClrLst/>
+    <dgm:txLinClrLst/>
+    <dgm:txFillClrLst meth="repeat">
+      <a:schemeClr val="dk1"/>
+    </dgm:txFillClrLst>
+    <dgm:txEffectClrLst/>
+  </dgm:styleLbl>
+  <dgm:styleLbl name="solidFgAcc1">
+    <dgm:fillClrLst meth="repeat">
+      <a:schemeClr val="lt1"/>
+    </dgm:fillClrLst>
+    <dgm:linClrLst>
+      <a:schemeClr val="accent2"/>
+      <a:schemeClr val="accent3"/>
+    </dgm:linClrLst>
+    <dgm:effectClrLst/>
+    <dgm:txLinClrLst/>
+    <dgm:txFillClrLst meth="repeat">
+      <a:schemeClr val="dk1"/>
+    </dgm:txFillClrLst>
+    <dgm:txEffectClrLst/>
+  </dgm:styleLbl>
+  <dgm:styleLbl name="solidAlignAcc1">
+    <dgm:fillClrLst meth="repeat">
+      <a:schemeClr val="lt1"/>
+    </dgm:fillClrLst>
+    <dgm:linClrLst>
+      <a:schemeClr val="accent2"/>
+      <a:schemeClr val="accent3"/>
+    </dgm:linClrLst>
+    <dgm:effectClrLst/>
+    <dgm:txLinClrLst/>
+    <dgm:txFillClrLst meth="repeat">
+      <a:schemeClr val="dk1"/>
+    </dgm:txFillClrLst>
+    <dgm:txEffectClrLst/>
+  </dgm:styleLbl>
+  <dgm:styleLbl name="solidBgAcc1">
+    <dgm:fillClrLst meth="repeat">
+      <a:schemeClr val="lt1"/>
+    </dgm:fillClrLst>
+    <dgm:linClrLst>
+      <a:schemeClr val="accent2"/>
+      <a:schemeClr val="accent3"/>
+    </dgm:linClrLst>
+    <dgm:effectClrLst/>
+    <dgm:txLinClrLst/>
+    <dgm:txFillClrLst meth="repeat">
+      <a:schemeClr val="dk1"/>
+    </dgm:txFillClrLst>
+    <dgm:txEffectClrLst/>
+  </dgm:styleLbl>
+  <dgm:styleLbl name="fgAccFollowNode1">
+    <dgm:fillClrLst>
+      <a:schemeClr val="accent2">
+        <a:tint val="40000"/>
+        <a:alpha val="90000"/>
+      </a:schemeClr>
+      <a:schemeClr val="accent3">
+        <a:tint val="40000"/>
+        <a:alpha val="90000"/>
+      </a:schemeClr>
+    </dgm:fillClrLst>
+    <dgm:linClrLst>
+      <a:schemeClr val="accent2">
+        <a:tint val="40000"/>
+        <a:alpha val="90000"/>
+      </a:schemeClr>
+      <a:schemeClr val="accent3">
+        <a:tint val="40000"/>
+        <a:alpha val="90000"/>
+      </a:schemeClr>
+    </dgm:linClrLst>
+    <dgm:effectClrLst/>
+    <dgm:txLinClrLst/>
+    <dgm:txFillClrLst meth="repeat">
+      <a:schemeClr val="dk1"/>
+    </dgm:txFillClrLst>
+    <dgm:txEffectClrLst/>
+  </dgm:styleLbl>
+  <dgm:styleLbl name="alignAccFollowNode1">
+    <dgm:fillClrLst>
+      <a:schemeClr val="accent2">
+        <a:tint val="40000"/>
+        <a:alpha val="90000"/>
+      </a:schemeClr>
+      <a:schemeClr val="accent3">
+        <a:tint val="40000"/>
+        <a:alpha val="90000"/>
+      </a:schemeClr>
+    </dgm:fillClrLst>
+    <dgm:linClrLst>
+      <a:schemeClr val="accent2">
+        <a:tint val="40000"/>
+        <a:alpha val="90000"/>
+      </a:schemeClr>
+      <a:schemeClr val="accent3">
+        <a:tint val="40000"/>
+        <a:alpha val="90000"/>
+      </a:schemeClr>
+    </dgm:linClrLst>
+    <dgm:effectClrLst/>
+    <dgm:txLinClrLst/>
+    <dgm:txFillClrLst meth="repeat">
+      <a:schemeClr val="dk1"/>
+    </dgm:txFillClrLst>
+    <dgm:txEffectClrLst/>
+  </dgm:styleLbl>
+  <dgm:styleLbl name="bgAccFollowNode1">
+    <dgm:fillClrLst>
+      <a:schemeClr val="accent2">
+        <a:tint val="40000"/>
+        <a:alpha val="90000"/>
+      </a:schemeClr>
+      <a:schemeClr val="accent3">
+        <a:tint val="40000"/>
+        <a:alpha val="90000"/>
+      </a:schemeClr>
+    </dgm:fillClrLst>
+    <dgm:linClrLst>
+      <a:schemeClr val="accent2">
+        <a:tint val="40000"/>
+        <a:alpha val="90000"/>
+      </a:schemeClr>
+      <a:schemeClr val="accent3">
+        <a:tint val="40000"/>
+        <a:alpha val="90000"/>
+      </a:schemeClr>
+    </dgm:linClrLst>
+    <dgm:effectClrLst/>
+    <dgm:txLinClrLst/>
+    <dgm:txFillClrLst meth="repeat">
+      <a:schemeClr val="dk1"/>
+    </dgm:txFillClrLst>
+    <dgm:txEffectClrLst/>
+  </dgm:styleLbl>
+  <dgm:styleLbl name="fgAcc0">
+    <dgm:fillClrLst meth="repeat">
+      <a:schemeClr val="lt1">
+        <a:alpha val="90000"/>
+      </a:schemeClr>
+    </dgm:fillClrLst>
+    <dgm:linClrLst>
       <a:schemeClr val="accent1"/>
     </dgm:linClrLst>
     <dgm:effectClrLst/>
@@ -575,14 +793,14 @@
     </dgm:txFillClrLst>
     <dgm:txEffectClrLst/>
   </dgm:styleLbl>
-  <dgm:styleLbl name="conFgAcc1">
+  <dgm:styleLbl name="fgAcc2">
     <dgm:fillClrLst meth="repeat">
       <a:schemeClr val="lt1">
         <a:alpha val="90000"/>
       </a:schemeClr>
     </dgm:fillClrLst>
-    <dgm:linClrLst meth="repeat">
-      <a:schemeClr val="accent1"/>
+    <dgm:linClrLst>
+      <a:schemeClr val="accent3"/>
     </dgm:linClrLst>
     <dgm:effectClrLst/>
     <dgm:txLinClrLst/>
@@ -591,14 +809,14 @@
     </dgm:txFillClrLst>
     <dgm:txEffectClrLst/>
   </dgm:styleLbl>
-  <dgm:styleLbl name="alignAcc1">
+  <dgm:styleLbl name="fgAcc3">
     <dgm:fillClrLst meth="repeat">
       <a:schemeClr val="lt1">
         <a:alpha val="90000"/>
       </a:schemeClr>
     </dgm:fillClrLst>
-    <dgm:linClrLst meth="repeat">
-      <a:schemeClr val="accent1"/>
+    <dgm:linClrLst>
+      <a:schemeClr val="accent4"/>
     </dgm:linClrLst>
     <dgm:effectClrLst/>
     <dgm:txLinClrLst/>
@@ -607,14 +825,14 @@
     </dgm:txFillClrLst>
     <dgm:txEffectClrLst/>
   </dgm:styleLbl>
-  <dgm:styleLbl name="trAlignAcc1">
+  <dgm:styleLbl name="fgAcc4">
     <dgm:fillClrLst meth="repeat">
       <a:schemeClr val="lt1">
-        <a:alpha val="40000"/>
+        <a:alpha val="90000"/>
       </a:schemeClr>
     </dgm:fillClrLst>
-    <dgm:linClrLst meth="repeat">
-      <a:schemeClr val="accent1"/>
+    <dgm:linClrLst>
+      <a:schemeClr val="accent5"/>
     </dgm:linClrLst>
     <dgm:effectClrLst/>
     <dgm:txLinClrLst/>
@@ -623,14 +841,14 @@
     </dgm:txFillClrLst>
     <dgm:txEffectClrLst/>
   </dgm:styleLbl>
-  <dgm:styleLbl name="bgAcc1">
+  <dgm:styleLbl name="bgShp">
     <dgm:fillClrLst meth="repeat">
-      <a:schemeClr val="lt1">
-        <a:alpha val="90000"/>
+      <a:schemeClr val="accent2">
+        <a:tint val="40000"/>
       </a:schemeClr>
     </dgm:fillClrLst>
     <dgm:linClrLst meth="repeat">
-      <a:schemeClr val="accent1"/>
+      <a:schemeClr val="dk1"/>
     </dgm:linClrLst>
     <dgm:effectClrLst/>
     <dgm:txLinClrLst/>
@@ -639,196 +857,14 @@
     </dgm:txFillClrLst>
     <dgm:txEffectClrLst/>
   </dgm:styleLbl>
-  <dgm:styleLbl name="solidFgAcc1">
+  <dgm:styleLbl name="dkBgShp">
     <dgm:fillClrLst meth="repeat">
-      <a:schemeClr val="lt1"/>
-    </dgm:fillClrLst>
-    <dgm:linClrLst meth="repeat">
-      <a:schemeClr val="accent1"/>
-    </dgm:linClrLst>
-    <dgm:effectClrLst/>
-    <dgm:txLinClrLst/>
-    <dgm:txFillClrLst meth="repeat">
-      <a:schemeClr val="dk1"/>
-    </dgm:txFillClrLst>
-    <dgm:txEffectClrLst/>
-  </dgm:styleLbl>
-  <dgm:styleLbl name="solidAlignAcc1">
-    <dgm:fillClrLst meth="repeat">
-      <a:schemeClr val="lt1"/>
-    </dgm:fillClrLst>
-    <dgm:linClrLst meth="repeat">
-      <a:schemeClr val="accent1"/>
-    </dgm:linClrLst>
-    <dgm:effectClrLst/>
-    <dgm:txLinClrLst/>
-    <dgm:txFillClrLst meth="repeat">
-      <a:schemeClr val="dk1"/>
-    </dgm:txFillClrLst>
-    <dgm:txEffectClrLst/>
-  </dgm:styleLbl>
-  <dgm:styleLbl name="solidBgAcc1">
-    <dgm:fillClrLst meth="repeat">
-      <a:schemeClr val="lt1"/>
-    </dgm:fillClrLst>
-    <dgm:linClrLst meth="repeat">
-      <a:schemeClr val="accent1"/>
-    </dgm:linClrLst>
-    <dgm:effectClrLst/>
-    <dgm:txLinClrLst/>
-    <dgm:txFillClrLst meth="repeat">
-      <a:schemeClr val="dk1"/>
-    </dgm:txFillClrLst>
-    <dgm:txEffectClrLst/>
-  </dgm:styleLbl>
-  <dgm:styleLbl name="fgAccFollowNode1">
-    <dgm:fillClrLst meth="repeat">
-      <a:schemeClr val="accent1">
-        <a:alpha val="90000"/>
-        <a:tint val="40000"/>
+      <a:schemeClr val="accent2">
+        <a:shade val="90000"/>
       </a:schemeClr>
     </dgm:fillClrLst>
     <dgm:linClrLst meth="repeat">
-      <a:schemeClr val="accent1">
-        <a:alpha val="90000"/>
-        <a:tint val="40000"/>
-      </a:schemeClr>
-    </dgm:linClrLst>
-    <dgm:effectClrLst/>
-    <dgm:txLinClrLst/>
-    <dgm:txFillClrLst meth="repeat">
       <a:schemeClr val="dk1"/>
-    </dgm:txFillClrLst>
-    <dgm:txEffectClrLst/>
-  </dgm:styleLbl>
-  <dgm:styleLbl name="alignAccFollowNode1">
-    <dgm:fillClrLst meth="repeat">
-      <a:schemeClr val="accent1">
-        <a:alpha val="90000"/>
-        <a:tint val="40000"/>
-      </a:schemeClr>
-    </dgm:fillClrLst>
-    <dgm:linClrLst meth="repeat">
-      <a:schemeClr val="accent1">
-        <a:alpha val="90000"/>
-        <a:tint val="40000"/>
-      </a:schemeClr>
-    </dgm:linClrLst>
-    <dgm:effectClrLst/>
-    <dgm:txLinClrLst/>
-    <dgm:txFillClrLst meth="repeat">
-      <a:schemeClr val="dk1"/>
-    </dgm:txFillClrLst>
-    <dgm:txEffectClrLst/>
-  </dgm:styleLbl>
-  <dgm:styleLbl name="bgAccFollowNode1">
-    <dgm:fillClrLst meth="repeat">
-      <a:schemeClr val="accent1">
-        <a:alpha val="90000"/>
-        <a:tint val="40000"/>
-      </a:schemeClr>
-    </dgm:fillClrLst>
-    <dgm:linClrLst meth="repeat">
-      <a:schemeClr val="accent1">
-        <a:alpha val="90000"/>
-        <a:tint val="40000"/>
-      </a:schemeClr>
-    </dgm:linClrLst>
-    <dgm:effectClrLst/>
-    <dgm:txLinClrLst/>
-    <dgm:txFillClrLst meth="repeat">
-      <a:schemeClr val="dk1"/>
-    </dgm:txFillClrLst>
-    <dgm:txEffectClrLst/>
-  </dgm:styleLbl>
-  <dgm:styleLbl name="fgAcc0">
-    <dgm:fillClrLst meth="repeat">
-      <a:schemeClr val="lt1">
-        <a:alpha val="90000"/>
-      </a:schemeClr>
-    </dgm:fillClrLst>
-    <dgm:linClrLst meth="repeat">
-      <a:schemeClr val="accent1"/>
-    </dgm:linClrLst>
-    <dgm:effectClrLst/>
-    <dgm:txLinClrLst/>
-    <dgm:txFillClrLst meth="repeat">
-      <a:schemeClr val="dk1"/>
-    </dgm:txFillClrLst>
-    <dgm:txEffectClrLst/>
-  </dgm:styleLbl>
-  <dgm:styleLbl name="fgAcc2">
-    <dgm:fillClrLst meth="repeat">
-      <a:schemeClr val="lt1">
-        <a:alpha val="90000"/>
-      </a:schemeClr>
-    </dgm:fillClrLst>
-    <dgm:linClrLst meth="repeat">
-      <a:schemeClr val="accent1"/>
-    </dgm:linClrLst>
-    <dgm:effectClrLst/>
-    <dgm:txLinClrLst/>
-    <dgm:txFillClrLst meth="repeat">
-      <a:schemeClr val="dk1"/>
-    </dgm:txFillClrLst>
-    <dgm:txEffectClrLst/>
-  </dgm:styleLbl>
-  <dgm:styleLbl name="fgAcc3">
-    <dgm:fillClrLst meth="repeat">
-      <a:schemeClr val="lt1">
-        <a:alpha val="90000"/>
-      </a:schemeClr>
-    </dgm:fillClrLst>
-    <dgm:linClrLst meth="repeat">
-      <a:schemeClr val="accent1"/>
-    </dgm:linClrLst>
-    <dgm:effectClrLst/>
-    <dgm:txLinClrLst/>
-    <dgm:txFillClrLst meth="repeat">
-      <a:schemeClr val="dk1"/>
-    </dgm:txFillClrLst>
-    <dgm:txEffectClrLst/>
-  </dgm:styleLbl>
-  <dgm:styleLbl name="fgAcc4">
-    <dgm:fillClrLst meth="repeat">
-      <a:schemeClr val="lt1">
-        <a:alpha val="90000"/>
-      </a:schemeClr>
-    </dgm:fillClrLst>
-    <dgm:linClrLst meth="repeat">
-      <a:schemeClr val="accent1"/>
-    </dgm:linClrLst>
-    <dgm:effectClrLst/>
-    <dgm:txLinClrLst/>
-    <dgm:txFillClrLst meth="repeat">
-      <a:schemeClr val="dk1"/>
-    </dgm:txFillClrLst>
-    <dgm:txEffectClrLst/>
-  </dgm:styleLbl>
-  <dgm:styleLbl name="bgShp">
-    <dgm:fillClrLst meth="repeat">
-      <a:schemeClr val="accent1">
-        <a:tint val="40000"/>
-      </a:schemeClr>
-    </dgm:fillClrLst>
-    <dgm:linClrLst meth="repeat">
-      <a:schemeClr val="accent1"/>
-    </dgm:linClrLst>
-    <dgm:effectClrLst/>
-    <dgm:txLinClrLst/>
-    <dgm:txFillClrLst meth="repeat">
-      <a:schemeClr val="dk1"/>
-    </dgm:txFillClrLst>
-    <dgm:txEffectClrLst/>
-  </dgm:styleLbl>
-  <dgm:styleLbl name="dkBgShp">
-    <dgm:fillClrLst meth="repeat">
-      <a:schemeClr val="accent1">
-        <a:shade val="80000"/>
-      </a:schemeClr>
-    </dgm:fillClrLst>
-    <dgm:linClrLst meth="repeat">
-      <a:schemeClr val="accent1"/>
     </dgm:linClrLst>
     <dgm:effectClrLst/>
     <dgm:txLinClrLst/>
@@ -839,13 +875,13 @@
   </dgm:styleLbl>
   <dgm:styleLbl name="trBgShp">
     <dgm:fillClrLst meth="repeat">
-      <a:schemeClr val="accent1">
+      <a:schemeClr val="accent2">
         <a:tint val="50000"/>
         <a:alpha val="40000"/>
       </a:schemeClr>
     </dgm:fillClrLst>
     <dgm:linClrLst meth="repeat">
-      <a:schemeClr val="accent1"/>
+      <a:schemeClr val="accent2"/>
     </dgm:linClrLst>
     <dgm:effectClrLst/>
     <dgm:txLinClrLst/>
@@ -856,8 +892,8 @@
   </dgm:styleLbl>
   <dgm:styleLbl name="fgShp">
     <dgm:fillClrLst meth="repeat">
-      <a:schemeClr val="accent1">
-        <a:tint val="60000"/>
+      <a:schemeClr val="accent2">
+        <a:tint val="40000"/>
       </a:schemeClr>
     </dgm:fillClrLst>
     <dgm:linClrLst meth="repeat">
@@ -891,11 +927,1113 @@
 </dgm:colorsDef>
 </file>
 
+<file path=ppt/diagrams/colors2.xml><?xml version="1.0" encoding="utf-8"?>
+<dgm:colorsDef xmlns:dgm="http://schemas.openxmlformats.org/drawingml/2006/diagram" xmlns:a="http://schemas.openxmlformats.org/drawingml/2006/main" uniqueId="urn:microsoft.com/office/officeart/2005/8/colors/colorful2">
+  <dgm:title val=""/>
+  <dgm:desc val=""/>
+  <dgm:catLst>
+    <dgm:cat type="colorful" pri="10200"/>
+  </dgm:catLst>
+  <dgm:styleLbl name="node0">
+    <dgm:fillClrLst meth="repeat">
+      <a:schemeClr val="accent1"/>
+    </dgm:fillClrLst>
+    <dgm:linClrLst meth="repeat">
+      <a:schemeClr val="lt1"/>
+    </dgm:linClrLst>
+    <dgm:effectClrLst/>
+    <dgm:txLinClrLst/>
+    <dgm:txFillClrLst/>
+    <dgm:txEffectClrLst/>
+  </dgm:styleLbl>
+  <dgm:styleLbl name="node1">
+    <dgm:fillClrLst>
+      <a:schemeClr val="accent2"/>
+      <a:schemeClr val="accent3"/>
+    </dgm:fillClrLst>
+    <dgm:linClrLst meth="repeat">
+      <a:schemeClr val="lt1"/>
+    </dgm:linClrLst>
+    <dgm:effectClrLst/>
+    <dgm:txLinClrLst/>
+    <dgm:txFillClrLst/>
+    <dgm:txEffectClrLst/>
+  </dgm:styleLbl>
+  <dgm:styleLbl name="alignNode1">
+    <dgm:fillClrLst>
+      <a:schemeClr val="accent2"/>
+      <a:schemeClr val="accent3"/>
+    </dgm:fillClrLst>
+    <dgm:linClrLst>
+      <a:schemeClr val="accent2"/>
+      <a:schemeClr val="accent3"/>
+    </dgm:linClrLst>
+    <dgm:effectClrLst/>
+    <dgm:txLinClrLst/>
+    <dgm:txFillClrLst/>
+    <dgm:txEffectClrLst/>
+  </dgm:styleLbl>
+  <dgm:styleLbl name="lnNode1">
+    <dgm:fillClrLst>
+      <a:schemeClr val="accent2"/>
+      <a:schemeClr val="accent3"/>
+    </dgm:fillClrLst>
+    <dgm:linClrLst meth="repeat">
+      <a:schemeClr val="lt1"/>
+    </dgm:linClrLst>
+    <dgm:effectClrLst/>
+    <dgm:txLinClrLst/>
+    <dgm:txFillClrLst/>
+    <dgm:txEffectClrLst/>
+  </dgm:styleLbl>
+  <dgm:styleLbl name="vennNode1">
+    <dgm:fillClrLst>
+      <a:schemeClr val="accent2">
+        <a:alpha val="50000"/>
+      </a:schemeClr>
+      <a:schemeClr val="accent3">
+        <a:alpha val="50000"/>
+      </a:schemeClr>
+    </dgm:fillClrLst>
+    <dgm:linClrLst meth="repeat">
+      <a:schemeClr val="lt1"/>
+    </dgm:linClrLst>
+    <dgm:effectClrLst/>
+    <dgm:txLinClrLst/>
+    <dgm:txFillClrLst/>
+    <dgm:txEffectClrLst/>
+  </dgm:styleLbl>
+  <dgm:styleLbl name="node2">
+    <dgm:fillClrLst>
+      <a:schemeClr val="accent3"/>
+    </dgm:fillClrLst>
+    <dgm:linClrLst meth="repeat">
+      <a:schemeClr val="lt1"/>
+    </dgm:linClrLst>
+    <dgm:effectClrLst/>
+    <dgm:txLinClrLst/>
+    <dgm:txFillClrLst/>
+    <dgm:txEffectClrLst/>
+  </dgm:styleLbl>
+  <dgm:styleLbl name="node3">
+    <dgm:fillClrLst>
+      <a:schemeClr val="accent4"/>
+    </dgm:fillClrLst>
+    <dgm:linClrLst meth="repeat">
+      <a:schemeClr val="lt1"/>
+    </dgm:linClrLst>
+    <dgm:effectClrLst/>
+    <dgm:txLinClrLst/>
+    <dgm:txFillClrLst/>
+    <dgm:txEffectClrLst/>
+  </dgm:styleLbl>
+  <dgm:styleLbl name="node4">
+    <dgm:fillClrLst>
+      <a:schemeClr val="accent5"/>
+    </dgm:fillClrLst>
+    <dgm:linClrLst meth="repeat">
+      <a:schemeClr val="lt1"/>
+    </dgm:linClrLst>
+    <dgm:effectClrLst/>
+    <dgm:txLinClrLst/>
+    <dgm:txFillClrLst/>
+    <dgm:txEffectClrLst/>
+  </dgm:styleLbl>
+  <dgm:styleLbl name="fgImgPlace1">
+    <dgm:fillClrLst>
+      <a:schemeClr val="accent2">
+        <a:tint val="50000"/>
+      </a:schemeClr>
+      <a:schemeClr val="accent3">
+        <a:tint val="50000"/>
+      </a:schemeClr>
+    </dgm:fillClrLst>
+    <dgm:linClrLst meth="repeat">
+      <a:schemeClr val="lt1"/>
+    </dgm:linClrLst>
+    <dgm:effectClrLst/>
+    <dgm:txLinClrLst/>
+    <dgm:txFillClrLst meth="repeat">
+      <a:schemeClr val="lt1"/>
+    </dgm:txFillClrLst>
+    <dgm:txEffectClrLst/>
+  </dgm:styleLbl>
+  <dgm:styleLbl name="alignImgPlace1">
+    <dgm:fillClrLst>
+      <a:schemeClr val="accent2">
+        <a:tint val="50000"/>
+      </a:schemeClr>
+      <a:schemeClr val="accent3">
+        <a:tint val="20000"/>
+      </a:schemeClr>
+    </dgm:fillClrLst>
+    <dgm:linClrLst meth="repeat">
+      <a:schemeClr val="lt1"/>
+    </dgm:linClrLst>
+    <dgm:effectClrLst/>
+    <dgm:txLinClrLst/>
+    <dgm:txFillClrLst meth="repeat">
+      <a:schemeClr val="lt1"/>
+    </dgm:txFillClrLst>
+    <dgm:txEffectClrLst/>
+  </dgm:styleLbl>
+  <dgm:styleLbl name="bgImgPlace1">
+    <dgm:fillClrLst>
+      <a:schemeClr val="accent2">
+        <a:tint val="50000"/>
+      </a:schemeClr>
+      <a:schemeClr val="accent3">
+        <a:tint val="20000"/>
+      </a:schemeClr>
+    </dgm:fillClrLst>
+    <dgm:linClrLst meth="repeat">
+      <a:schemeClr val="lt1"/>
+    </dgm:linClrLst>
+    <dgm:effectClrLst/>
+    <dgm:txLinClrLst/>
+    <dgm:txFillClrLst meth="repeat">
+      <a:schemeClr val="lt1"/>
+    </dgm:txFillClrLst>
+    <dgm:txEffectClrLst/>
+  </dgm:styleLbl>
+  <dgm:styleLbl name="sibTrans2D1">
+    <dgm:fillClrLst>
+      <a:schemeClr val="accent2"/>
+      <a:schemeClr val="accent3"/>
+    </dgm:fillClrLst>
+    <dgm:linClrLst meth="repeat">
+      <a:schemeClr val="lt1"/>
+    </dgm:linClrLst>
+    <dgm:effectClrLst/>
+    <dgm:txLinClrLst/>
+    <dgm:txFillClrLst/>
+    <dgm:txEffectClrLst/>
+  </dgm:styleLbl>
+  <dgm:styleLbl name="fgSibTrans2D1">
+    <dgm:fillClrLst>
+      <a:schemeClr val="accent2"/>
+      <a:schemeClr val="accent3"/>
+    </dgm:fillClrLst>
+    <dgm:linClrLst meth="repeat">
+      <a:schemeClr val="lt1"/>
+    </dgm:linClrLst>
+    <dgm:effectClrLst/>
+    <dgm:txLinClrLst/>
+    <dgm:txFillClrLst meth="repeat">
+      <a:schemeClr val="lt1"/>
+    </dgm:txFillClrLst>
+    <dgm:txEffectClrLst/>
+  </dgm:styleLbl>
+  <dgm:styleLbl name="bgSibTrans2D1">
+    <dgm:fillClrLst>
+      <a:schemeClr val="accent2"/>
+      <a:schemeClr val="accent3"/>
+    </dgm:fillClrLst>
+    <dgm:linClrLst meth="repeat">
+      <a:schemeClr val="lt1"/>
+    </dgm:linClrLst>
+    <dgm:effectClrLst/>
+    <dgm:txLinClrLst/>
+    <dgm:txFillClrLst meth="repeat">
+      <a:schemeClr val="lt1"/>
+    </dgm:txFillClrLst>
+    <dgm:txEffectClrLst/>
+  </dgm:styleLbl>
+  <dgm:styleLbl name="sibTrans1D1">
+    <dgm:fillClrLst/>
+    <dgm:linClrLst>
+      <a:schemeClr val="accent2"/>
+      <a:schemeClr val="accent3"/>
+    </dgm:linClrLst>
+    <dgm:effectClrLst/>
+    <dgm:txLinClrLst/>
+    <dgm:txFillClrLst meth="repeat">
+      <a:schemeClr val="tx1"/>
+    </dgm:txFillClrLst>
+    <dgm:txEffectClrLst/>
+  </dgm:styleLbl>
+  <dgm:styleLbl name="callout">
+    <dgm:fillClrLst meth="repeat">
+      <a:schemeClr val="accent2"/>
+    </dgm:fillClrLst>
+    <dgm:linClrLst meth="repeat">
+      <a:schemeClr val="accent2">
+        <a:tint val="50000"/>
+      </a:schemeClr>
+    </dgm:linClrLst>
+    <dgm:effectClrLst/>
+    <dgm:txLinClrLst/>
+    <dgm:txFillClrLst meth="repeat">
+      <a:schemeClr val="tx1"/>
+    </dgm:txFillClrLst>
+    <dgm:txEffectClrLst/>
+  </dgm:styleLbl>
+  <dgm:styleLbl name="asst0">
+    <dgm:fillClrLst meth="repeat">
+      <a:schemeClr val="accent2"/>
+    </dgm:fillClrLst>
+    <dgm:linClrLst meth="repeat">
+      <a:schemeClr val="lt1">
+        <a:shade val="80000"/>
+      </a:schemeClr>
+    </dgm:linClrLst>
+    <dgm:effectClrLst/>
+    <dgm:txLinClrLst/>
+    <dgm:txFillClrLst/>
+    <dgm:txEffectClrLst/>
+  </dgm:styleLbl>
+  <dgm:styleLbl name="asst1">
+    <dgm:fillClrLst meth="repeat">
+      <a:schemeClr val="accent3"/>
+    </dgm:fillClrLst>
+    <dgm:linClrLst meth="repeat">
+      <a:schemeClr val="lt1">
+        <a:shade val="80000"/>
+      </a:schemeClr>
+    </dgm:linClrLst>
+    <dgm:effectClrLst/>
+    <dgm:txLinClrLst/>
+    <dgm:txFillClrLst/>
+    <dgm:txEffectClrLst/>
+  </dgm:styleLbl>
+  <dgm:styleLbl name="asst2">
+    <dgm:fillClrLst>
+      <a:schemeClr val="accent4"/>
+    </dgm:fillClrLst>
+    <dgm:linClrLst meth="repeat">
+      <a:schemeClr val="lt1"/>
+    </dgm:linClrLst>
+    <dgm:effectClrLst/>
+    <dgm:txLinClrLst/>
+    <dgm:txFillClrLst/>
+    <dgm:txEffectClrLst/>
+  </dgm:styleLbl>
+  <dgm:styleLbl name="asst3">
+    <dgm:fillClrLst>
+      <a:schemeClr val="accent5"/>
+    </dgm:fillClrLst>
+    <dgm:linClrLst meth="repeat">
+      <a:schemeClr val="lt1"/>
+    </dgm:linClrLst>
+    <dgm:effectClrLst/>
+    <dgm:txLinClrLst/>
+    <dgm:txFillClrLst/>
+    <dgm:txEffectClrLst/>
+  </dgm:styleLbl>
+  <dgm:styleLbl name="asst4">
+    <dgm:fillClrLst>
+      <a:schemeClr val="accent6"/>
+    </dgm:fillClrLst>
+    <dgm:linClrLst meth="repeat">
+      <a:schemeClr val="lt1"/>
+    </dgm:linClrLst>
+    <dgm:effectClrLst/>
+    <dgm:txLinClrLst/>
+    <dgm:txFillClrLst/>
+    <dgm:txEffectClrLst/>
+  </dgm:styleLbl>
+  <dgm:styleLbl name="parChTrans2D1">
+    <dgm:fillClrLst meth="repeat">
+      <a:schemeClr val="accent2"/>
+    </dgm:fillClrLst>
+    <dgm:linClrLst meth="repeat">
+      <a:schemeClr val="lt1"/>
+    </dgm:linClrLst>
+    <dgm:effectClrLst/>
+    <dgm:txLinClrLst/>
+    <dgm:txFillClrLst meth="repeat">
+      <a:schemeClr val="lt1"/>
+    </dgm:txFillClrLst>
+    <dgm:txEffectClrLst/>
+  </dgm:styleLbl>
+  <dgm:styleLbl name="parChTrans2D2">
+    <dgm:fillClrLst meth="repeat">
+      <a:schemeClr val="accent3"/>
+    </dgm:fillClrLst>
+    <dgm:linClrLst meth="repeat">
+      <a:schemeClr val="lt1"/>
+    </dgm:linClrLst>
+    <dgm:effectClrLst/>
+    <dgm:txLinClrLst/>
+    <dgm:txFillClrLst/>
+    <dgm:txEffectClrLst/>
+  </dgm:styleLbl>
+  <dgm:styleLbl name="parChTrans2D3">
+    <dgm:fillClrLst meth="repeat">
+      <a:schemeClr val="accent4"/>
+    </dgm:fillClrLst>
+    <dgm:linClrLst meth="repeat">
+      <a:schemeClr val="lt1"/>
+    </dgm:linClrLst>
+    <dgm:effectClrLst/>
+    <dgm:txLinClrLst/>
+    <dgm:txFillClrLst/>
+    <dgm:txEffectClrLst/>
+  </dgm:styleLbl>
+  <dgm:styleLbl name="parChTrans2D4">
+    <dgm:fillClrLst meth="repeat">
+      <a:schemeClr val="accent5"/>
+    </dgm:fillClrLst>
+    <dgm:linClrLst meth="repeat">
+      <a:schemeClr val="lt1"/>
+    </dgm:linClrLst>
+    <dgm:effectClrLst/>
+    <dgm:txLinClrLst/>
+    <dgm:txFillClrLst meth="repeat">
+      <a:schemeClr val="lt1"/>
+    </dgm:txFillClrLst>
+    <dgm:txEffectClrLst/>
+  </dgm:styleLbl>
+  <dgm:styleLbl name="parChTrans1D1">
+    <dgm:fillClrLst meth="repeat">
+      <a:schemeClr val="accent2"/>
+    </dgm:fillClrLst>
+    <dgm:linClrLst meth="repeat">
+      <a:schemeClr val="accent2"/>
+    </dgm:linClrLst>
+    <dgm:effectClrLst/>
+    <dgm:txLinClrLst/>
+    <dgm:txFillClrLst meth="repeat">
+      <a:schemeClr val="tx1"/>
+    </dgm:txFillClrLst>
+    <dgm:txEffectClrLst/>
+  </dgm:styleLbl>
+  <dgm:styleLbl name="parChTrans1D2">
+    <dgm:fillClrLst meth="repeat">
+      <a:schemeClr val="accent2">
+        <a:tint val="90000"/>
+      </a:schemeClr>
+    </dgm:fillClrLst>
+    <dgm:linClrLst meth="repeat">
+      <a:schemeClr val="accent3"/>
+    </dgm:linClrLst>
+    <dgm:effectClrLst/>
+    <dgm:txLinClrLst/>
+    <dgm:txFillClrLst meth="repeat">
+      <a:schemeClr val="tx1"/>
+    </dgm:txFillClrLst>
+    <dgm:txEffectClrLst/>
+  </dgm:styleLbl>
+  <dgm:styleLbl name="parChTrans1D3">
+    <dgm:fillClrLst meth="repeat">
+      <a:schemeClr val="accent2">
+        <a:tint val="70000"/>
+      </a:schemeClr>
+    </dgm:fillClrLst>
+    <dgm:linClrLst meth="repeat">
+      <a:schemeClr val="accent4"/>
+    </dgm:linClrLst>
+    <dgm:effectClrLst/>
+    <dgm:txLinClrLst/>
+    <dgm:txFillClrLst meth="repeat">
+      <a:schemeClr val="tx1"/>
+    </dgm:txFillClrLst>
+    <dgm:txEffectClrLst/>
+  </dgm:styleLbl>
+  <dgm:styleLbl name="parChTrans1D4">
+    <dgm:fillClrLst meth="repeat">
+      <a:schemeClr val="accent2">
+        <a:tint val="50000"/>
+      </a:schemeClr>
+    </dgm:fillClrLst>
+    <dgm:linClrLst meth="repeat">
+      <a:schemeClr val="accent5"/>
+    </dgm:linClrLst>
+    <dgm:effectClrLst/>
+    <dgm:txLinClrLst/>
+    <dgm:txFillClrLst meth="repeat">
+      <a:schemeClr val="tx1"/>
+    </dgm:txFillClrLst>
+    <dgm:txEffectClrLst/>
+  </dgm:styleLbl>
+  <dgm:styleLbl name="fgAcc1">
+    <dgm:fillClrLst meth="repeat">
+      <a:schemeClr val="lt1">
+        <a:alpha val="90000"/>
+      </a:schemeClr>
+    </dgm:fillClrLst>
+    <dgm:linClrLst>
+      <a:schemeClr val="accent2"/>
+      <a:schemeClr val="accent3"/>
+    </dgm:linClrLst>
+    <dgm:effectClrLst/>
+    <dgm:txLinClrLst/>
+    <dgm:txFillClrLst meth="repeat">
+      <a:schemeClr val="dk1"/>
+    </dgm:txFillClrLst>
+    <dgm:txEffectClrLst/>
+  </dgm:styleLbl>
+  <dgm:styleLbl name="conFgAcc1">
+    <dgm:fillClrLst meth="repeat">
+      <a:schemeClr val="lt1">
+        <a:alpha val="90000"/>
+      </a:schemeClr>
+    </dgm:fillClrLst>
+    <dgm:linClrLst>
+      <a:schemeClr val="accent2"/>
+      <a:schemeClr val="accent3"/>
+    </dgm:linClrLst>
+    <dgm:effectClrLst/>
+    <dgm:txLinClrLst/>
+    <dgm:txFillClrLst meth="repeat">
+      <a:schemeClr val="dk1"/>
+    </dgm:txFillClrLst>
+    <dgm:txEffectClrLst/>
+  </dgm:styleLbl>
+  <dgm:styleLbl name="alignAcc1">
+    <dgm:fillClrLst meth="repeat">
+      <a:schemeClr val="lt1">
+        <a:alpha val="90000"/>
+      </a:schemeClr>
+    </dgm:fillClrLst>
+    <dgm:linClrLst>
+      <a:schemeClr val="accent2"/>
+      <a:schemeClr val="accent3"/>
+    </dgm:linClrLst>
+    <dgm:effectClrLst/>
+    <dgm:txLinClrLst/>
+    <dgm:txFillClrLst meth="repeat">
+      <a:schemeClr val="dk1"/>
+    </dgm:txFillClrLst>
+    <dgm:txEffectClrLst/>
+  </dgm:styleLbl>
+  <dgm:styleLbl name="trAlignAcc1">
+    <dgm:fillClrLst meth="repeat">
+      <a:schemeClr val="lt1">
+        <a:alpha val="40000"/>
+      </a:schemeClr>
+    </dgm:fillClrLst>
+    <dgm:linClrLst meth="repeat">
+      <a:schemeClr val="accent2"/>
+    </dgm:linClrLst>
+    <dgm:effectClrLst/>
+    <dgm:txLinClrLst/>
+    <dgm:txFillClrLst meth="repeat">
+      <a:schemeClr val="dk1"/>
+    </dgm:txFillClrLst>
+    <dgm:txEffectClrLst/>
+  </dgm:styleLbl>
+  <dgm:styleLbl name="bgAcc1">
+    <dgm:fillClrLst meth="repeat">
+      <a:schemeClr val="lt1">
+        <a:alpha val="90000"/>
+      </a:schemeClr>
+    </dgm:fillClrLst>
+    <dgm:linClrLst>
+      <a:schemeClr val="accent2"/>
+      <a:schemeClr val="accent3"/>
+    </dgm:linClrLst>
+    <dgm:effectClrLst/>
+    <dgm:txLinClrLst/>
+    <dgm:txFillClrLst meth="repeat">
+      <a:schemeClr val="dk1"/>
+    </dgm:txFillClrLst>
+    <dgm:txEffectClrLst/>
+  </dgm:styleLbl>
+  <dgm:styleLbl name="solidFgAcc1">
+    <dgm:fillClrLst meth="repeat">
+      <a:schemeClr val="lt1"/>
+    </dgm:fillClrLst>
+    <dgm:linClrLst>
+      <a:schemeClr val="accent2"/>
+      <a:schemeClr val="accent3"/>
+    </dgm:linClrLst>
+    <dgm:effectClrLst/>
+    <dgm:txLinClrLst/>
+    <dgm:txFillClrLst meth="repeat">
+      <a:schemeClr val="dk1"/>
+    </dgm:txFillClrLst>
+    <dgm:txEffectClrLst/>
+  </dgm:styleLbl>
+  <dgm:styleLbl name="solidAlignAcc1">
+    <dgm:fillClrLst meth="repeat">
+      <a:schemeClr val="lt1"/>
+    </dgm:fillClrLst>
+    <dgm:linClrLst>
+      <a:schemeClr val="accent2"/>
+      <a:schemeClr val="accent3"/>
+    </dgm:linClrLst>
+    <dgm:effectClrLst/>
+    <dgm:txLinClrLst/>
+    <dgm:txFillClrLst meth="repeat">
+      <a:schemeClr val="dk1"/>
+    </dgm:txFillClrLst>
+    <dgm:txEffectClrLst/>
+  </dgm:styleLbl>
+  <dgm:styleLbl name="solidBgAcc1">
+    <dgm:fillClrLst meth="repeat">
+      <a:schemeClr val="lt1"/>
+    </dgm:fillClrLst>
+    <dgm:linClrLst>
+      <a:schemeClr val="accent2"/>
+      <a:schemeClr val="accent3"/>
+    </dgm:linClrLst>
+    <dgm:effectClrLst/>
+    <dgm:txLinClrLst/>
+    <dgm:txFillClrLst meth="repeat">
+      <a:schemeClr val="dk1"/>
+    </dgm:txFillClrLst>
+    <dgm:txEffectClrLst/>
+  </dgm:styleLbl>
+  <dgm:styleLbl name="fgAccFollowNode1">
+    <dgm:fillClrLst>
+      <a:schemeClr val="accent2">
+        <a:tint val="40000"/>
+        <a:alpha val="90000"/>
+      </a:schemeClr>
+      <a:schemeClr val="accent3">
+        <a:tint val="40000"/>
+        <a:alpha val="90000"/>
+      </a:schemeClr>
+    </dgm:fillClrLst>
+    <dgm:linClrLst>
+      <a:schemeClr val="accent2">
+        <a:tint val="40000"/>
+        <a:alpha val="90000"/>
+      </a:schemeClr>
+      <a:schemeClr val="accent3">
+        <a:tint val="40000"/>
+        <a:alpha val="90000"/>
+      </a:schemeClr>
+    </dgm:linClrLst>
+    <dgm:effectClrLst/>
+    <dgm:txLinClrLst/>
+    <dgm:txFillClrLst meth="repeat">
+      <a:schemeClr val="dk1"/>
+    </dgm:txFillClrLst>
+    <dgm:txEffectClrLst/>
+  </dgm:styleLbl>
+  <dgm:styleLbl name="alignAccFollowNode1">
+    <dgm:fillClrLst>
+      <a:schemeClr val="accent2">
+        <a:tint val="40000"/>
+        <a:alpha val="90000"/>
+      </a:schemeClr>
+      <a:schemeClr val="accent3">
+        <a:tint val="40000"/>
+        <a:alpha val="90000"/>
+      </a:schemeClr>
+    </dgm:fillClrLst>
+    <dgm:linClrLst>
+      <a:schemeClr val="accent2">
+        <a:tint val="40000"/>
+        <a:alpha val="90000"/>
+      </a:schemeClr>
+      <a:schemeClr val="accent3">
+        <a:tint val="40000"/>
+        <a:alpha val="90000"/>
+      </a:schemeClr>
+    </dgm:linClrLst>
+    <dgm:effectClrLst/>
+    <dgm:txLinClrLst/>
+    <dgm:txFillClrLst meth="repeat">
+      <a:schemeClr val="dk1"/>
+    </dgm:txFillClrLst>
+    <dgm:txEffectClrLst/>
+  </dgm:styleLbl>
+  <dgm:styleLbl name="bgAccFollowNode1">
+    <dgm:fillClrLst>
+      <a:schemeClr val="accent2">
+        <a:tint val="40000"/>
+        <a:alpha val="90000"/>
+      </a:schemeClr>
+      <a:schemeClr val="accent3">
+        <a:tint val="40000"/>
+        <a:alpha val="90000"/>
+      </a:schemeClr>
+    </dgm:fillClrLst>
+    <dgm:linClrLst>
+      <a:schemeClr val="accent2">
+        <a:tint val="40000"/>
+        <a:alpha val="90000"/>
+      </a:schemeClr>
+      <a:schemeClr val="accent3">
+        <a:tint val="40000"/>
+        <a:alpha val="90000"/>
+      </a:schemeClr>
+    </dgm:linClrLst>
+    <dgm:effectClrLst/>
+    <dgm:txLinClrLst/>
+    <dgm:txFillClrLst meth="repeat">
+      <a:schemeClr val="dk1"/>
+    </dgm:txFillClrLst>
+    <dgm:txEffectClrLst/>
+  </dgm:styleLbl>
+  <dgm:styleLbl name="fgAcc0">
+    <dgm:fillClrLst meth="repeat">
+      <a:schemeClr val="lt1">
+        <a:alpha val="90000"/>
+      </a:schemeClr>
+    </dgm:fillClrLst>
+    <dgm:linClrLst>
+      <a:schemeClr val="accent1"/>
+    </dgm:linClrLst>
+    <dgm:effectClrLst/>
+    <dgm:txLinClrLst/>
+    <dgm:txFillClrLst meth="repeat">
+      <a:schemeClr val="dk1"/>
+    </dgm:txFillClrLst>
+    <dgm:txEffectClrLst/>
+  </dgm:styleLbl>
+  <dgm:styleLbl name="fgAcc2">
+    <dgm:fillClrLst meth="repeat">
+      <a:schemeClr val="lt1">
+        <a:alpha val="90000"/>
+      </a:schemeClr>
+    </dgm:fillClrLst>
+    <dgm:linClrLst>
+      <a:schemeClr val="accent3"/>
+    </dgm:linClrLst>
+    <dgm:effectClrLst/>
+    <dgm:txLinClrLst/>
+    <dgm:txFillClrLst meth="repeat">
+      <a:schemeClr val="dk1"/>
+    </dgm:txFillClrLst>
+    <dgm:txEffectClrLst/>
+  </dgm:styleLbl>
+  <dgm:styleLbl name="fgAcc3">
+    <dgm:fillClrLst meth="repeat">
+      <a:schemeClr val="lt1">
+        <a:alpha val="90000"/>
+      </a:schemeClr>
+    </dgm:fillClrLst>
+    <dgm:linClrLst>
+      <a:schemeClr val="accent4"/>
+    </dgm:linClrLst>
+    <dgm:effectClrLst/>
+    <dgm:txLinClrLst/>
+    <dgm:txFillClrLst meth="repeat">
+      <a:schemeClr val="dk1"/>
+    </dgm:txFillClrLst>
+    <dgm:txEffectClrLst/>
+  </dgm:styleLbl>
+  <dgm:styleLbl name="fgAcc4">
+    <dgm:fillClrLst meth="repeat">
+      <a:schemeClr val="lt1">
+        <a:alpha val="90000"/>
+      </a:schemeClr>
+    </dgm:fillClrLst>
+    <dgm:linClrLst>
+      <a:schemeClr val="accent5"/>
+    </dgm:linClrLst>
+    <dgm:effectClrLst/>
+    <dgm:txLinClrLst/>
+    <dgm:txFillClrLst meth="repeat">
+      <a:schemeClr val="dk1"/>
+    </dgm:txFillClrLst>
+    <dgm:txEffectClrLst/>
+  </dgm:styleLbl>
+  <dgm:styleLbl name="bgShp">
+    <dgm:fillClrLst meth="repeat">
+      <a:schemeClr val="accent2">
+        <a:tint val="40000"/>
+      </a:schemeClr>
+    </dgm:fillClrLst>
+    <dgm:linClrLst meth="repeat">
+      <a:schemeClr val="dk1"/>
+    </dgm:linClrLst>
+    <dgm:effectClrLst/>
+    <dgm:txLinClrLst/>
+    <dgm:txFillClrLst meth="repeat">
+      <a:schemeClr val="dk1"/>
+    </dgm:txFillClrLst>
+    <dgm:txEffectClrLst/>
+  </dgm:styleLbl>
+  <dgm:styleLbl name="dkBgShp">
+    <dgm:fillClrLst meth="repeat">
+      <a:schemeClr val="accent2">
+        <a:shade val="90000"/>
+      </a:schemeClr>
+    </dgm:fillClrLst>
+    <dgm:linClrLst meth="repeat">
+      <a:schemeClr val="dk1"/>
+    </dgm:linClrLst>
+    <dgm:effectClrLst/>
+    <dgm:txLinClrLst/>
+    <dgm:txFillClrLst meth="repeat">
+      <a:schemeClr val="lt1"/>
+    </dgm:txFillClrLst>
+    <dgm:txEffectClrLst/>
+  </dgm:styleLbl>
+  <dgm:styleLbl name="trBgShp">
+    <dgm:fillClrLst meth="repeat">
+      <a:schemeClr val="accent2">
+        <a:tint val="50000"/>
+        <a:alpha val="40000"/>
+      </a:schemeClr>
+    </dgm:fillClrLst>
+    <dgm:linClrLst meth="repeat">
+      <a:schemeClr val="accent2"/>
+    </dgm:linClrLst>
+    <dgm:effectClrLst/>
+    <dgm:txLinClrLst/>
+    <dgm:txFillClrLst meth="repeat">
+      <a:schemeClr val="lt1"/>
+    </dgm:txFillClrLst>
+    <dgm:txEffectClrLst/>
+  </dgm:styleLbl>
+  <dgm:styleLbl name="fgShp">
+    <dgm:fillClrLst meth="repeat">
+      <a:schemeClr val="accent2">
+        <a:tint val="40000"/>
+      </a:schemeClr>
+    </dgm:fillClrLst>
+    <dgm:linClrLst meth="repeat">
+      <a:schemeClr val="lt1"/>
+    </dgm:linClrLst>
+    <dgm:effectClrLst/>
+    <dgm:txLinClrLst/>
+    <dgm:txFillClrLst meth="repeat">
+      <a:schemeClr val="dk1"/>
+    </dgm:txFillClrLst>
+    <dgm:txEffectClrLst/>
+  </dgm:styleLbl>
+  <dgm:styleLbl name="revTx">
+    <dgm:fillClrLst meth="repeat">
+      <a:schemeClr val="lt1">
+        <a:alpha val="0"/>
+      </a:schemeClr>
+    </dgm:fillClrLst>
+    <dgm:linClrLst meth="repeat">
+      <a:schemeClr val="dk1">
+        <a:alpha val="0"/>
+      </a:schemeClr>
+    </dgm:linClrLst>
+    <dgm:effectClrLst/>
+    <dgm:txLinClrLst/>
+    <dgm:txFillClrLst meth="repeat">
+      <a:schemeClr val="tx1"/>
+    </dgm:txFillClrLst>
+    <dgm:txEffectClrLst/>
+  </dgm:styleLbl>
+</dgm:colorsDef>
+</file>
+
 <file path=ppt/diagrams/data1.xml><?xml version="1.0" encoding="utf-8"?>
 <dgm:dataModel xmlns:dgm="http://schemas.openxmlformats.org/drawingml/2006/diagram" xmlns:a="http://schemas.openxmlformats.org/drawingml/2006/main">
   <dgm:ptLst>
     <dgm:pt modelId="{0EE520FA-7B27-4DEE-A6B5-A01F5A1C2F88}" type="doc">
-      <dgm:prSet loTypeId="urn:microsoft.com/office/officeart/2005/8/layout/hChevron3" loCatId="process" qsTypeId="urn:microsoft.com/office/officeart/2005/8/quickstyle/simple1" qsCatId="simple" csTypeId="urn:microsoft.com/office/officeart/2005/8/colors/accent1_2" csCatId="accent1" phldr="1"/>
+      <dgm:prSet loTypeId="urn:microsoft.com/office/officeart/2005/8/layout/hChevron3" loCatId="process" qsTypeId="urn:microsoft.com/office/officeart/2005/8/quickstyle/simple3" qsCatId="simple" csTypeId="urn:microsoft.com/office/officeart/2005/8/colors/colorful2" csCatId="colorful" phldr="1"/>
+      <dgm:spPr/>
+      <dgm:t>
+        <a:bodyPr/>
+        <a:lstStyle/>
+        <a:p>
+          <a:endParaRPr lang="pt-BR"/>
+        </a:p>
+      </dgm:t>
+    </dgm:pt>
+    <dgm:pt modelId="{21184EA9-A81A-45AA-B0BD-6994B5C88555}">
+      <dgm:prSet phldrT="[Texto]"/>
+      <dgm:spPr/>
+      <dgm:t>
+        <a:bodyPr/>
+        <a:lstStyle/>
+        <a:p>
+          <a:pPr>
+            <a:buNone/>
+          </a:pPr>
+          <a:r>
+            <a:rPr lang="pt-BR" dirty="0"/>
+            <a:t>Mundo Real</a:t>
+          </a:r>
+        </a:p>
+      </dgm:t>
+    </dgm:pt>
+    <dgm:pt modelId="{712FEAE2-6C5B-4153-9417-F093EF0A6B62}" type="parTrans" cxnId="{882863F6-4482-4154-8D56-A30E791E4B75}">
+      <dgm:prSet/>
+      <dgm:spPr/>
+      <dgm:t>
+        <a:bodyPr/>
+        <a:lstStyle/>
+        <a:p>
+          <a:endParaRPr lang="pt-BR"/>
+        </a:p>
+      </dgm:t>
+    </dgm:pt>
+    <dgm:pt modelId="{73AE142E-BB4D-4841-A021-09919895169F}" type="sibTrans" cxnId="{882863F6-4482-4154-8D56-A30E791E4B75}">
+      <dgm:prSet/>
+      <dgm:spPr/>
+      <dgm:t>
+        <a:bodyPr/>
+        <a:lstStyle/>
+        <a:p>
+          <a:endParaRPr lang="pt-BR"/>
+        </a:p>
+      </dgm:t>
+    </dgm:pt>
+    <dgm:pt modelId="{ABDD7ECE-907A-4712-AD44-E90F5B31297B}">
+      <dgm:prSet phldrT="[Texto]"/>
+      <dgm:spPr/>
+      <dgm:t>
+        <a:bodyPr/>
+        <a:lstStyle/>
+        <a:p>
+          <a:pPr>
+            <a:buNone/>
+          </a:pPr>
+          <a:r>
+            <a:rPr lang="pt-BR" dirty="0"/>
+            <a:t>Coleta de Dados</a:t>
+          </a:r>
+        </a:p>
+      </dgm:t>
+    </dgm:pt>
+    <dgm:pt modelId="{F400CE0A-2B12-4365-A50F-C3A0A613D7EE}" type="parTrans" cxnId="{A30A1017-7BFE-43AE-922E-ED3E8EF01370}">
+      <dgm:prSet/>
+      <dgm:spPr/>
+      <dgm:t>
+        <a:bodyPr/>
+        <a:lstStyle/>
+        <a:p>
+          <a:endParaRPr lang="pt-BR"/>
+        </a:p>
+      </dgm:t>
+    </dgm:pt>
+    <dgm:pt modelId="{4D388B7A-DEB9-45E2-9C13-595EE17A5F25}" type="sibTrans" cxnId="{A30A1017-7BFE-43AE-922E-ED3E8EF01370}">
+      <dgm:prSet/>
+      <dgm:spPr/>
+      <dgm:t>
+        <a:bodyPr/>
+        <a:lstStyle/>
+        <a:p>
+          <a:endParaRPr lang="pt-BR"/>
+        </a:p>
+      </dgm:t>
+    </dgm:pt>
+    <dgm:pt modelId="{1AF113FD-81EC-47A1-8437-422251144AF1}">
+      <dgm:prSet phldrT="[Texto]"/>
+      <dgm:spPr/>
+      <dgm:t>
+        <a:bodyPr/>
+        <a:lstStyle/>
+        <a:p>
+          <a:pPr>
+            <a:buNone/>
+          </a:pPr>
+          <a:r>
+            <a:rPr lang="pt-BR" dirty="0"/>
+            <a:t>Gêmeo Digital</a:t>
+          </a:r>
+        </a:p>
+      </dgm:t>
+    </dgm:pt>
+    <dgm:pt modelId="{08C84781-B972-4102-8084-95FBD81E54B8}" type="parTrans" cxnId="{081CE034-FBD4-42AF-B02F-E37C8028D187}">
+      <dgm:prSet/>
+      <dgm:spPr/>
+      <dgm:t>
+        <a:bodyPr/>
+        <a:lstStyle/>
+        <a:p>
+          <a:endParaRPr lang="pt-BR"/>
+        </a:p>
+      </dgm:t>
+    </dgm:pt>
+    <dgm:pt modelId="{7364A281-809D-4F7C-AA24-8BB975A9BEF4}" type="sibTrans" cxnId="{081CE034-FBD4-42AF-B02F-E37C8028D187}">
+      <dgm:prSet/>
+      <dgm:spPr/>
+      <dgm:t>
+        <a:bodyPr/>
+        <a:lstStyle/>
+        <a:p>
+          <a:endParaRPr lang="pt-BR"/>
+        </a:p>
+      </dgm:t>
+    </dgm:pt>
+    <dgm:pt modelId="{0794C11C-DB32-42EA-92AA-5892A6EBF686}">
+      <dgm:prSet phldrT="[Texto]"/>
+      <dgm:spPr/>
+      <dgm:t>
+        <a:bodyPr/>
+        <a:lstStyle/>
+        <a:p>
+          <a:pPr>
+            <a:buNone/>
+          </a:pPr>
+          <a:r>
+            <a:rPr lang="pt-BR" dirty="0"/>
+            <a:t>Análise e Simulação</a:t>
+          </a:r>
+        </a:p>
+      </dgm:t>
+    </dgm:pt>
+    <dgm:pt modelId="{C998CA40-5864-4004-B365-3AA781F56054}" type="parTrans" cxnId="{94717EC0-94F0-4E9D-AD31-CF272912F6EE}">
+      <dgm:prSet/>
+      <dgm:spPr/>
+      <dgm:t>
+        <a:bodyPr/>
+        <a:lstStyle/>
+        <a:p>
+          <a:endParaRPr lang="pt-BR"/>
+        </a:p>
+      </dgm:t>
+    </dgm:pt>
+    <dgm:pt modelId="{6C2DC9F9-68F2-4EB0-A100-5FC9684D7A1F}" type="sibTrans" cxnId="{94717EC0-94F0-4E9D-AD31-CF272912F6EE}">
+      <dgm:prSet/>
+      <dgm:spPr/>
+      <dgm:t>
+        <a:bodyPr/>
+        <a:lstStyle/>
+        <a:p>
+          <a:endParaRPr lang="pt-BR"/>
+        </a:p>
+      </dgm:t>
+    </dgm:pt>
+    <dgm:pt modelId="{54C517ED-E00D-48B5-BD73-582BA53D1C70}">
+      <dgm:prSet phldrT="[Texto]"/>
+      <dgm:spPr/>
+      <dgm:t>
+        <a:bodyPr/>
+        <a:lstStyle/>
+        <a:p>
+          <a:pPr>
+            <a:buNone/>
+          </a:pPr>
+          <a:r>
+            <a:rPr lang="pt-BR" dirty="0"/>
+            <a:t>Insights para o Mundo Real</a:t>
+          </a:r>
+        </a:p>
+      </dgm:t>
+    </dgm:pt>
+    <dgm:pt modelId="{DBE0F805-A140-4CEE-871B-DCB61530EEA7}" type="parTrans" cxnId="{2326566F-7160-4C80-8D9E-0EC5AE719F1D}">
+      <dgm:prSet/>
+      <dgm:spPr/>
+      <dgm:t>
+        <a:bodyPr/>
+        <a:lstStyle/>
+        <a:p>
+          <a:endParaRPr lang="pt-BR"/>
+        </a:p>
+      </dgm:t>
+    </dgm:pt>
+    <dgm:pt modelId="{612C8520-05EA-42E1-8D54-B6E21C35E002}" type="sibTrans" cxnId="{2326566F-7160-4C80-8D9E-0EC5AE719F1D}">
+      <dgm:prSet/>
+      <dgm:spPr/>
+      <dgm:t>
+        <a:bodyPr/>
+        <a:lstStyle/>
+        <a:p>
+          <a:endParaRPr lang="pt-BR"/>
+        </a:p>
+      </dgm:t>
+    </dgm:pt>
+    <dgm:pt modelId="{80578794-928A-4A54-AFD4-73C273EA67A0}">
+      <dgm:prSet phldrT="[Texto]"/>
+      <dgm:spPr/>
+      <dgm:t>
+        <a:bodyPr/>
+        <a:lstStyle/>
+        <a:p>
+          <a:pPr>
+            <a:buNone/>
+          </a:pPr>
+          <a:r>
+            <a:rPr lang="pt-BR" dirty="0"/>
+            <a:t>IOT</a:t>
+          </a:r>
+        </a:p>
+      </dgm:t>
+    </dgm:pt>
+    <dgm:pt modelId="{A8404978-DA02-47CE-9B19-9B0A26A81EDE}" type="parTrans" cxnId="{35D5721D-85F7-47D7-9F2E-4C25C32E76B8}">
+      <dgm:prSet/>
+      <dgm:spPr/>
+      <dgm:t>
+        <a:bodyPr/>
+        <a:lstStyle/>
+        <a:p>
+          <a:endParaRPr lang="pt-BR"/>
+        </a:p>
+      </dgm:t>
+    </dgm:pt>
+    <dgm:pt modelId="{5F23DB8F-7A62-4B1F-BD97-5508301BB2A8}" type="sibTrans" cxnId="{35D5721D-85F7-47D7-9F2E-4C25C32E76B8}">
+      <dgm:prSet/>
+      <dgm:spPr/>
+      <dgm:t>
+        <a:bodyPr/>
+        <a:lstStyle/>
+        <a:p>
+          <a:endParaRPr lang="pt-BR"/>
+        </a:p>
+      </dgm:t>
+    </dgm:pt>
+    <dgm:pt modelId="{14DB5FCC-1E7C-457D-958A-A0C33EB89209}" type="pres">
+      <dgm:prSet presAssocID="{0EE520FA-7B27-4DEE-A6B5-A01F5A1C2F88}" presName="Name0" presStyleCnt="0">
+        <dgm:presLayoutVars>
+          <dgm:dir/>
+          <dgm:resizeHandles val="exact"/>
+        </dgm:presLayoutVars>
+      </dgm:prSet>
+      <dgm:spPr/>
+    </dgm:pt>
+    <dgm:pt modelId="{14A21912-7520-4164-8043-F9D60F503EC4}" type="pres">
+      <dgm:prSet presAssocID="{21184EA9-A81A-45AA-B0BD-6994B5C88555}" presName="parAndChTx" presStyleLbl="node1" presStyleIdx="0" presStyleCnt="3">
+        <dgm:presLayoutVars>
+          <dgm:bulletEnabled val="1"/>
+        </dgm:presLayoutVars>
+      </dgm:prSet>
+      <dgm:spPr/>
+    </dgm:pt>
+    <dgm:pt modelId="{7A67E949-ED96-4FFA-99BC-CC6FBB0FEFF5}" type="pres">
+      <dgm:prSet presAssocID="{73AE142E-BB4D-4841-A021-09919895169F}" presName="parAndChSpace" presStyleCnt="0"/>
+      <dgm:spPr/>
+    </dgm:pt>
+    <dgm:pt modelId="{CC4D0A10-C3EA-423D-BC4D-B96B7CC4CF60}" type="pres">
+      <dgm:prSet presAssocID="{1AF113FD-81EC-47A1-8437-422251144AF1}" presName="parAndChTx" presStyleLbl="node1" presStyleIdx="1" presStyleCnt="3">
+        <dgm:presLayoutVars>
+          <dgm:bulletEnabled val="1"/>
+        </dgm:presLayoutVars>
+      </dgm:prSet>
+      <dgm:spPr/>
+    </dgm:pt>
+    <dgm:pt modelId="{227EF843-3F4F-4519-80E4-23EB0EEAD447}" type="pres">
+      <dgm:prSet presAssocID="{7364A281-809D-4F7C-AA24-8BB975A9BEF4}" presName="parAndChSpace" presStyleCnt="0"/>
+      <dgm:spPr/>
+    </dgm:pt>
+    <dgm:pt modelId="{C19D46D3-B915-456F-9CE5-D70CCA17DE4E}" type="pres">
+      <dgm:prSet presAssocID="{54C517ED-E00D-48B5-BD73-582BA53D1C70}" presName="parAndChTx" presStyleLbl="node1" presStyleIdx="2" presStyleCnt="3">
+        <dgm:presLayoutVars>
+          <dgm:bulletEnabled val="1"/>
+        </dgm:presLayoutVars>
+      </dgm:prSet>
+      <dgm:spPr/>
+    </dgm:pt>
+  </dgm:ptLst>
+  <dgm:cxnLst>
+    <dgm:cxn modelId="{04B4310D-485B-4700-89E9-2E27D9AE4738}" type="presOf" srcId="{54C517ED-E00D-48B5-BD73-582BA53D1C70}" destId="{C19D46D3-B915-456F-9CE5-D70CCA17DE4E}" srcOrd="0" destOrd="0" presId="urn:microsoft.com/office/officeart/2005/8/layout/hChevron3"/>
+    <dgm:cxn modelId="{A30A1017-7BFE-43AE-922E-ED3E8EF01370}" srcId="{21184EA9-A81A-45AA-B0BD-6994B5C88555}" destId="{ABDD7ECE-907A-4712-AD44-E90F5B31297B}" srcOrd="0" destOrd="0" parTransId="{F400CE0A-2B12-4365-A50F-C3A0A613D7EE}" sibTransId="{4D388B7A-DEB9-45E2-9C13-595EE17A5F25}"/>
+    <dgm:cxn modelId="{B5246F1A-763C-4A00-9F03-ADD589B87301}" type="presOf" srcId="{0794C11C-DB32-42EA-92AA-5892A6EBF686}" destId="{CC4D0A10-C3EA-423D-BC4D-B96B7CC4CF60}" srcOrd="0" destOrd="1" presId="urn:microsoft.com/office/officeart/2005/8/layout/hChevron3"/>
+    <dgm:cxn modelId="{5437DC1A-0D5B-4B71-8E02-ECB9F1DD009C}" type="presOf" srcId="{1AF113FD-81EC-47A1-8437-422251144AF1}" destId="{CC4D0A10-C3EA-423D-BC4D-B96B7CC4CF60}" srcOrd="0" destOrd="0" presId="urn:microsoft.com/office/officeart/2005/8/layout/hChevron3"/>
+    <dgm:cxn modelId="{35D5721D-85F7-47D7-9F2E-4C25C32E76B8}" srcId="{21184EA9-A81A-45AA-B0BD-6994B5C88555}" destId="{80578794-928A-4A54-AFD4-73C273EA67A0}" srcOrd="1" destOrd="0" parTransId="{A8404978-DA02-47CE-9B19-9B0A26A81EDE}" sibTransId="{5F23DB8F-7A62-4B1F-BD97-5508301BB2A8}"/>
+    <dgm:cxn modelId="{081CE034-FBD4-42AF-B02F-E37C8028D187}" srcId="{0EE520FA-7B27-4DEE-A6B5-A01F5A1C2F88}" destId="{1AF113FD-81EC-47A1-8437-422251144AF1}" srcOrd="1" destOrd="0" parTransId="{08C84781-B972-4102-8084-95FBD81E54B8}" sibTransId="{7364A281-809D-4F7C-AA24-8BB975A9BEF4}"/>
+    <dgm:cxn modelId="{CC4FE86E-255D-439F-B59F-C45C85536EA7}" type="presOf" srcId="{ABDD7ECE-907A-4712-AD44-E90F5B31297B}" destId="{14A21912-7520-4164-8043-F9D60F503EC4}" srcOrd="0" destOrd="1" presId="urn:microsoft.com/office/officeart/2005/8/layout/hChevron3"/>
+    <dgm:cxn modelId="{2326566F-7160-4C80-8D9E-0EC5AE719F1D}" srcId="{0EE520FA-7B27-4DEE-A6B5-A01F5A1C2F88}" destId="{54C517ED-E00D-48B5-BD73-582BA53D1C70}" srcOrd="2" destOrd="0" parTransId="{DBE0F805-A140-4CEE-871B-DCB61530EEA7}" sibTransId="{612C8520-05EA-42E1-8D54-B6E21C35E002}"/>
+    <dgm:cxn modelId="{A8350394-C122-45ED-8539-B7C041969C3B}" type="presOf" srcId="{21184EA9-A81A-45AA-B0BD-6994B5C88555}" destId="{14A21912-7520-4164-8043-F9D60F503EC4}" srcOrd="0" destOrd="0" presId="urn:microsoft.com/office/officeart/2005/8/layout/hChevron3"/>
+    <dgm:cxn modelId="{B28D0296-82AC-4CF3-80FD-F60616750972}" type="presOf" srcId="{0EE520FA-7B27-4DEE-A6B5-A01F5A1C2F88}" destId="{14DB5FCC-1E7C-457D-958A-A0C33EB89209}" srcOrd="0" destOrd="0" presId="urn:microsoft.com/office/officeart/2005/8/layout/hChevron3"/>
+    <dgm:cxn modelId="{94717EC0-94F0-4E9D-AD31-CF272912F6EE}" srcId="{1AF113FD-81EC-47A1-8437-422251144AF1}" destId="{0794C11C-DB32-42EA-92AA-5892A6EBF686}" srcOrd="0" destOrd="0" parTransId="{C998CA40-5864-4004-B365-3AA781F56054}" sibTransId="{6C2DC9F9-68F2-4EB0-A100-5FC9684D7A1F}"/>
+    <dgm:cxn modelId="{152568E7-B6AF-4C79-BA70-564B63A6A1D6}" type="presOf" srcId="{80578794-928A-4A54-AFD4-73C273EA67A0}" destId="{14A21912-7520-4164-8043-F9D60F503EC4}" srcOrd="0" destOrd="2" presId="urn:microsoft.com/office/officeart/2005/8/layout/hChevron3"/>
+    <dgm:cxn modelId="{882863F6-4482-4154-8D56-A30E791E4B75}" srcId="{0EE520FA-7B27-4DEE-A6B5-A01F5A1C2F88}" destId="{21184EA9-A81A-45AA-B0BD-6994B5C88555}" srcOrd="0" destOrd="0" parTransId="{712FEAE2-6C5B-4153-9417-F093EF0A6B62}" sibTransId="{73AE142E-BB4D-4841-A021-09919895169F}"/>
+    <dgm:cxn modelId="{4041AB8F-F0F3-4293-8FB1-6FBEC2E4D8E3}" type="presParOf" srcId="{14DB5FCC-1E7C-457D-958A-A0C33EB89209}" destId="{14A21912-7520-4164-8043-F9D60F503EC4}" srcOrd="0" destOrd="0" presId="urn:microsoft.com/office/officeart/2005/8/layout/hChevron3"/>
+    <dgm:cxn modelId="{81848736-3D77-4B6F-A94D-2FC1F4F50E59}" type="presParOf" srcId="{14DB5FCC-1E7C-457D-958A-A0C33EB89209}" destId="{7A67E949-ED96-4FFA-99BC-CC6FBB0FEFF5}" srcOrd="1" destOrd="0" presId="urn:microsoft.com/office/officeart/2005/8/layout/hChevron3"/>
+    <dgm:cxn modelId="{398EF9C9-0186-4577-B908-FCFA0D6AD01D}" type="presParOf" srcId="{14DB5FCC-1E7C-457D-958A-A0C33EB89209}" destId="{CC4D0A10-C3EA-423D-BC4D-B96B7CC4CF60}" srcOrd="2" destOrd="0" presId="urn:microsoft.com/office/officeart/2005/8/layout/hChevron3"/>
+    <dgm:cxn modelId="{53DDFF4E-4BE2-4F18-933C-BE9B14702A47}" type="presParOf" srcId="{14DB5FCC-1E7C-457D-958A-A0C33EB89209}" destId="{227EF843-3F4F-4519-80E4-23EB0EEAD447}" srcOrd="3" destOrd="0" presId="urn:microsoft.com/office/officeart/2005/8/layout/hChevron3"/>
+    <dgm:cxn modelId="{51BE13BB-9EC7-4601-B1AC-AB337E442FCF}" type="presParOf" srcId="{14DB5FCC-1E7C-457D-958A-A0C33EB89209}" destId="{C19D46D3-B915-456F-9CE5-D70CCA17DE4E}" srcOrd="4" destOrd="0" presId="urn:microsoft.com/office/officeart/2005/8/layout/hChevron3"/>
+  </dgm:cxnLst>
+  <dgm:bg/>
+  <dgm:whole/>
+  <dgm:extLst>
+    <a:ext uri="http://schemas.microsoft.com/office/drawing/2008/diagram">
+      <dsp:dataModelExt xmlns:dsp="http://schemas.microsoft.com/office/drawing/2008/diagram" relId="rId7" minVer="http://schemas.openxmlformats.org/drawingml/2006/diagram"/>
+    </a:ext>
+  </dgm:extLst>
+</dgm:dataModel>
+</file>
+
+<file path=ppt/diagrams/data2.xml><?xml version="1.0" encoding="utf-8"?>
+<dgm:dataModel xmlns:dgm="http://schemas.openxmlformats.org/drawingml/2006/diagram" xmlns:a="http://schemas.openxmlformats.org/drawingml/2006/main">
+  <dgm:ptLst>
+    <dgm:pt modelId="{0EE520FA-7B27-4DEE-A6B5-A01F5A1C2F88}" type="doc">
+      <dgm:prSet loTypeId="urn:microsoft.com/office/officeart/2005/8/layout/hChevron3" loCatId="process" qsTypeId="urn:microsoft.com/office/officeart/2005/8/quickstyle/simple3" qsCatId="simple" csTypeId="urn:microsoft.com/office/officeart/2005/8/colors/colorful2" csCatId="colorful" phldr="1"/>
       <dgm:spPr/>
       <dgm:t>
         <a:bodyPr/>
@@ -1193,39 +2331,470 @@
             <a:gd name="adj" fmla="val 25000"/>
           </a:avLst>
         </a:prstGeom>
-        <a:solidFill>
-          <a:schemeClr val="accent1">
-            <a:hueOff val="0"/>
-            <a:satOff val="0"/>
-            <a:lumOff val="0"/>
-            <a:alphaOff val="0"/>
-          </a:schemeClr>
-        </a:solidFill>
-        <a:ln w="25400" cap="flat" cmpd="sng" algn="ctr">
-          <a:solidFill>
-            <a:schemeClr val="lt1">
-              <a:hueOff val="0"/>
-              <a:satOff val="0"/>
-              <a:lumOff val="0"/>
-              <a:alphaOff val="0"/>
-            </a:schemeClr>
-          </a:solidFill>
-          <a:prstDash val="solid"/>
+        <a:gradFill rotWithShape="0">
+          <a:gsLst>
+            <a:gs pos="0">
+              <a:schemeClr val="accent2">
+                <a:hueOff val="0"/>
+                <a:satOff val="0"/>
+                <a:lumOff val="0"/>
+                <a:alphaOff val="0"/>
+                <a:tint val="50000"/>
+                <a:satMod val="300000"/>
+              </a:schemeClr>
+            </a:gs>
+            <a:gs pos="35000">
+              <a:schemeClr val="accent2">
+                <a:hueOff val="0"/>
+                <a:satOff val="0"/>
+                <a:lumOff val="0"/>
+                <a:alphaOff val="0"/>
+                <a:tint val="37000"/>
+                <a:satMod val="300000"/>
+              </a:schemeClr>
+            </a:gs>
+            <a:gs pos="100000">
+              <a:schemeClr val="accent2">
+                <a:hueOff val="0"/>
+                <a:satOff val="0"/>
+                <a:lumOff val="0"/>
+                <a:alphaOff val="0"/>
+                <a:tint val="15000"/>
+                <a:satMod val="350000"/>
+              </a:schemeClr>
+            </a:gs>
+          </a:gsLst>
+          <a:lin ang="16200000" scaled="1"/>
+        </a:gradFill>
+        <a:ln>
+          <a:noFill/>
         </a:ln>
-        <a:effectLst/>
+        <a:effectLst>
+          <a:outerShdw blurRad="40000" dist="20000" dir="5400000" rotWithShape="0">
+            <a:srgbClr val="000000">
+              <a:alpha val="38000"/>
+            </a:srgbClr>
+          </a:outerShdw>
+        </a:effectLst>
+        <a:scene3d>
+          <a:camera prst="orthographicFront"/>
+          <a:lightRig rig="flat" dir="t"/>
+        </a:scene3d>
+        <a:sp3d prstMaterial="dkEdge">
+          <a:bevelT w="8200" h="38100"/>
+        </a:sp3d>
       </dsp:spPr>
       <dsp:style>
-        <a:lnRef idx="2">
+        <a:lnRef idx="0">
           <a:scrgbClr r="0" g="0" b="0"/>
         </a:lnRef>
-        <a:fillRef idx="1">
+        <a:fillRef idx="2">
           <a:scrgbClr r="0" g="0" b="0"/>
         </a:fillRef>
-        <a:effectRef idx="0">
+        <a:effectRef idx="1">
           <a:scrgbClr r="0" g="0" b="0"/>
         </a:effectRef>
         <a:fontRef idx="minor">
-          <a:schemeClr val="lt1"/>
+          <a:schemeClr val="dk1"/>
+        </a:fontRef>
+      </dsp:style>
+      <dsp:txBody>
+        <a:bodyPr spcFirstLastPara="0" vert="horz" wrap="square" lIns="85043" tIns="30480" rIns="340171" bIns="30480" numCol="1" spcCol="1270" anchor="t" anchorCtr="0">
+          <a:noAutofit/>
+        </a:bodyPr>
+        <a:lstStyle/>
+        <a:p>
+          <a:pPr marL="0" lvl="0" indent="0" algn="l" defTabSz="533400">
+            <a:lnSpc>
+              <a:spcPct val="90000"/>
+            </a:lnSpc>
+            <a:spcBef>
+              <a:spcPct val="0"/>
+            </a:spcBef>
+            <a:spcAft>
+              <a:spcPct val="35000"/>
+            </a:spcAft>
+            <a:buNone/>
+          </a:pPr>
+          <a:r>
+            <a:rPr lang="pt-BR" sz="1200" kern="1200" dirty="0"/>
+            <a:t>Mundo Real</a:t>
+          </a:r>
+        </a:p>
+        <a:p>
+          <a:pPr marL="57150" lvl="1" indent="-57150" algn="l" defTabSz="400050">
+            <a:lnSpc>
+              <a:spcPct val="90000"/>
+            </a:lnSpc>
+            <a:spcBef>
+              <a:spcPct val="0"/>
+            </a:spcBef>
+            <a:spcAft>
+              <a:spcPct val="15000"/>
+            </a:spcAft>
+            <a:buNone/>
+          </a:pPr>
+          <a:r>
+            <a:rPr lang="pt-BR" sz="900" kern="1200" dirty="0"/>
+            <a:t>Coleta de Dados</a:t>
+          </a:r>
+        </a:p>
+        <a:p>
+          <a:pPr marL="57150" lvl="1" indent="-57150" algn="l" defTabSz="400050">
+            <a:lnSpc>
+              <a:spcPct val="90000"/>
+            </a:lnSpc>
+            <a:spcBef>
+              <a:spcPct val="0"/>
+            </a:spcBef>
+            <a:spcAft>
+              <a:spcPct val="15000"/>
+            </a:spcAft>
+            <a:buNone/>
+          </a:pPr>
+          <a:r>
+            <a:rPr lang="pt-BR" sz="900" kern="1200" dirty="0"/>
+            <a:t>IOT</a:t>
+          </a:r>
+        </a:p>
+      </dsp:txBody>
+      <dsp:txXfrm>
+        <a:off x="2756" y="0"/>
+        <a:ext cx="2339535" cy="569020"/>
+      </dsp:txXfrm>
+    </dsp:sp>
+    <dsp:sp modelId="{CC4D0A10-C3EA-423D-BC4D-B96B7CC4CF60}">
+      <dsp:nvSpPr>
+        <dsp:cNvPr id="0" name=""/>
+        <dsp:cNvSpPr/>
+      </dsp:nvSpPr>
+      <dsp:spPr>
+        <a:xfrm>
+          <a:off x="1931286" y="0"/>
+          <a:ext cx="2410662" cy="569020"/>
+        </a:xfrm>
+        <a:prstGeom prst="chevron">
+          <a:avLst>
+            <a:gd name="adj" fmla="val 25000"/>
+          </a:avLst>
+        </a:prstGeom>
+        <a:gradFill rotWithShape="0">
+          <a:gsLst>
+            <a:gs pos="0">
+              <a:schemeClr val="accent2">
+                <a:hueOff val="2340759"/>
+                <a:satOff val="-2919"/>
+                <a:lumOff val="686"/>
+                <a:alphaOff val="0"/>
+                <a:tint val="50000"/>
+                <a:satMod val="300000"/>
+              </a:schemeClr>
+            </a:gs>
+            <a:gs pos="35000">
+              <a:schemeClr val="accent2">
+                <a:hueOff val="2340759"/>
+                <a:satOff val="-2919"/>
+                <a:lumOff val="686"/>
+                <a:alphaOff val="0"/>
+                <a:tint val="37000"/>
+                <a:satMod val="300000"/>
+              </a:schemeClr>
+            </a:gs>
+            <a:gs pos="100000">
+              <a:schemeClr val="accent2">
+                <a:hueOff val="2340759"/>
+                <a:satOff val="-2919"/>
+                <a:lumOff val="686"/>
+                <a:alphaOff val="0"/>
+                <a:tint val="15000"/>
+                <a:satMod val="350000"/>
+              </a:schemeClr>
+            </a:gs>
+          </a:gsLst>
+          <a:lin ang="16200000" scaled="1"/>
+        </a:gradFill>
+        <a:ln>
+          <a:noFill/>
+        </a:ln>
+        <a:effectLst>
+          <a:outerShdw blurRad="40000" dist="20000" dir="5400000" rotWithShape="0">
+            <a:srgbClr val="000000">
+              <a:alpha val="38000"/>
+            </a:srgbClr>
+          </a:outerShdw>
+        </a:effectLst>
+        <a:scene3d>
+          <a:camera prst="orthographicFront"/>
+          <a:lightRig rig="flat" dir="t"/>
+        </a:scene3d>
+        <a:sp3d prstMaterial="dkEdge">
+          <a:bevelT w="8200" h="38100"/>
+        </a:sp3d>
+      </dsp:spPr>
+      <dsp:style>
+        <a:lnRef idx="0">
+          <a:scrgbClr r="0" g="0" b="0"/>
+        </a:lnRef>
+        <a:fillRef idx="2">
+          <a:scrgbClr r="0" g="0" b="0"/>
+        </a:fillRef>
+        <a:effectRef idx="1">
+          <a:scrgbClr r="0" g="0" b="0"/>
+        </a:effectRef>
+        <a:fontRef idx="minor">
+          <a:schemeClr val="dk1"/>
+        </a:fontRef>
+      </dsp:style>
+      <dsp:txBody>
+        <a:bodyPr spcFirstLastPara="0" vert="horz" wrap="square" lIns="85043" tIns="30480" rIns="85043" bIns="30480" numCol="1" spcCol="1270" anchor="t" anchorCtr="0">
+          <a:noAutofit/>
+        </a:bodyPr>
+        <a:lstStyle/>
+        <a:p>
+          <a:pPr marL="0" lvl="0" indent="0" algn="l" defTabSz="533400">
+            <a:lnSpc>
+              <a:spcPct val="90000"/>
+            </a:lnSpc>
+            <a:spcBef>
+              <a:spcPct val="0"/>
+            </a:spcBef>
+            <a:spcAft>
+              <a:spcPct val="35000"/>
+            </a:spcAft>
+            <a:buNone/>
+          </a:pPr>
+          <a:r>
+            <a:rPr lang="pt-BR" sz="1200" kern="1200" dirty="0"/>
+            <a:t>Gêmeo Digital</a:t>
+          </a:r>
+        </a:p>
+        <a:p>
+          <a:pPr marL="57150" lvl="1" indent="-57150" algn="l" defTabSz="400050">
+            <a:lnSpc>
+              <a:spcPct val="90000"/>
+            </a:lnSpc>
+            <a:spcBef>
+              <a:spcPct val="0"/>
+            </a:spcBef>
+            <a:spcAft>
+              <a:spcPct val="15000"/>
+            </a:spcAft>
+            <a:buNone/>
+          </a:pPr>
+          <a:r>
+            <a:rPr lang="pt-BR" sz="900" kern="1200" dirty="0"/>
+            <a:t>Análise e Simulação</a:t>
+          </a:r>
+        </a:p>
+      </dsp:txBody>
+      <dsp:txXfrm>
+        <a:off x="2073541" y="0"/>
+        <a:ext cx="2126152" cy="569020"/>
+      </dsp:txXfrm>
+    </dsp:sp>
+    <dsp:sp modelId="{C19D46D3-B915-456F-9CE5-D70CCA17DE4E}">
+      <dsp:nvSpPr>
+        <dsp:cNvPr id="0" name=""/>
+        <dsp:cNvSpPr/>
+      </dsp:nvSpPr>
+      <dsp:spPr>
+        <a:xfrm>
+          <a:off x="3859816" y="0"/>
+          <a:ext cx="2410662" cy="569020"/>
+        </a:xfrm>
+        <a:prstGeom prst="chevron">
+          <a:avLst>
+            <a:gd name="adj" fmla="val 25000"/>
+          </a:avLst>
+        </a:prstGeom>
+        <a:gradFill rotWithShape="0">
+          <a:gsLst>
+            <a:gs pos="0">
+              <a:schemeClr val="accent2">
+                <a:hueOff val="4681519"/>
+                <a:satOff val="-5839"/>
+                <a:lumOff val="1373"/>
+                <a:alphaOff val="0"/>
+                <a:tint val="50000"/>
+                <a:satMod val="300000"/>
+              </a:schemeClr>
+            </a:gs>
+            <a:gs pos="35000">
+              <a:schemeClr val="accent2">
+                <a:hueOff val="4681519"/>
+                <a:satOff val="-5839"/>
+                <a:lumOff val="1373"/>
+                <a:alphaOff val="0"/>
+                <a:tint val="37000"/>
+                <a:satMod val="300000"/>
+              </a:schemeClr>
+            </a:gs>
+            <a:gs pos="100000">
+              <a:schemeClr val="accent2">
+                <a:hueOff val="4681519"/>
+                <a:satOff val="-5839"/>
+                <a:lumOff val="1373"/>
+                <a:alphaOff val="0"/>
+                <a:tint val="15000"/>
+                <a:satMod val="350000"/>
+              </a:schemeClr>
+            </a:gs>
+          </a:gsLst>
+          <a:lin ang="16200000" scaled="1"/>
+        </a:gradFill>
+        <a:ln>
+          <a:noFill/>
+        </a:ln>
+        <a:effectLst>
+          <a:outerShdw blurRad="40000" dist="20000" dir="5400000" rotWithShape="0">
+            <a:srgbClr val="000000">
+              <a:alpha val="38000"/>
+            </a:srgbClr>
+          </a:outerShdw>
+        </a:effectLst>
+        <a:scene3d>
+          <a:camera prst="orthographicFront"/>
+          <a:lightRig rig="flat" dir="t"/>
+        </a:scene3d>
+        <a:sp3d prstMaterial="dkEdge">
+          <a:bevelT w="8200" h="38100"/>
+        </a:sp3d>
+      </dsp:spPr>
+      <dsp:style>
+        <a:lnRef idx="0">
+          <a:scrgbClr r="0" g="0" b="0"/>
+        </a:lnRef>
+        <a:fillRef idx="2">
+          <a:scrgbClr r="0" g="0" b="0"/>
+        </a:fillRef>
+        <a:effectRef idx="1">
+          <a:scrgbClr r="0" g="0" b="0"/>
+        </a:effectRef>
+        <a:fontRef idx="minor">
+          <a:schemeClr val="dk1"/>
+        </a:fontRef>
+      </dsp:style>
+      <dsp:txBody>
+        <a:bodyPr spcFirstLastPara="0" vert="horz" wrap="square" lIns="85043" tIns="30480" rIns="85043" bIns="30480" numCol="1" spcCol="1270" anchor="ctr" anchorCtr="0">
+          <a:noAutofit/>
+        </a:bodyPr>
+        <a:lstStyle/>
+        <a:p>
+          <a:pPr marL="0" lvl="0" indent="0" algn="ctr" defTabSz="533400">
+            <a:lnSpc>
+              <a:spcPct val="90000"/>
+            </a:lnSpc>
+            <a:spcBef>
+              <a:spcPct val="0"/>
+            </a:spcBef>
+            <a:spcAft>
+              <a:spcPct val="35000"/>
+            </a:spcAft>
+            <a:buNone/>
+          </a:pPr>
+          <a:r>
+            <a:rPr lang="pt-BR" sz="1200" kern="1200" dirty="0"/>
+            <a:t>Insights para o Mundo Real</a:t>
+          </a:r>
+        </a:p>
+      </dsp:txBody>
+      <dsp:txXfrm>
+        <a:off x="4002071" y="0"/>
+        <a:ext cx="2126152" cy="569020"/>
+      </dsp:txXfrm>
+    </dsp:sp>
+  </dsp:spTree>
+</dsp:drawing>
+</file>
+
+<file path=ppt/diagrams/drawing2.xml><?xml version="1.0" encoding="utf-8"?>
+<dsp:drawing xmlns:dgm="http://schemas.openxmlformats.org/drawingml/2006/diagram" xmlns:dsp="http://schemas.microsoft.com/office/drawing/2008/diagram" xmlns:a="http://schemas.openxmlformats.org/drawingml/2006/main">
+  <dsp:spTree>
+    <dsp:nvGrpSpPr>
+      <dsp:cNvPr id="0" name=""/>
+      <dsp:cNvGrpSpPr/>
+    </dsp:nvGrpSpPr>
+    <dsp:grpSpPr/>
+    <dsp:sp modelId="{14A21912-7520-4164-8043-F9D60F503EC4}">
+      <dsp:nvSpPr>
+        <dsp:cNvPr id="0" name=""/>
+        <dsp:cNvSpPr/>
+      </dsp:nvSpPr>
+      <dsp:spPr>
+        <a:xfrm>
+          <a:off x="2756" y="0"/>
+          <a:ext cx="2410662" cy="569020"/>
+        </a:xfrm>
+        <a:prstGeom prst="homePlate">
+          <a:avLst>
+            <a:gd name="adj" fmla="val 25000"/>
+          </a:avLst>
+        </a:prstGeom>
+        <a:gradFill rotWithShape="0">
+          <a:gsLst>
+            <a:gs pos="0">
+              <a:schemeClr val="accent2">
+                <a:hueOff val="0"/>
+                <a:satOff val="0"/>
+                <a:lumOff val="0"/>
+                <a:alphaOff val="0"/>
+                <a:tint val="50000"/>
+                <a:satMod val="300000"/>
+              </a:schemeClr>
+            </a:gs>
+            <a:gs pos="35000">
+              <a:schemeClr val="accent2">
+                <a:hueOff val="0"/>
+                <a:satOff val="0"/>
+                <a:lumOff val="0"/>
+                <a:alphaOff val="0"/>
+                <a:tint val="37000"/>
+                <a:satMod val="300000"/>
+              </a:schemeClr>
+            </a:gs>
+            <a:gs pos="100000">
+              <a:schemeClr val="accent2">
+                <a:hueOff val="0"/>
+                <a:satOff val="0"/>
+                <a:lumOff val="0"/>
+                <a:alphaOff val="0"/>
+                <a:tint val="15000"/>
+                <a:satMod val="350000"/>
+              </a:schemeClr>
+            </a:gs>
+          </a:gsLst>
+          <a:lin ang="16200000" scaled="1"/>
+        </a:gradFill>
+        <a:ln>
+          <a:noFill/>
+        </a:ln>
+        <a:effectLst>
+          <a:outerShdw blurRad="40000" dist="20000" dir="5400000" rotWithShape="0">
+            <a:srgbClr val="000000">
+              <a:alpha val="38000"/>
+            </a:srgbClr>
+          </a:outerShdw>
+        </a:effectLst>
+        <a:scene3d>
+          <a:camera prst="orthographicFront"/>
+          <a:lightRig rig="flat" dir="t"/>
+        </a:scene3d>
+        <a:sp3d prstMaterial="dkEdge">
+          <a:bevelT w="8200" h="38100"/>
+        </a:sp3d>
+      </dsp:spPr>
+      <dsp:style>
+        <a:lnRef idx="0">
+          <a:scrgbClr r="0" g="0" b="0"/>
+        </a:lnRef>
+        <a:fillRef idx="2">
+          <a:scrgbClr r="0" g="0" b="0"/>
+        </a:fillRef>
+        <a:effectRef idx="1">
+          <a:scrgbClr r="0" g="0" b="0"/>
+        </a:effectRef>
+        <a:fontRef idx="minor">
+          <a:schemeClr val="dk1"/>
         </a:fontRef>
       </dsp:style>
       <dsp:txBody>
@@ -1290,39 +2859,71 @@
             <a:gd name="adj" fmla="val 25000"/>
           </a:avLst>
         </a:prstGeom>
-        <a:solidFill>
-          <a:schemeClr val="accent1">
-            <a:hueOff val="0"/>
-            <a:satOff val="0"/>
-            <a:lumOff val="0"/>
-            <a:alphaOff val="0"/>
-          </a:schemeClr>
-        </a:solidFill>
-        <a:ln w="25400" cap="flat" cmpd="sng" algn="ctr">
-          <a:solidFill>
-            <a:schemeClr val="lt1">
-              <a:hueOff val="0"/>
-              <a:satOff val="0"/>
-              <a:lumOff val="0"/>
-              <a:alphaOff val="0"/>
-            </a:schemeClr>
-          </a:solidFill>
-          <a:prstDash val="solid"/>
+        <a:gradFill rotWithShape="0">
+          <a:gsLst>
+            <a:gs pos="0">
+              <a:schemeClr val="accent2">
+                <a:hueOff val="2340759"/>
+                <a:satOff val="-2919"/>
+                <a:lumOff val="686"/>
+                <a:alphaOff val="0"/>
+                <a:tint val="50000"/>
+                <a:satMod val="300000"/>
+              </a:schemeClr>
+            </a:gs>
+            <a:gs pos="35000">
+              <a:schemeClr val="accent2">
+                <a:hueOff val="2340759"/>
+                <a:satOff val="-2919"/>
+                <a:lumOff val="686"/>
+                <a:alphaOff val="0"/>
+                <a:tint val="37000"/>
+                <a:satMod val="300000"/>
+              </a:schemeClr>
+            </a:gs>
+            <a:gs pos="100000">
+              <a:schemeClr val="accent2">
+                <a:hueOff val="2340759"/>
+                <a:satOff val="-2919"/>
+                <a:lumOff val="686"/>
+                <a:alphaOff val="0"/>
+                <a:tint val="15000"/>
+                <a:satMod val="350000"/>
+              </a:schemeClr>
+            </a:gs>
+          </a:gsLst>
+          <a:lin ang="16200000" scaled="1"/>
+        </a:gradFill>
+        <a:ln>
+          <a:noFill/>
         </a:ln>
-        <a:effectLst/>
+        <a:effectLst>
+          <a:outerShdw blurRad="40000" dist="20000" dir="5400000" rotWithShape="0">
+            <a:srgbClr val="000000">
+              <a:alpha val="38000"/>
+            </a:srgbClr>
+          </a:outerShdw>
+        </a:effectLst>
+        <a:scene3d>
+          <a:camera prst="orthographicFront"/>
+          <a:lightRig rig="flat" dir="t"/>
+        </a:scene3d>
+        <a:sp3d prstMaterial="dkEdge">
+          <a:bevelT w="8200" h="38100"/>
+        </a:sp3d>
       </dsp:spPr>
       <dsp:style>
-        <a:lnRef idx="2">
+        <a:lnRef idx="0">
           <a:scrgbClr r="0" g="0" b="0"/>
         </a:lnRef>
-        <a:fillRef idx="1">
+        <a:fillRef idx="2">
           <a:scrgbClr r="0" g="0" b="0"/>
         </a:fillRef>
-        <a:effectRef idx="0">
+        <a:effectRef idx="1">
           <a:scrgbClr r="0" g="0" b="0"/>
         </a:effectRef>
         <a:fontRef idx="minor">
-          <a:schemeClr val="lt1"/>
+          <a:schemeClr val="dk1"/>
         </a:fontRef>
       </dsp:style>
       <dsp:txBody>
@@ -1387,39 +2988,71 @@
             <a:gd name="adj" fmla="val 25000"/>
           </a:avLst>
         </a:prstGeom>
-        <a:solidFill>
-          <a:schemeClr val="accent1">
-            <a:hueOff val="0"/>
-            <a:satOff val="0"/>
-            <a:lumOff val="0"/>
-            <a:alphaOff val="0"/>
-          </a:schemeClr>
-        </a:solidFill>
-        <a:ln w="25400" cap="flat" cmpd="sng" algn="ctr">
-          <a:solidFill>
-            <a:schemeClr val="lt1">
-              <a:hueOff val="0"/>
-              <a:satOff val="0"/>
-              <a:lumOff val="0"/>
-              <a:alphaOff val="0"/>
-            </a:schemeClr>
-          </a:solidFill>
-          <a:prstDash val="solid"/>
+        <a:gradFill rotWithShape="0">
+          <a:gsLst>
+            <a:gs pos="0">
+              <a:schemeClr val="accent2">
+                <a:hueOff val="4681519"/>
+                <a:satOff val="-5839"/>
+                <a:lumOff val="1373"/>
+                <a:alphaOff val="0"/>
+                <a:tint val="50000"/>
+                <a:satMod val="300000"/>
+              </a:schemeClr>
+            </a:gs>
+            <a:gs pos="35000">
+              <a:schemeClr val="accent2">
+                <a:hueOff val="4681519"/>
+                <a:satOff val="-5839"/>
+                <a:lumOff val="1373"/>
+                <a:alphaOff val="0"/>
+                <a:tint val="37000"/>
+                <a:satMod val="300000"/>
+              </a:schemeClr>
+            </a:gs>
+            <a:gs pos="100000">
+              <a:schemeClr val="accent2">
+                <a:hueOff val="4681519"/>
+                <a:satOff val="-5839"/>
+                <a:lumOff val="1373"/>
+                <a:alphaOff val="0"/>
+                <a:tint val="15000"/>
+                <a:satMod val="350000"/>
+              </a:schemeClr>
+            </a:gs>
+          </a:gsLst>
+          <a:lin ang="16200000" scaled="1"/>
+        </a:gradFill>
+        <a:ln>
+          <a:noFill/>
         </a:ln>
-        <a:effectLst/>
+        <a:effectLst>
+          <a:outerShdw blurRad="40000" dist="20000" dir="5400000" rotWithShape="0">
+            <a:srgbClr val="000000">
+              <a:alpha val="38000"/>
+            </a:srgbClr>
+          </a:outerShdw>
+        </a:effectLst>
+        <a:scene3d>
+          <a:camera prst="orthographicFront"/>
+          <a:lightRig rig="flat" dir="t"/>
+        </a:scene3d>
+        <a:sp3d prstMaterial="dkEdge">
+          <a:bevelT w="8200" h="38100"/>
+        </a:sp3d>
       </dsp:spPr>
       <dsp:style>
-        <a:lnRef idx="2">
+        <a:lnRef idx="0">
           <a:scrgbClr r="0" g="0" b="0"/>
         </a:lnRef>
-        <a:fillRef idx="1">
+        <a:fillRef idx="2">
           <a:scrgbClr r="0" g="0" b="0"/>
         </a:fillRef>
-        <a:effectRef idx="0">
+        <a:effectRef idx="1">
           <a:scrgbClr r="0" g="0" b="0"/>
         </a:effectRef>
         <a:fontRef idx="minor">
-          <a:schemeClr val="lt1"/>
+          <a:schemeClr val="dk1"/>
         </a:fontRef>
       </dsp:style>
       <dsp:txBody>
@@ -1727,12 +3360,284 @@
 </dgm:layoutDef>
 </file>
 
-<file path=ppt/diagrams/quickStyle1.xml><?xml version="1.0" encoding="utf-8"?>
-<dgm:styleDef xmlns:dgm="http://schemas.openxmlformats.org/drawingml/2006/diagram" xmlns:a="http://schemas.openxmlformats.org/drawingml/2006/main" uniqueId="urn:microsoft.com/office/officeart/2005/8/quickstyle/simple1">
+<file path=ppt/diagrams/layout2.xml><?xml version="1.0" encoding="utf-8"?>
+<dgm:layoutDef xmlns:dgm="http://schemas.openxmlformats.org/drawingml/2006/diagram" xmlns:a="http://schemas.openxmlformats.org/drawingml/2006/main" uniqueId="urn:microsoft.com/office/officeart/2005/8/layout/hChevron3">
   <dgm:title val=""/>
   <dgm:desc val=""/>
   <dgm:catLst>
-    <dgm:cat type="simple" pri="10100"/>
+    <dgm:cat type="process" pri="10000"/>
+  </dgm:catLst>
+  <dgm:sampData useDef="1">
+    <dgm:dataModel>
+      <dgm:ptLst/>
+      <dgm:bg/>
+      <dgm:whole/>
+    </dgm:dataModel>
+  </dgm:sampData>
+  <dgm:styleData>
+    <dgm:dataModel>
+      <dgm:ptLst>
+        <dgm:pt modelId="0" type="doc"/>
+        <dgm:pt modelId="1"/>
+        <dgm:pt modelId="2"/>
+      </dgm:ptLst>
+      <dgm:cxnLst>
+        <dgm:cxn modelId="3" srcId="0" destId="1" srcOrd="0" destOrd="0"/>
+        <dgm:cxn modelId="4" srcId="0" destId="2" srcOrd="1" destOrd="0"/>
+      </dgm:cxnLst>
+      <dgm:bg/>
+      <dgm:whole/>
+    </dgm:dataModel>
+  </dgm:styleData>
+  <dgm:clrData>
+    <dgm:dataModel>
+      <dgm:ptLst>
+        <dgm:pt modelId="0" type="doc"/>
+        <dgm:pt modelId="1"/>
+        <dgm:pt modelId="2"/>
+        <dgm:pt modelId="3"/>
+        <dgm:pt modelId="4"/>
+      </dgm:ptLst>
+      <dgm:cxnLst>
+        <dgm:cxn modelId="5" srcId="0" destId="1" srcOrd="0" destOrd="0"/>
+        <dgm:cxn modelId="6" srcId="0" destId="2" srcOrd="1" destOrd="0"/>
+        <dgm:cxn modelId="7" srcId="0" destId="3" srcOrd="2" destOrd="0"/>
+        <dgm:cxn modelId="8" srcId="0" destId="4" srcOrd="3" destOrd="0"/>
+      </dgm:cxnLst>
+      <dgm:bg/>
+      <dgm:whole/>
+    </dgm:dataModel>
+  </dgm:clrData>
+  <dgm:layoutNode name="Name0">
+    <dgm:varLst>
+      <dgm:dir/>
+      <dgm:resizeHandles val="exact"/>
+    </dgm:varLst>
+    <dgm:choose name="Name1">
+      <dgm:if name="Name2" func="var" arg="dir" op="equ" val="norm">
+        <dgm:alg type="lin"/>
+      </dgm:if>
+      <dgm:else name="Name3">
+        <dgm:alg type="lin">
+          <dgm:param type="linDir" val="fromR"/>
+        </dgm:alg>
+      </dgm:else>
+    </dgm:choose>
+    <dgm:shape xmlns:r="http://schemas.openxmlformats.org/officeDocument/2006/relationships" r:blip="">
+      <dgm:adjLst/>
+    </dgm:shape>
+    <dgm:presOf/>
+    <dgm:choose name="Name4">
+      <dgm:if name="Name5" axis="root des" func="maxDepth" op="gte" val="2">
+        <dgm:constrLst>
+          <dgm:constr type="w" for="ch" forName="parAndChTx" refType="w"/>
+          <dgm:constr type="primFontSz" for="ch" ptType="node" op="equ"/>
+          <dgm:constr type="w" for="ch" forName="parAndChSpace" refType="w" refFor="ch" refForName="parAndChTx" fact="-0.2"/>
+          <dgm:constr type="w" for="ch" ptType="sibTrans" op="equ"/>
+        </dgm:constrLst>
+        <dgm:ruleLst/>
+        <dgm:forEach name="Name6" axis="ch" ptType="node">
+          <dgm:layoutNode name="parAndChTx">
+            <dgm:varLst>
+              <dgm:bulletEnabled val="1"/>
+            </dgm:varLst>
+            <dgm:alg type="tx"/>
+            <dgm:choose name="Name7">
+              <dgm:if name="Name8" func="var" arg="dir" op="equ" val="norm">
+                <dgm:choose name="Name9">
+                  <dgm:if name="Name10" axis="self" ptType="node" func="pos" op="equ" val="1">
+                    <dgm:shape xmlns:r="http://schemas.openxmlformats.org/officeDocument/2006/relationships" type="homePlate" r:blip="">
+                      <dgm:adjLst>
+                        <dgm:adj idx="1" val="0.25"/>
+                      </dgm:adjLst>
+                    </dgm:shape>
+                    <dgm:presOf axis="desOrSelf" ptType="node"/>
+                    <dgm:constrLst>
+                      <dgm:constr type="h" refType="w" op="equ" fact="0.8"/>
+                      <dgm:constr type="primFontSz" val="65"/>
+                      <dgm:constr type="tMarg" refType="primFontSz" fact="0.2"/>
+                      <dgm:constr type="bMarg" refType="primFontSz" fact="0.2"/>
+                      <dgm:constr type="lMarg" refType="w" fact="0.1"/>
+                      <dgm:constr type="rMarg" refType="w" fact="0.4"/>
+                    </dgm:constrLst>
+                  </dgm:if>
+                  <dgm:else name="Name11">
+                    <dgm:shape xmlns:r="http://schemas.openxmlformats.org/officeDocument/2006/relationships" type="chevron" r:blip="">
+                      <dgm:adjLst>
+                        <dgm:adj idx="1" val="0.25"/>
+                      </dgm:adjLst>
+                    </dgm:shape>
+                    <dgm:presOf axis="desOrSelf" ptType="node"/>
+                    <dgm:constrLst>
+                      <dgm:constr type="h" refType="w" op="equ" fact="0.8"/>
+                      <dgm:constr type="primFontSz" val="65"/>
+                      <dgm:constr type="tMarg" refType="primFontSz" fact="0.2"/>
+                      <dgm:constr type="bMarg" refType="primFontSz" fact="0.2"/>
+                      <dgm:constr type="lMarg" refType="w" fact="0.1"/>
+                      <dgm:constr type="rMarg" refType="w" fact="0.1"/>
+                    </dgm:constrLst>
+                  </dgm:else>
+                </dgm:choose>
+              </dgm:if>
+              <dgm:else name="Name12">
+                <dgm:choose name="Name13">
+                  <dgm:if name="Name14" axis="self" ptType="node" func="pos" op="equ" val="1">
+                    <dgm:shape xmlns:r="http://schemas.openxmlformats.org/officeDocument/2006/relationships" rot="180" type="homePlate" r:blip="">
+                      <dgm:adjLst>
+                        <dgm:adj idx="1" val="0.25"/>
+                      </dgm:adjLst>
+                    </dgm:shape>
+                    <dgm:presOf axis="desOrSelf" ptType="node"/>
+                    <dgm:constrLst>
+                      <dgm:constr type="h" refType="w" op="equ" fact="0.8"/>
+                      <dgm:constr type="primFontSz" val="65"/>
+                      <dgm:constr type="tMarg" refType="primFontSz" fact="0.2"/>
+                      <dgm:constr type="bMarg" refType="primFontSz" fact="0.2"/>
+                      <dgm:constr type="lMarg" refType="w" fact="0.4"/>
+                      <dgm:constr type="rMarg" refType="w" fact="0.1"/>
+                    </dgm:constrLst>
+                  </dgm:if>
+                  <dgm:else name="Name15">
+                    <dgm:shape xmlns:r="http://schemas.openxmlformats.org/officeDocument/2006/relationships" rot="180" type="chevron" r:blip="">
+                      <dgm:adjLst>
+                        <dgm:adj idx="1" val="0.25"/>
+                      </dgm:adjLst>
+                    </dgm:shape>
+                    <dgm:presOf axis="desOrSelf" ptType="node"/>
+                    <dgm:constrLst>
+                      <dgm:constr type="h" refType="w" op="equ" fact="0.8"/>
+                      <dgm:constr type="primFontSz" val="65"/>
+                      <dgm:constr type="tMarg" refType="primFontSz" fact="0.2"/>
+                      <dgm:constr type="bMarg" refType="primFontSz" fact="0.2"/>
+                      <dgm:constr type="lMarg" refType="w" fact="0.1"/>
+                      <dgm:constr type="rMarg" refType="w" fact="0.1"/>
+                    </dgm:constrLst>
+                  </dgm:else>
+                </dgm:choose>
+              </dgm:else>
+            </dgm:choose>
+            <dgm:ruleLst>
+              <dgm:rule type="primFontSz" val="5" fact="NaN" max="NaN"/>
+            </dgm:ruleLst>
+          </dgm:layoutNode>
+          <dgm:forEach name="Name16" axis="followSib" ptType="sibTrans" cnt="1">
+            <dgm:layoutNode name="parAndChSpace">
+              <dgm:alg type="sp"/>
+              <dgm:shape xmlns:r="http://schemas.openxmlformats.org/officeDocument/2006/relationships" r:blip="">
+                <dgm:adjLst/>
+              </dgm:shape>
+              <dgm:presOf/>
+              <dgm:constrLst/>
+              <dgm:ruleLst/>
+            </dgm:layoutNode>
+          </dgm:forEach>
+        </dgm:forEach>
+      </dgm:if>
+      <dgm:else name="Name17">
+        <dgm:constrLst>
+          <dgm:constr type="w" for="ch" forName="parTxOnly" refType="w"/>
+          <dgm:constr type="primFontSz" for="ch" ptType="node" op="equ"/>
+          <dgm:constr type="w" for="ch" forName="parSpace" refType="w" refFor="ch" refForName="parTxOnly" fact="-0.2"/>
+          <dgm:constr type="w" for="ch" ptType="sibTrans" op="equ"/>
+        </dgm:constrLst>
+        <dgm:ruleLst/>
+        <dgm:forEach name="Name18" axis="ch" ptType="node">
+          <dgm:layoutNode name="parTxOnly">
+            <dgm:varLst>
+              <dgm:bulletEnabled val="1"/>
+            </dgm:varLst>
+            <dgm:alg type="tx"/>
+            <dgm:presOf axis="desOrSelf" ptType="node"/>
+            <dgm:choose name="Name19">
+              <dgm:if name="Name20" func="var" arg="dir" op="equ" val="norm">
+                <dgm:choose name="Name21">
+                  <dgm:if name="Name22" axis="self" ptType="node" func="pos" op="equ" val="1">
+                    <dgm:shape xmlns:r="http://schemas.openxmlformats.org/officeDocument/2006/relationships" type="homePlate" r:blip="">
+                      <dgm:adjLst/>
+                    </dgm:shape>
+                    <dgm:constrLst>
+                      <dgm:constr type="h" refType="w" op="equ" fact="0.4"/>
+                      <dgm:constr type="primFontSz" val="65"/>
+                      <dgm:constr type="tMarg" refType="primFontSz" fact="0.21"/>
+                      <dgm:constr type="bMarg" refType="primFontSz" fact="0.21"/>
+                      <dgm:constr type="lMarg" refType="primFontSz" fact="0.42"/>
+                      <dgm:constr type="rMarg" refType="primFontSz" fact="0.105"/>
+                    </dgm:constrLst>
+                  </dgm:if>
+                  <dgm:else name="Name23">
+                    <dgm:shape xmlns:r="http://schemas.openxmlformats.org/officeDocument/2006/relationships" type="chevron" r:blip="">
+                      <dgm:adjLst/>
+                    </dgm:shape>
+                    <dgm:constrLst>
+                      <dgm:constr type="h" refType="w" op="equ" fact="0.4"/>
+                      <dgm:constr type="primFontSz" val="65"/>
+                      <dgm:constr type="tMarg" refType="primFontSz" fact="0.21"/>
+                      <dgm:constr type="bMarg" refType="primFontSz" fact="0.21"/>
+                      <dgm:constr type="lMarg" refType="primFontSz" fact="0.315"/>
+                      <dgm:constr type="rMarg" refType="primFontSz" fact="0.105"/>
+                    </dgm:constrLst>
+                  </dgm:else>
+                </dgm:choose>
+              </dgm:if>
+              <dgm:else name="Name24">
+                <dgm:choose name="Name25">
+                  <dgm:if name="Name26" axis="self" ptType="node" func="pos" op="equ" val="1">
+                    <dgm:shape xmlns:r="http://schemas.openxmlformats.org/officeDocument/2006/relationships" rot="180" type="homePlate" r:blip="">
+                      <dgm:adjLst/>
+                    </dgm:shape>
+                    <dgm:constrLst>
+                      <dgm:constr type="h" refType="w" op="equ" fact="0.4"/>
+                      <dgm:constr type="primFontSz" val="65"/>
+                      <dgm:constr type="tMarg" refType="primFontSz" fact="0.21"/>
+                      <dgm:constr type="bMarg" refType="primFontSz" fact="0.21"/>
+                      <dgm:constr type="lMarg" refType="primFontSz" fact="0.105"/>
+                      <dgm:constr type="rMarg" refType="primFontSz" fact="0.42"/>
+                    </dgm:constrLst>
+                  </dgm:if>
+                  <dgm:else name="Name27">
+                    <dgm:shape xmlns:r="http://schemas.openxmlformats.org/officeDocument/2006/relationships" rot="180" type="chevron" r:blip="">
+                      <dgm:adjLst/>
+                    </dgm:shape>
+                    <dgm:constrLst>
+                      <dgm:constr type="h" refType="w" op="equ" fact="0.4"/>
+                      <dgm:constr type="primFontSz" val="65"/>
+                      <dgm:constr type="tMarg" refType="primFontSz" fact="0.21"/>
+                      <dgm:constr type="bMarg" refType="primFontSz" fact="0.21"/>
+                      <dgm:constr type="lMarg" refType="primFontSz" fact="0.105"/>
+                      <dgm:constr type="rMarg" refType="primFontSz" fact="0.315"/>
+                    </dgm:constrLst>
+                  </dgm:else>
+                </dgm:choose>
+              </dgm:else>
+            </dgm:choose>
+            <dgm:ruleLst>
+              <dgm:rule type="primFontSz" val="5" fact="NaN" max="NaN"/>
+            </dgm:ruleLst>
+          </dgm:layoutNode>
+          <dgm:forEach name="Name28" axis="followSib" ptType="sibTrans" cnt="1">
+            <dgm:layoutNode name="parSpace">
+              <dgm:alg type="sp"/>
+              <dgm:shape xmlns:r="http://schemas.openxmlformats.org/officeDocument/2006/relationships" r:blip="">
+                <dgm:adjLst/>
+              </dgm:shape>
+              <dgm:presOf/>
+              <dgm:constrLst/>
+              <dgm:ruleLst/>
+            </dgm:layoutNode>
+          </dgm:forEach>
+        </dgm:forEach>
+      </dgm:else>
+    </dgm:choose>
+  </dgm:layoutNode>
+</dgm:layoutDef>
+</file>
+
+<file path=ppt/diagrams/quickStyle1.xml><?xml version="1.0" encoding="utf-8"?>
+<dgm:styleDef xmlns:dgm="http://schemas.openxmlformats.org/drawingml/2006/diagram" xmlns:a="http://schemas.openxmlformats.org/drawingml/2006/main" uniqueId="urn:microsoft.com/office/officeart/2005/8/quickstyle/simple3">
+  <dgm:title val=""/>
+  <dgm:desc val=""/>
+  <dgm:catLst>
+    <dgm:cat type="simple" pri="10300"/>
   </dgm:catLst>
   <dgm:scene3d>
     <a:camera prst="orthographicFront"/>
@@ -1741,59 +3646,65 @@
   <dgm:styleLbl name="node0">
     <dgm:scene3d>
       <a:camera prst="orthographicFront"/>
-      <a:lightRig rig="threePt" dir="t"/>
+      <a:lightRig rig="flat" dir="t"/>
     </dgm:scene3d>
-    <dgm:sp3d/>
+    <dgm:sp3d prstMaterial="dkEdge">
+      <a:bevelT w="8200" h="38100"/>
+    </dgm:sp3d>
     <dgm:txPr/>
     <dgm:style>
-      <a:lnRef idx="2">
+      <a:lnRef idx="0">
         <a:scrgbClr r="0" g="0" b="0"/>
       </a:lnRef>
-      <a:fillRef idx="1">
+      <a:fillRef idx="2">
         <a:scrgbClr r="0" g="0" b="0"/>
       </a:fillRef>
-      <a:effectRef idx="0">
+      <a:effectRef idx="1">
         <a:scrgbClr r="0" g="0" b="0"/>
       </a:effectRef>
       <a:fontRef idx="minor">
-        <a:schemeClr val="lt1"/>
+        <a:schemeClr val="dk1"/>
       </a:fontRef>
     </dgm:style>
   </dgm:styleLbl>
   <dgm:styleLbl name="lnNode1">
     <dgm:scene3d>
       <a:camera prst="orthographicFront"/>
-      <a:lightRig rig="threePt" dir="t"/>
+      <a:lightRig rig="flat" dir="t"/>
     </dgm:scene3d>
-    <dgm:sp3d/>
+    <dgm:sp3d prstMaterial="dkEdge">
+      <a:bevelT w="8200" h="38100"/>
+    </dgm:sp3d>
     <dgm:txPr/>
     <dgm:style>
-      <a:lnRef idx="2">
+      <a:lnRef idx="1">
         <a:scrgbClr r="0" g="0" b="0"/>
       </a:lnRef>
-      <a:fillRef idx="1">
+      <a:fillRef idx="2">
         <a:scrgbClr r="0" g="0" b="0"/>
       </a:fillRef>
       <a:effectRef idx="0">
         <a:scrgbClr r="0" g="0" b="0"/>
       </a:effectRef>
       <a:fontRef idx="minor">
-        <a:schemeClr val="lt1"/>
+        <a:schemeClr val="dk1"/>
       </a:fontRef>
     </dgm:style>
   </dgm:styleLbl>
   <dgm:styleLbl name="vennNode1">
     <dgm:scene3d>
       <a:camera prst="orthographicFront"/>
-      <a:lightRig rig="threePt" dir="t"/>
+      <a:lightRig rig="flat" dir="t"/>
     </dgm:scene3d>
-    <dgm:sp3d/>
+    <dgm:sp3d prstMaterial="dkEdge">
+      <a:bevelT w="8200" h="38100"/>
+    </dgm:sp3d>
     <dgm:txPr/>
     <dgm:style>
-      <a:lnRef idx="2">
+      <a:lnRef idx="0">
         <a:scrgbClr r="0" g="0" b="0"/>
       </a:lnRef>
-      <a:fillRef idx="1">
+      <a:fillRef idx="2">
         <a:scrgbClr r="0" g="0" b="0"/>
       </a:fillRef>
       <a:effectRef idx="0">
@@ -1812,105 +3723,113 @@
     <dgm:sp3d/>
     <dgm:txPr/>
     <dgm:style>
-      <a:lnRef idx="2">
+      <a:lnRef idx="1">
         <a:scrgbClr r="0" g="0" b="0"/>
       </a:lnRef>
-      <a:fillRef idx="1">
+      <a:fillRef idx="2">
         <a:scrgbClr r="0" g="0" b="0"/>
       </a:fillRef>
-      <a:effectRef idx="0">
+      <a:effectRef idx="1">
         <a:scrgbClr r="0" g="0" b="0"/>
       </a:effectRef>
       <a:fontRef idx="minor">
-        <a:schemeClr val="lt1"/>
+        <a:schemeClr val="dk1"/>
       </a:fontRef>
     </dgm:style>
   </dgm:styleLbl>
   <dgm:styleLbl name="node1">
     <dgm:scene3d>
       <a:camera prst="orthographicFront"/>
-      <a:lightRig rig="threePt" dir="t"/>
+      <a:lightRig rig="flat" dir="t"/>
     </dgm:scene3d>
-    <dgm:sp3d/>
+    <dgm:sp3d prstMaterial="dkEdge">
+      <a:bevelT w="8200" h="38100"/>
+    </dgm:sp3d>
     <dgm:txPr/>
     <dgm:style>
-      <a:lnRef idx="2">
+      <a:lnRef idx="0">
         <a:scrgbClr r="0" g="0" b="0"/>
       </a:lnRef>
-      <a:fillRef idx="1">
+      <a:fillRef idx="2">
         <a:scrgbClr r="0" g="0" b="0"/>
       </a:fillRef>
-      <a:effectRef idx="0">
+      <a:effectRef idx="1">
         <a:scrgbClr r="0" g="0" b="0"/>
       </a:effectRef>
       <a:fontRef idx="minor">
-        <a:schemeClr val="lt1"/>
+        <a:schemeClr val="dk1"/>
       </a:fontRef>
     </dgm:style>
   </dgm:styleLbl>
   <dgm:styleLbl name="node2">
     <dgm:scene3d>
       <a:camera prst="orthographicFront"/>
-      <a:lightRig rig="threePt" dir="t"/>
+      <a:lightRig rig="flat" dir="t"/>
     </dgm:scene3d>
-    <dgm:sp3d/>
+    <dgm:sp3d prstMaterial="dkEdge">
+      <a:bevelT w="8200" h="38100"/>
+    </dgm:sp3d>
     <dgm:txPr/>
     <dgm:style>
-      <a:lnRef idx="2">
+      <a:lnRef idx="0">
         <a:scrgbClr r="0" g="0" b="0"/>
       </a:lnRef>
-      <a:fillRef idx="1">
+      <a:fillRef idx="2">
         <a:scrgbClr r="0" g="0" b="0"/>
       </a:fillRef>
-      <a:effectRef idx="0">
+      <a:effectRef idx="1">
         <a:scrgbClr r="0" g="0" b="0"/>
       </a:effectRef>
       <a:fontRef idx="minor">
-        <a:schemeClr val="lt1"/>
+        <a:schemeClr val="dk1"/>
       </a:fontRef>
     </dgm:style>
   </dgm:styleLbl>
   <dgm:styleLbl name="node3">
     <dgm:scene3d>
       <a:camera prst="orthographicFront"/>
-      <a:lightRig rig="threePt" dir="t"/>
+      <a:lightRig rig="flat" dir="t"/>
     </dgm:scene3d>
-    <dgm:sp3d/>
+    <dgm:sp3d prstMaterial="dkEdge">
+      <a:bevelT w="8200" h="38100"/>
+    </dgm:sp3d>
     <dgm:txPr/>
     <dgm:style>
-      <a:lnRef idx="2">
+      <a:lnRef idx="0">
         <a:scrgbClr r="0" g="0" b="0"/>
       </a:lnRef>
-      <a:fillRef idx="1">
+      <a:fillRef idx="2">
         <a:scrgbClr r="0" g="0" b="0"/>
       </a:fillRef>
-      <a:effectRef idx="0">
+      <a:effectRef idx="1">
         <a:scrgbClr r="0" g="0" b="0"/>
       </a:effectRef>
       <a:fontRef idx="minor">
-        <a:schemeClr val="lt1"/>
+        <a:schemeClr val="dk1"/>
       </a:fontRef>
     </dgm:style>
   </dgm:styleLbl>
   <dgm:styleLbl name="node4">
     <dgm:scene3d>
       <a:camera prst="orthographicFront"/>
-      <a:lightRig rig="threePt" dir="t"/>
+      <a:lightRig rig="flat" dir="t"/>
     </dgm:scene3d>
-    <dgm:sp3d/>
+    <dgm:sp3d prstMaterial="dkEdge">
+      <a:bevelT w="8200" h="38100"/>
+    </dgm:sp3d>
     <dgm:txPr/>
     <dgm:style>
-      <a:lnRef idx="2">
+      <a:lnRef idx="0">
         <a:scrgbClr r="0" g="0" b="0"/>
       </a:lnRef>
-      <a:fillRef idx="1">
+      <a:fillRef idx="2">
         <a:scrgbClr r="0" g="0" b="0"/>
       </a:fillRef>
-      <a:effectRef idx="0">
+      <a:effectRef idx="1">
         <a:scrgbClr r="0" g="0" b="0"/>
       </a:effectRef>
       <a:fontRef idx="minor">
-        <a:schemeClr val="lt1"/>
+        <a:schemeClr val="dk1"/>
       </a:fontRef>
     </dgm:style>
   </dgm:styleLbl>
@@ -1922,13 +3841,13 @@
     <dgm:sp3d/>
     <dgm:txPr/>
     <dgm:style>
-      <a:lnRef idx="2">
+      <a:lnRef idx="1">
         <a:scrgbClr r="0" g="0" b="0"/>
       </a:lnRef>
       <a:fillRef idx="1">
         <a:scrgbClr r="0" g="0" b="0"/>
       </a:fillRef>
-      <a:effectRef idx="0">
+      <a:effectRef idx="1">
         <a:scrgbClr r="0" g="0" b="0"/>
       </a:effectRef>
       <a:fontRef idx="minor"/>
@@ -1942,13 +3861,13 @@
     <dgm:sp3d/>
     <dgm:txPr/>
     <dgm:style>
-      <a:lnRef idx="2">
+      <a:lnRef idx="1">
         <a:scrgbClr r="0" g="0" b="0"/>
       </a:lnRef>
       <a:fillRef idx="1">
         <a:scrgbClr r="0" g="0" b="0"/>
       </a:fillRef>
-      <a:effectRef idx="0">
+      <a:effectRef idx="1">
         <a:scrgbClr r="0" g="0" b="0"/>
       </a:effectRef>
       <a:fontRef idx="minor"/>
@@ -1962,13 +3881,13 @@
     <dgm:sp3d/>
     <dgm:txPr/>
     <dgm:style>
-      <a:lnRef idx="2">
+      <a:lnRef idx="1">
         <a:scrgbClr r="0" g="0" b="0"/>
       </a:lnRef>
       <a:fillRef idx="1">
         <a:scrgbClr r="0" g="0" b="0"/>
       </a:fillRef>
-      <a:effectRef idx="0">
+      <a:effectRef idx="1">
         <a:scrgbClr r="0" g="0" b="0"/>
       </a:effectRef>
       <a:fontRef idx="minor"/>
@@ -1985,14 +3904,14 @@
       <a:lnRef idx="0">
         <a:scrgbClr r="0" g="0" b="0"/>
       </a:lnRef>
-      <a:fillRef idx="1">
+      <a:fillRef idx="2">
         <a:scrgbClr r="0" g="0" b="0"/>
       </a:fillRef>
-      <a:effectRef idx="0">
+      <a:effectRef idx="1">
         <a:scrgbClr r="0" g="0" b="0"/>
       </a:effectRef>
       <a:fontRef idx="minor">
-        <a:schemeClr val="lt1"/>
+        <a:schemeClr val="dk1"/>
       </a:fontRef>
     </dgm:style>
   </dgm:styleLbl>
@@ -2007,14 +3926,14 @@
       <a:lnRef idx="0">
         <a:scrgbClr r="0" g="0" b="0"/>
       </a:lnRef>
-      <a:fillRef idx="1">
+      <a:fillRef idx="2">
         <a:scrgbClr r="0" g="0" b="0"/>
       </a:fillRef>
-      <a:effectRef idx="0">
+      <a:effectRef idx="1">
         <a:scrgbClr r="0" g="0" b="0"/>
       </a:effectRef>
       <a:fontRef idx="minor">
-        <a:schemeClr val="lt1"/>
+        <a:schemeClr val="dk1"/>
       </a:fontRef>
     </dgm:style>
   </dgm:styleLbl>
@@ -2029,14 +3948,14 @@
       <a:lnRef idx="0">
         <a:scrgbClr r="0" g="0" b="0"/>
       </a:lnRef>
-      <a:fillRef idx="1">
+      <a:fillRef idx="2">
         <a:scrgbClr r="0" g="0" b="0"/>
       </a:fillRef>
-      <a:effectRef idx="0">
+      <a:effectRef idx="1">
         <a:scrgbClr r="0" g="0" b="0"/>
       </a:effectRef>
       <a:fontRef idx="minor">
-        <a:schemeClr val="lt1"/>
+        <a:schemeClr val="dk1"/>
       </a:fontRef>
     </dgm:style>
   </dgm:styleLbl>
@@ -2068,13 +3987,13 @@
     <dgm:sp3d/>
     <dgm:txPr/>
     <dgm:style>
-      <a:lnRef idx="2">
+      <a:lnRef idx="1">
         <a:scrgbClr r="0" g="0" b="0"/>
       </a:lnRef>
-      <a:fillRef idx="1">
+      <a:fillRef idx="2">
         <a:scrgbClr r="0" g="0" b="0"/>
       </a:fillRef>
-      <a:effectRef idx="0">
+      <a:effectRef idx="1">
         <a:scrgbClr r="0" g="0" b="0"/>
       </a:effectRef>
       <a:fontRef idx="minor"/>
@@ -2083,110 +4002,120 @@
   <dgm:styleLbl name="asst0">
     <dgm:scene3d>
       <a:camera prst="orthographicFront"/>
-      <a:lightRig rig="threePt" dir="t"/>
+      <a:lightRig rig="flat" dir="t"/>
     </dgm:scene3d>
-    <dgm:sp3d/>
+    <dgm:sp3d prstMaterial="dkEdge">
+      <a:bevelT w="8200" h="38100"/>
+    </dgm:sp3d>
     <dgm:txPr/>
     <dgm:style>
-      <a:lnRef idx="2">
+      <a:lnRef idx="0">
         <a:scrgbClr r="0" g="0" b="0"/>
       </a:lnRef>
-      <a:fillRef idx="1">
+      <a:fillRef idx="2">
         <a:scrgbClr r="0" g="0" b="0"/>
       </a:fillRef>
-      <a:effectRef idx="0">
+      <a:effectRef idx="1">
         <a:scrgbClr r="0" g="0" b="0"/>
       </a:effectRef>
       <a:fontRef idx="minor">
-        <a:schemeClr val="lt1"/>
+        <a:schemeClr val="dk1"/>
       </a:fontRef>
     </dgm:style>
   </dgm:styleLbl>
   <dgm:styleLbl name="asst1">
     <dgm:scene3d>
       <a:camera prst="orthographicFront"/>
-      <a:lightRig rig="threePt" dir="t"/>
+      <a:lightRig rig="flat" dir="t"/>
     </dgm:scene3d>
-    <dgm:sp3d/>
+    <dgm:sp3d prstMaterial="dkEdge">
+      <a:bevelT w="8200" h="38100"/>
+    </dgm:sp3d>
     <dgm:txPr/>
     <dgm:style>
-      <a:lnRef idx="2">
+      <a:lnRef idx="0">
         <a:scrgbClr r="0" g="0" b="0"/>
       </a:lnRef>
-      <a:fillRef idx="1">
+      <a:fillRef idx="2">
         <a:scrgbClr r="0" g="0" b="0"/>
       </a:fillRef>
-      <a:effectRef idx="0">
+      <a:effectRef idx="1">
         <a:scrgbClr r="0" g="0" b="0"/>
       </a:effectRef>
       <a:fontRef idx="minor">
-        <a:schemeClr val="lt1"/>
+        <a:schemeClr val="dk1"/>
       </a:fontRef>
     </dgm:style>
   </dgm:styleLbl>
   <dgm:styleLbl name="asst2">
     <dgm:scene3d>
       <a:camera prst="orthographicFront"/>
-      <a:lightRig rig="threePt" dir="t"/>
+      <a:lightRig rig="flat" dir="t"/>
     </dgm:scene3d>
-    <dgm:sp3d/>
+    <dgm:sp3d prstMaterial="dkEdge">
+      <a:bevelT w="8200" h="38100"/>
+    </dgm:sp3d>
     <dgm:txPr/>
     <dgm:style>
-      <a:lnRef idx="2">
+      <a:lnRef idx="0">
         <a:scrgbClr r="0" g="0" b="0"/>
       </a:lnRef>
-      <a:fillRef idx="1">
+      <a:fillRef idx="2">
         <a:scrgbClr r="0" g="0" b="0"/>
       </a:fillRef>
-      <a:effectRef idx="0">
+      <a:effectRef idx="1">
         <a:scrgbClr r="0" g="0" b="0"/>
       </a:effectRef>
       <a:fontRef idx="minor">
-        <a:schemeClr val="lt1"/>
+        <a:schemeClr val="dk1"/>
       </a:fontRef>
     </dgm:style>
   </dgm:styleLbl>
   <dgm:styleLbl name="asst3">
     <dgm:scene3d>
       <a:camera prst="orthographicFront"/>
-      <a:lightRig rig="threePt" dir="t"/>
+      <a:lightRig rig="flat" dir="t"/>
     </dgm:scene3d>
-    <dgm:sp3d/>
+    <dgm:sp3d prstMaterial="dkEdge">
+      <a:bevelT w="8200" h="38100"/>
+    </dgm:sp3d>
     <dgm:txPr/>
     <dgm:style>
-      <a:lnRef idx="2">
+      <a:lnRef idx="0">
         <a:scrgbClr r="0" g="0" b="0"/>
       </a:lnRef>
-      <a:fillRef idx="1">
+      <a:fillRef idx="2">
         <a:scrgbClr r="0" g="0" b="0"/>
       </a:fillRef>
-      <a:effectRef idx="0">
+      <a:effectRef idx="1">
         <a:scrgbClr r="0" g="0" b="0"/>
       </a:effectRef>
       <a:fontRef idx="minor">
-        <a:schemeClr val="lt1"/>
+        <a:schemeClr val="dk1"/>
       </a:fontRef>
     </dgm:style>
   </dgm:styleLbl>
   <dgm:styleLbl name="asst4">
     <dgm:scene3d>
       <a:camera prst="orthographicFront"/>
-      <a:lightRig rig="threePt" dir="t"/>
+      <a:lightRig rig="flat" dir="t"/>
     </dgm:scene3d>
-    <dgm:sp3d/>
+    <dgm:sp3d prstMaterial="dkEdge">
+      <a:bevelT w="8200" h="38100"/>
+    </dgm:sp3d>
     <dgm:txPr/>
     <dgm:style>
-      <a:lnRef idx="2">
+      <a:lnRef idx="0">
         <a:scrgbClr r="0" g="0" b="0"/>
       </a:lnRef>
-      <a:fillRef idx="1">
+      <a:fillRef idx="2">
         <a:scrgbClr r="0" g="0" b="0"/>
       </a:fillRef>
-      <a:effectRef idx="0">
+      <a:effectRef idx="1">
         <a:scrgbClr r="0" g="0" b="0"/>
       </a:effectRef>
       <a:fontRef idx="minor">
-        <a:schemeClr val="lt1"/>
+        <a:schemeClr val="dk1"/>
       </a:fontRef>
     </dgm:style>
   </dgm:styleLbl>
@@ -2198,17 +4127,17 @@
     <dgm:sp3d/>
     <dgm:txPr/>
     <dgm:style>
-      <a:lnRef idx="2">
+      <a:lnRef idx="1">
         <a:scrgbClr r="0" g="0" b="0"/>
       </a:lnRef>
-      <a:fillRef idx="1">
+      <a:fillRef idx="2">
         <a:scrgbClr r="0" g="0" b="0"/>
       </a:fillRef>
-      <a:effectRef idx="0">
+      <a:effectRef idx="1">
         <a:scrgbClr r="0" g="0" b="0"/>
       </a:effectRef>
       <a:fontRef idx="minor">
-        <a:schemeClr val="lt1"/>
+        <a:schemeClr val="dk1"/>
       </a:fontRef>
     </dgm:style>
   </dgm:styleLbl>
@@ -2220,17 +4149,17 @@
     <dgm:sp3d/>
     <dgm:txPr/>
     <dgm:style>
-      <a:lnRef idx="2">
+      <a:lnRef idx="1">
         <a:scrgbClr r="0" g="0" b="0"/>
       </a:lnRef>
-      <a:fillRef idx="1">
+      <a:fillRef idx="2">
         <a:scrgbClr r="0" g="0" b="0"/>
       </a:fillRef>
-      <a:effectRef idx="0">
+      <a:effectRef idx="1">
         <a:scrgbClr r="0" g="0" b="0"/>
       </a:effectRef>
       <a:fontRef idx="minor">
-        <a:schemeClr val="lt1"/>
+        <a:schemeClr val="dk1"/>
       </a:fontRef>
     </dgm:style>
   </dgm:styleLbl>
@@ -2242,17 +4171,17 @@
     <dgm:sp3d/>
     <dgm:txPr/>
     <dgm:style>
-      <a:lnRef idx="2">
+      <a:lnRef idx="1">
         <a:scrgbClr r="0" g="0" b="0"/>
       </a:lnRef>
-      <a:fillRef idx="1">
+      <a:fillRef idx="2">
         <a:scrgbClr r="0" g="0" b="0"/>
       </a:fillRef>
-      <a:effectRef idx="0">
+      <a:effectRef idx="1">
         <a:scrgbClr r="0" g="0" b="0"/>
       </a:effectRef>
       <a:fontRef idx="minor">
-        <a:schemeClr val="lt1"/>
+        <a:schemeClr val="dk1"/>
       </a:fontRef>
     </dgm:style>
   </dgm:styleLbl>
@@ -2264,17 +4193,17 @@
     <dgm:sp3d/>
     <dgm:txPr/>
     <dgm:style>
-      <a:lnRef idx="2">
+      <a:lnRef idx="1">
         <a:scrgbClr r="0" g="0" b="0"/>
       </a:lnRef>
-      <a:fillRef idx="1">
+      <a:fillRef idx="2">
         <a:scrgbClr r="0" g="0" b="0"/>
       </a:fillRef>
-      <a:effectRef idx="0">
+      <a:effectRef idx="1">
         <a:scrgbClr r="0" g="0" b="0"/>
       </a:effectRef>
       <a:fontRef idx="minor">
-        <a:schemeClr val="lt1"/>
+        <a:schemeClr val="dk1"/>
       </a:fontRef>
     </dgm:style>
   </dgm:styleLbl>
@@ -2366,7 +4295,7 @@
     <dgm:sp3d/>
     <dgm:txPr/>
     <dgm:style>
-      <a:lnRef idx="2">
+      <a:lnRef idx="1">
         <a:scrgbClr r="0" g="0" b="0"/>
       </a:lnRef>
       <a:fillRef idx="1">
@@ -2386,7 +4315,7 @@
     <dgm:sp3d/>
     <dgm:txPr/>
     <dgm:style>
-      <a:lnRef idx="2">
+      <a:lnRef idx="1">
         <a:scrgbClr r="0" g="0" b="0"/>
       </a:lnRef>
       <a:fillRef idx="1">
@@ -2406,7 +4335,7 @@
     <dgm:sp3d/>
     <dgm:txPr/>
     <dgm:style>
-      <a:lnRef idx="2">
+      <a:lnRef idx="1">
         <a:scrgbClr r="0" g="0" b="0"/>
       </a:lnRef>
       <a:fillRef idx="1">
@@ -2446,7 +4375,7 @@
     <dgm:sp3d/>
     <dgm:txPr/>
     <dgm:style>
-      <a:lnRef idx="2">
+      <a:lnRef idx="1">
         <a:scrgbClr r="0" g="0" b="0"/>
       </a:lnRef>
       <a:fillRef idx="1">
@@ -2466,10 +4395,10 @@
     <dgm:sp3d/>
     <dgm:txPr/>
     <dgm:style>
-      <a:lnRef idx="2">
+      <a:lnRef idx="1">
         <a:scrgbClr r="0" g="0" b="0"/>
       </a:lnRef>
-      <a:fillRef idx="1">
+      <a:fillRef idx="2">
         <a:scrgbClr r="0" g="0" b="0"/>
       </a:fillRef>
       <a:effectRef idx="0">
@@ -2486,7 +4415,7 @@
     <dgm:sp3d/>
     <dgm:txPr/>
     <dgm:style>
-      <a:lnRef idx="2">
+      <a:lnRef idx="1">
         <a:scrgbClr r="0" g="0" b="0"/>
       </a:lnRef>
       <a:fillRef idx="1">
@@ -2506,7 +4435,7 @@
     <dgm:sp3d/>
     <dgm:txPr/>
     <dgm:style>
-      <a:lnRef idx="2">
+      <a:lnRef idx="1">
         <a:scrgbClr r="0" g="0" b="0"/>
       </a:lnRef>
       <a:fillRef idx="1">
@@ -2526,7 +4455,7 @@
     <dgm:sp3d/>
     <dgm:txPr/>
     <dgm:style>
-      <a:lnRef idx="2">
+      <a:lnRef idx="1">
         <a:scrgbClr r="0" g="0" b="0"/>
       </a:lnRef>
       <a:fillRef idx="1">
@@ -2546,7 +4475,7 @@
     <dgm:sp3d/>
     <dgm:txPr/>
     <dgm:style>
-      <a:lnRef idx="2">
+      <a:lnRef idx="1">
         <a:scrgbClr r="0" g="0" b="0"/>
       </a:lnRef>
       <a:fillRef idx="1">
@@ -2566,7 +4495,7 @@
     <dgm:sp3d/>
     <dgm:txPr/>
     <dgm:style>
-      <a:lnRef idx="2">
+      <a:lnRef idx="1">
         <a:scrgbClr r="0" g="0" b="0"/>
       </a:lnRef>
       <a:fillRef idx="1">
@@ -2586,7 +4515,7 @@
     <dgm:sp3d/>
     <dgm:txPr/>
     <dgm:style>
-      <a:lnRef idx="2">
+      <a:lnRef idx="1">
         <a:scrgbClr r="0" g="0" b="0"/>
       </a:lnRef>
       <a:fillRef idx="1">
@@ -2606,7 +4535,7 @@
     <dgm:sp3d/>
     <dgm:txPr/>
     <dgm:style>
-      <a:lnRef idx="2">
+      <a:lnRef idx="1">
         <a:scrgbClr r="0" g="0" b="0"/>
       </a:lnRef>
       <a:fillRef idx="1">
@@ -2626,7 +4555,7 @@
     <dgm:sp3d/>
     <dgm:txPr/>
     <dgm:style>
-      <a:lnRef idx="2">
+      <a:lnRef idx="1">
         <a:scrgbClr r="0" g="0" b="0"/>
       </a:lnRef>
       <a:fillRef idx="1">
@@ -2646,7 +4575,7 @@
     <dgm:sp3d/>
     <dgm:txPr/>
     <dgm:style>
-      <a:lnRef idx="2">
+      <a:lnRef idx="1">
         <a:scrgbClr r="0" g="0" b="0"/>
       </a:lnRef>
       <a:fillRef idx="1">
@@ -2672,7 +4601,7 @@
       <a:fillRef idx="1">
         <a:scrgbClr r="0" g="0" b="0"/>
       </a:fillRef>
-      <a:effectRef idx="0">
+      <a:effectRef idx="1">
         <a:scrgbClr r="0" g="0" b="0"/>
       </a:effectRef>
       <a:fontRef idx="minor"/>
@@ -2692,7 +4621,7 @@
       <a:fillRef idx="1">
         <a:scrgbClr r="0" g="0" b="0"/>
       </a:fillRef>
-      <a:effectRef idx="0">
+      <a:effectRef idx="1">
         <a:scrgbClr r="0" g="0" b="0"/>
       </a:effectRef>
       <a:fontRef idx="minor"/>
@@ -2721,6 +4650,626 @@
   <dgm:styleLbl name="fgShp">
     <dgm:scene3d>
       <a:camera prst="orthographicFront"/>
+      <a:lightRig rig="flat" dir="t"/>
+    </dgm:scene3d>
+    <dgm:sp3d prstMaterial="dkEdge">
+      <a:bevelT w="8200" h="38100"/>
+    </dgm:sp3d>
+    <dgm:txPr/>
+    <dgm:style>
+      <a:lnRef idx="1">
+        <a:scrgbClr r="0" g="0" b="0"/>
+      </a:lnRef>
+      <a:fillRef idx="2">
+        <a:scrgbClr r="0" g="0" b="0"/>
+      </a:fillRef>
+      <a:effectRef idx="1">
+        <a:scrgbClr r="0" g="0" b="0"/>
+      </a:effectRef>
+      <a:fontRef idx="minor"/>
+    </dgm:style>
+  </dgm:styleLbl>
+  <dgm:styleLbl name="revTx">
+    <dgm:scene3d>
+      <a:camera prst="orthographicFront"/>
+      <a:lightRig rig="threePt" dir="t"/>
+    </dgm:scene3d>
+    <dgm:sp3d/>
+    <dgm:txPr/>
+    <dgm:style>
+      <a:lnRef idx="0">
+        <a:scrgbClr r="0" g="0" b="0"/>
+      </a:lnRef>
+      <a:fillRef idx="0">
+        <a:scrgbClr r="0" g="0" b="0"/>
+      </a:fillRef>
+      <a:effectRef idx="0">
+        <a:scrgbClr r="0" g="0" b="0"/>
+      </a:effectRef>
+      <a:fontRef idx="minor"/>
+    </dgm:style>
+  </dgm:styleLbl>
+</dgm:styleDef>
+</file>
+
+<file path=ppt/diagrams/quickStyle2.xml><?xml version="1.0" encoding="utf-8"?>
+<dgm:styleDef xmlns:dgm="http://schemas.openxmlformats.org/drawingml/2006/diagram" xmlns:a="http://schemas.openxmlformats.org/drawingml/2006/main" uniqueId="urn:microsoft.com/office/officeart/2005/8/quickstyle/simple3">
+  <dgm:title val=""/>
+  <dgm:desc val=""/>
+  <dgm:catLst>
+    <dgm:cat type="simple" pri="10300"/>
+  </dgm:catLst>
+  <dgm:scene3d>
+    <a:camera prst="orthographicFront"/>
+    <a:lightRig rig="threePt" dir="t"/>
+  </dgm:scene3d>
+  <dgm:styleLbl name="node0">
+    <dgm:scene3d>
+      <a:camera prst="orthographicFront"/>
+      <a:lightRig rig="flat" dir="t"/>
+    </dgm:scene3d>
+    <dgm:sp3d prstMaterial="dkEdge">
+      <a:bevelT w="8200" h="38100"/>
+    </dgm:sp3d>
+    <dgm:txPr/>
+    <dgm:style>
+      <a:lnRef idx="0">
+        <a:scrgbClr r="0" g="0" b="0"/>
+      </a:lnRef>
+      <a:fillRef idx="2">
+        <a:scrgbClr r="0" g="0" b="0"/>
+      </a:fillRef>
+      <a:effectRef idx="1">
+        <a:scrgbClr r="0" g="0" b="0"/>
+      </a:effectRef>
+      <a:fontRef idx="minor">
+        <a:schemeClr val="dk1"/>
+      </a:fontRef>
+    </dgm:style>
+  </dgm:styleLbl>
+  <dgm:styleLbl name="lnNode1">
+    <dgm:scene3d>
+      <a:camera prst="orthographicFront"/>
+      <a:lightRig rig="flat" dir="t"/>
+    </dgm:scene3d>
+    <dgm:sp3d prstMaterial="dkEdge">
+      <a:bevelT w="8200" h="38100"/>
+    </dgm:sp3d>
+    <dgm:txPr/>
+    <dgm:style>
+      <a:lnRef idx="1">
+        <a:scrgbClr r="0" g="0" b="0"/>
+      </a:lnRef>
+      <a:fillRef idx="2">
+        <a:scrgbClr r="0" g="0" b="0"/>
+      </a:fillRef>
+      <a:effectRef idx="0">
+        <a:scrgbClr r="0" g="0" b="0"/>
+      </a:effectRef>
+      <a:fontRef idx="minor">
+        <a:schemeClr val="dk1"/>
+      </a:fontRef>
+    </dgm:style>
+  </dgm:styleLbl>
+  <dgm:styleLbl name="vennNode1">
+    <dgm:scene3d>
+      <a:camera prst="orthographicFront"/>
+      <a:lightRig rig="flat" dir="t"/>
+    </dgm:scene3d>
+    <dgm:sp3d prstMaterial="dkEdge">
+      <a:bevelT w="8200" h="38100"/>
+    </dgm:sp3d>
+    <dgm:txPr/>
+    <dgm:style>
+      <a:lnRef idx="0">
+        <a:scrgbClr r="0" g="0" b="0"/>
+      </a:lnRef>
+      <a:fillRef idx="2">
+        <a:scrgbClr r="0" g="0" b="0"/>
+      </a:fillRef>
+      <a:effectRef idx="0">
+        <a:scrgbClr r="0" g="0" b="0"/>
+      </a:effectRef>
+      <a:fontRef idx="minor">
+        <a:schemeClr val="tx1"/>
+      </a:fontRef>
+    </dgm:style>
+  </dgm:styleLbl>
+  <dgm:styleLbl name="alignNode1">
+    <dgm:scene3d>
+      <a:camera prst="orthographicFront"/>
+      <a:lightRig rig="threePt" dir="t"/>
+    </dgm:scene3d>
+    <dgm:sp3d/>
+    <dgm:txPr/>
+    <dgm:style>
+      <a:lnRef idx="1">
+        <a:scrgbClr r="0" g="0" b="0"/>
+      </a:lnRef>
+      <a:fillRef idx="2">
+        <a:scrgbClr r="0" g="0" b="0"/>
+      </a:fillRef>
+      <a:effectRef idx="1">
+        <a:scrgbClr r="0" g="0" b="0"/>
+      </a:effectRef>
+      <a:fontRef idx="minor">
+        <a:schemeClr val="dk1"/>
+      </a:fontRef>
+    </dgm:style>
+  </dgm:styleLbl>
+  <dgm:styleLbl name="node1">
+    <dgm:scene3d>
+      <a:camera prst="orthographicFront"/>
+      <a:lightRig rig="flat" dir="t"/>
+    </dgm:scene3d>
+    <dgm:sp3d prstMaterial="dkEdge">
+      <a:bevelT w="8200" h="38100"/>
+    </dgm:sp3d>
+    <dgm:txPr/>
+    <dgm:style>
+      <a:lnRef idx="0">
+        <a:scrgbClr r="0" g="0" b="0"/>
+      </a:lnRef>
+      <a:fillRef idx="2">
+        <a:scrgbClr r="0" g="0" b="0"/>
+      </a:fillRef>
+      <a:effectRef idx="1">
+        <a:scrgbClr r="0" g="0" b="0"/>
+      </a:effectRef>
+      <a:fontRef idx="minor">
+        <a:schemeClr val="dk1"/>
+      </a:fontRef>
+    </dgm:style>
+  </dgm:styleLbl>
+  <dgm:styleLbl name="node2">
+    <dgm:scene3d>
+      <a:camera prst="orthographicFront"/>
+      <a:lightRig rig="flat" dir="t"/>
+    </dgm:scene3d>
+    <dgm:sp3d prstMaterial="dkEdge">
+      <a:bevelT w="8200" h="38100"/>
+    </dgm:sp3d>
+    <dgm:txPr/>
+    <dgm:style>
+      <a:lnRef idx="0">
+        <a:scrgbClr r="0" g="0" b="0"/>
+      </a:lnRef>
+      <a:fillRef idx="2">
+        <a:scrgbClr r="0" g="0" b="0"/>
+      </a:fillRef>
+      <a:effectRef idx="1">
+        <a:scrgbClr r="0" g="0" b="0"/>
+      </a:effectRef>
+      <a:fontRef idx="minor">
+        <a:schemeClr val="dk1"/>
+      </a:fontRef>
+    </dgm:style>
+  </dgm:styleLbl>
+  <dgm:styleLbl name="node3">
+    <dgm:scene3d>
+      <a:camera prst="orthographicFront"/>
+      <a:lightRig rig="flat" dir="t"/>
+    </dgm:scene3d>
+    <dgm:sp3d prstMaterial="dkEdge">
+      <a:bevelT w="8200" h="38100"/>
+    </dgm:sp3d>
+    <dgm:txPr/>
+    <dgm:style>
+      <a:lnRef idx="0">
+        <a:scrgbClr r="0" g="0" b="0"/>
+      </a:lnRef>
+      <a:fillRef idx="2">
+        <a:scrgbClr r="0" g="0" b="0"/>
+      </a:fillRef>
+      <a:effectRef idx="1">
+        <a:scrgbClr r="0" g="0" b="0"/>
+      </a:effectRef>
+      <a:fontRef idx="minor">
+        <a:schemeClr val="dk1"/>
+      </a:fontRef>
+    </dgm:style>
+  </dgm:styleLbl>
+  <dgm:styleLbl name="node4">
+    <dgm:scene3d>
+      <a:camera prst="orthographicFront"/>
+      <a:lightRig rig="flat" dir="t"/>
+    </dgm:scene3d>
+    <dgm:sp3d prstMaterial="dkEdge">
+      <a:bevelT w="8200" h="38100"/>
+    </dgm:sp3d>
+    <dgm:txPr/>
+    <dgm:style>
+      <a:lnRef idx="0">
+        <a:scrgbClr r="0" g="0" b="0"/>
+      </a:lnRef>
+      <a:fillRef idx="2">
+        <a:scrgbClr r="0" g="0" b="0"/>
+      </a:fillRef>
+      <a:effectRef idx="1">
+        <a:scrgbClr r="0" g="0" b="0"/>
+      </a:effectRef>
+      <a:fontRef idx="minor">
+        <a:schemeClr val="dk1"/>
+      </a:fontRef>
+    </dgm:style>
+  </dgm:styleLbl>
+  <dgm:styleLbl name="fgImgPlace1">
+    <dgm:scene3d>
+      <a:camera prst="orthographicFront"/>
+      <a:lightRig rig="threePt" dir="t"/>
+    </dgm:scene3d>
+    <dgm:sp3d/>
+    <dgm:txPr/>
+    <dgm:style>
+      <a:lnRef idx="1">
+        <a:scrgbClr r="0" g="0" b="0"/>
+      </a:lnRef>
+      <a:fillRef idx="1">
+        <a:scrgbClr r="0" g="0" b="0"/>
+      </a:fillRef>
+      <a:effectRef idx="1">
+        <a:scrgbClr r="0" g="0" b="0"/>
+      </a:effectRef>
+      <a:fontRef idx="minor"/>
+    </dgm:style>
+  </dgm:styleLbl>
+  <dgm:styleLbl name="alignImgPlace1">
+    <dgm:scene3d>
+      <a:camera prst="orthographicFront"/>
+      <a:lightRig rig="threePt" dir="t"/>
+    </dgm:scene3d>
+    <dgm:sp3d/>
+    <dgm:txPr/>
+    <dgm:style>
+      <a:lnRef idx="1">
+        <a:scrgbClr r="0" g="0" b="0"/>
+      </a:lnRef>
+      <a:fillRef idx="1">
+        <a:scrgbClr r="0" g="0" b="0"/>
+      </a:fillRef>
+      <a:effectRef idx="1">
+        <a:scrgbClr r="0" g="0" b="0"/>
+      </a:effectRef>
+      <a:fontRef idx="minor"/>
+    </dgm:style>
+  </dgm:styleLbl>
+  <dgm:styleLbl name="bgImgPlace1">
+    <dgm:scene3d>
+      <a:camera prst="orthographicFront"/>
+      <a:lightRig rig="threePt" dir="t"/>
+    </dgm:scene3d>
+    <dgm:sp3d/>
+    <dgm:txPr/>
+    <dgm:style>
+      <a:lnRef idx="1">
+        <a:scrgbClr r="0" g="0" b="0"/>
+      </a:lnRef>
+      <a:fillRef idx="1">
+        <a:scrgbClr r="0" g="0" b="0"/>
+      </a:fillRef>
+      <a:effectRef idx="1">
+        <a:scrgbClr r="0" g="0" b="0"/>
+      </a:effectRef>
+      <a:fontRef idx="minor"/>
+    </dgm:style>
+  </dgm:styleLbl>
+  <dgm:styleLbl name="sibTrans2D1">
+    <dgm:scene3d>
+      <a:camera prst="orthographicFront"/>
+      <a:lightRig rig="threePt" dir="t"/>
+    </dgm:scene3d>
+    <dgm:sp3d/>
+    <dgm:txPr/>
+    <dgm:style>
+      <a:lnRef idx="0">
+        <a:scrgbClr r="0" g="0" b="0"/>
+      </a:lnRef>
+      <a:fillRef idx="2">
+        <a:scrgbClr r="0" g="0" b="0"/>
+      </a:fillRef>
+      <a:effectRef idx="1">
+        <a:scrgbClr r="0" g="0" b="0"/>
+      </a:effectRef>
+      <a:fontRef idx="minor">
+        <a:schemeClr val="dk1"/>
+      </a:fontRef>
+    </dgm:style>
+  </dgm:styleLbl>
+  <dgm:styleLbl name="fgSibTrans2D1">
+    <dgm:scene3d>
+      <a:camera prst="orthographicFront"/>
+      <a:lightRig rig="threePt" dir="t"/>
+    </dgm:scene3d>
+    <dgm:sp3d/>
+    <dgm:txPr/>
+    <dgm:style>
+      <a:lnRef idx="0">
+        <a:scrgbClr r="0" g="0" b="0"/>
+      </a:lnRef>
+      <a:fillRef idx="2">
+        <a:scrgbClr r="0" g="0" b="0"/>
+      </a:fillRef>
+      <a:effectRef idx="1">
+        <a:scrgbClr r="0" g="0" b="0"/>
+      </a:effectRef>
+      <a:fontRef idx="minor">
+        <a:schemeClr val="dk1"/>
+      </a:fontRef>
+    </dgm:style>
+  </dgm:styleLbl>
+  <dgm:styleLbl name="bgSibTrans2D1">
+    <dgm:scene3d>
+      <a:camera prst="orthographicFront"/>
+      <a:lightRig rig="threePt" dir="t"/>
+    </dgm:scene3d>
+    <dgm:sp3d/>
+    <dgm:txPr/>
+    <dgm:style>
+      <a:lnRef idx="0">
+        <a:scrgbClr r="0" g="0" b="0"/>
+      </a:lnRef>
+      <a:fillRef idx="2">
+        <a:scrgbClr r="0" g="0" b="0"/>
+      </a:fillRef>
+      <a:effectRef idx="1">
+        <a:scrgbClr r="0" g="0" b="0"/>
+      </a:effectRef>
+      <a:fontRef idx="minor">
+        <a:schemeClr val="dk1"/>
+      </a:fontRef>
+    </dgm:style>
+  </dgm:styleLbl>
+  <dgm:styleLbl name="sibTrans1D1">
+    <dgm:scene3d>
+      <a:camera prst="orthographicFront"/>
+      <a:lightRig rig="threePt" dir="t"/>
+    </dgm:scene3d>
+    <dgm:sp3d/>
+    <dgm:txPr/>
+    <dgm:style>
+      <a:lnRef idx="1">
+        <a:scrgbClr r="0" g="0" b="0"/>
+      </a:lnRef>
+      <a:fillRef idx="0">
+        <a:scrgbClr r="0" g="0" b="0"/>
+      </a:fillRef>
+      <a:effectRef idx="0">
+        <a:scrgbClr r="0" g="0" b="0"/>
+      </a:effectRef>
+      <a:fontRef idx="minor"/>
+    </dgm:style>
+  </dgm:styleLbl>
+  <dgm:styleLbl name="callout">
+    <dgm:scene3d>
+      <a:camera prst="orthographicFront"/>
+      <a:lightRig rig="threePt" dir="t"/>
+    </dgm:scene3d>
+    <dgm:sp3d/>
+    <dgm:txPr/>
+    <dgm:style>
+      <a:lnRef idx="1">
+        <a:scrgbClr r="0" g="0" b="0"/>
+      </a:lnRef>
+      <a:fillRef idx="2">
+        <a:scrgbClr r="0" g="0" b="0"/>
+      </a:fillRef>
+      <a:effectRef idx="1">
+        <a:scrgbClr r="0" g="0" b="0"/>
+      </a:effectRef>
+      <a:fontRef idx="minor"/>
+    </dgm:style>
+  </dgm:styleLbl>
+  <dgm:styleLbl name="asst0">
+    <dgm:scene3d>
+      <a:camera prst="orthographicFront"/>
+      <a:lightRig rig="flat" dir="t"/>
+    </dgm:scene3d>
+    <dgm:sp3d prstMaterial="dkEdge">
+      <a:bevelT w="8200" h="38100"/>
+    </dgm:sp3d>
+    <dgm:txPr/>
+    <dgm:style>
+      <a:lnRef idx="0">
+        <a:scrgbClr r="0" g="0" b="0"/>
+      </a:lnRef>
+      <a:fillRef idx="2">
+        <a:scrgbClr r="0" g="0" b="0"/>
+      </a:fillRef>
+      <a:effectRef idx="1">
+        <a:scrgbClr r="0" g="0" b="0"/>
+      </a:effectRef>
+      <a:fontRef idx="minor">
+        <a:schemeClr val="dk1"/>
+      </a:fontRef>
+    </dgm:style>
+  </dgm:styleLbl>
+  <dgm:styleLbl name="asst1">
+    <dgm:scene3d>
+      <a:camera prst="orthographicFront"/>
+      <a:lightRig rig="flat" dir="t"/>
+    </dgm:scene3d>
+    <dgm:sp3d prstMaterial="dkEdge">
+      <a:bevelT w="8200" h="38100"/>
+    </dgm:sp3d>
+    <dgm:txPr/>
+    <dgm:style>
+      <a:lnRef idx="0">
+        <a:scrgbClr r="0" g="0" b="0"/>
+      </a:lnRef>
+      <a:fillRef idx="2">
+        <a:scrgbClr r="0" g="0" b="0"/>
+      </a:fillRef>
+      <a:effectRef idx="1">
+        <a:scrgbClr r="0" g="0" b="0"/>
+      </a:effectRef>
+      <a:fontRef idx="minor">
+        <a:schemeClr val="dk1"/>
+      </a:fontRef>
+    </dgm:style>
+  </dgm:styleLbl>
+  <dgm:styleLbl name="asst2">
+    <dgm:scene3d>
+      <a:camera prst="orthographicFront"/>
+      <a:lightRig rig="flat" dir="t"/>
+    </dgm:scene3d>
+    <dgm:sp3d prstMaterial="dkEdge">
+      <a:bevelT w="8200" h="38100"/>
+    </dgm:sp3d>
+    <dgm:txPr/>
+    <dgm:style>
+      <a:lnRef idx="0">
+        <a:scrgbClr r="0" g="0" b="0"/>
+      </a:lnRef>
+      <a:fillRef idx="2">
+        <a:scrgbClr r="0" g="0" b="0"/>
+      </a:fillRef>
+      <a:effectRef idx="1">
+        <a:scrgbClr r="0" g="0" b="0"/>
+      </a:effectRef>
+      <a:fontRef idx="minor">
+        <a:schemeClr val="dk1"/>
+      </a:fontRef>
+    </dgm:style>
+  </dgm:styleLbl>
+  <dgm:styleLbl name="asst3">
+    <dgm:scene3d>
+      <a:camera prst="orthographicFront"/>
+      <a:lightRig rig="flat" dir="t"/>
+    </dgm:scene3d>
+    <dgm:sp3d prstMaterial="dkEdge">
+      <a:bevelT w="8200" h="38100"/>
+    </dgm:sp3d>
+    <dgm:txPr/>
+    <dgm:style>
+      <a:lnRef idx="0">
+        <a:scrgbClr r="0" g="0" b="0"/>
+      </a:lnRef>
+      <a:fillRef idx="2">
+        <a:scrgbClr r="0" g="0" b="0"/>
+      </a:fillRef>
+      <a:effectRef idx="1">
+        <a:scrgbClr r="0" g="0" b="0"/>
+      </a:effectRef>
+      <a:fontRef idx="minor">
+        <a:schemeClr val="dk1"/>
+      </a:fontRef>
+    </dgm:style>
+  </dgm:styleLbl>
+  <dgm:styleLbl name="asst4">
+    <dgm:scene3d>
+      <a:camera prst="orthographicFront"/>
+      <a:lightRig rig="flat" dir="t"/>
+    </dgm:scene3d>
+    <dgm:sp3d prstMaterial="dkEdge">
+      <a:bevelT w="8200" h="38100"/>
+    </dgm:sp3d>
+    <dgm:txPr/>
+    <dgm:style>
+      <a:lnRef idx="0">
+        <a:scrgbClr r="0" g="0" b="0"/>
+      </a:lnRef>
+      <a:fillRef idx="2">
+        <a:scrgbClr r="0" g="0" b="0"/>
+      </a:fillRef>
+      <a:effectRef idx="1">
+        <a:scrgbClr r="0" g="0" b="0"/>
+      </a:effectRef>
+      <a:fontRef idx="minor">
+        <a:schemeClr val="dk1"/>
+      </a:fontRef>
+    </dgm:style>
+  </dgm:styleLbl>
+  <dgm:styleLbl name="parChTrans2D1">
+    <dgm:scene3d>
+      <a:camera prst="orthographicFront"/>
+      <a:lightRig rig="threePt" dir="t"/>
+    </dgm:scene3d>
+    <dgm:sp3d/>
+    <dgm:txPr/>
+    <dgm:style>
+      <a:lnRef idx="1">
+        <a:scrgbClr r="0" g="0" b="0"/>
+      </a:lnRef>
+      <a:fillRef idx="2">
+        <a:scrgbClr r="0" g="0" b="0"/>
+      </a:fillRef>
+      <a:effectRef idx="1">
+        <a:scrgbClr r="0" g="0" b="0"/>
+      </a:effectRef>
+      <a:fontRef idx="minor">
+        <a:schemeClr val="dk1"/>
+      </a:fontRef>
+    </dgm:style>
+  </dgm:styleLbl>
+  <dgm:styleLbl name="parChTrans2D2">
+    <dgm:scene3d>
+      <a:camera prst="orthographicFront"/>
+      <a:lightRig rig="threePt" dir="t"/>
+    </dgm:scene3d>
+    <dgm:sp3d/>
+    <dgm:txPr/>
+    <dgm:style>
+      <a:lnRef idx="1">
+        <a:scrgbClr r="0" g="0" b="0"/>
+      </a:lnRef>
+      <a:fillRef idx="2">
+        <a:scrgbClr r="0" g="0" b="0"/>
+      </a:fillRef>
+      <a:effectRef idx="1">
+        <a:scrgbClr r="0" g="0" b="0"/>
+      </a:effectRef>
+      <a:fontRef idx="minor">
+        <a:schemeClr val="dk1"/>
+      </a:fontRef>
+    </dgm:style>
+  </dgm:styleLbl>
+  <dgm:styleLbl name="parChTrans2D3">
+    <dgm:scene3d>
+      <a:camera prst="orthographicFront"/>
+      <a:lightRig rig="threePt" dir="t"/>
+    </dgm:scene3d>
+    <dgm:sp3d/>
+    <dgm:txPr/>
+    <dgm:style>
+      <a:lnRef idx="1">
+        <a:scrgbClr r="0" g="0" b="0"/>
+      </a:lnRef>
+      <a:fillRef idx="2">
+        <a:scrgbClr r="0" g="0" b="0"/>
+      </a:fillRef>
+      <a:effectRef idx="1">
+        <a:scrgbClr r="0" g="0" b="0"/>
+      </a:effectRef>
+      <a:fontRef idx="minor">
+        <a:schemeClr val="dk1"/>
+      </a:fontRef>
+    </dgm:style>
+  </dgm:styleLbl>
+  <dgm:styleLbl name="parChTrans2D4">
+    <dgm:scene3d>
+      <a:camera prst="orthographicFront"/>
+      <a:lightRig rig="threePt" dir="t"/>
+    </dgm:scene3d>
+    <dgm:sp3d/>
+    <dgm:txPr/>
+    <dgm:style>
+      <a:lnRef idx="1">
+        <a:scrgbClr r="0" g="0" b="0"/>
+      </a:lnRef>
+      <a:fillRef idx="2">
+        <a:scrgbClr r="0" g="0" b="0"/>
+      </a:fillRef>
+      <a:effectRef idx="1">
+        <a:scrgbClr r="0" g="0" b="0"/>
+      </a:effectRef>
+      <a:fontRef idx="minor">
+        <a:schemeClr val="dk1"/>
+      </a:fontRef>
+    </dgm:style>
+  </dgm:styleLbl>
+  <dgm:styleLbl name="parChTrans1D1">
+    <dgm:scene3d>
+      <a:camera prst="orthographicFront"/>
       <a:lightRig rig="threePt" dir="t"/>
     </dgm:scene3d>
     <dgm:sp3d/>
@@ -2729,10 +5278,452 @@
       <a:lnRef idx="2">
         <a:scrgbClr r="0" g="0" b="0"/>
       </a:lnRef>
-      <a:fillRef idx="1">
+      <a:fillRef idx="0">
         <a:scrgbClr r="0" g="0" b="0"/>
       </a:fillRef>
       <a:effectRef idx="0">
+        <a:scrgbClr r="0" g="0" b="0"/>
+      </a:effectRef>
+      <a:fontRef idx="minor"/>
+    </dgm:style>
+  </dgm:styleLbl>
+  <dgm:styleLbl name="parChTrans1D2">
+    <dgm:scene3d>
+      <a:camera prst="orthographicFront"/>
+      <a:lightRig rig="threePt" dir="t"/>
+    </dgm:scene3d>
+    <dgm:sp3d/>
+    <dgm:txPr/>
+    <dgm:style>
+      <a:lnRef idx="2">
+        <a:scrgbClr r="0" g="0" b="0"/>
+      </a:lnRef>
+      <a:fillRef idx="0">
+        <a:scrgbClr r="0" g="0" b="0"/>
+      </a:fillRef>
+      <a:effectRef idx="0">
+        <a:scrgbClr r="0" g="0" b="0"/>
+      </a:effectRef>
+      <a:fontRef idx="minor"/>
+    </dgm:style>
+  </dgm:styleLbl>
+  <dgm:styleLbl name="parChTrans1D3">
+    <dgm:scene3d>
+      <a:camera prst="orthographicFront"/>
+      <a:lightRig rig="threePt" dir="t"/>
+    </dgm:scene3d>
+    <dgm:sp3d/>
+    <dgm:txPr/>
+    <dgm:style>
+      <a:lnRef idx="2">
+        <a:scrgbClr r="0" g="0" b="0"/>
+      </a:lnRef>
+      <a:fillRef idx="0">
+        <a:scrgbClr r="0" g="0" b="0"/>
+      </a:fillRef>
+      <a:effectRef idx="0">
+        <a:scrgbClr r="0" g="0" b="0"/>
+      </a:effectRef>
+      <a:fontRef idx="minor"/>
+    </dgm:style>
+  </dgm:styleLbl>
+  <dgm:styleLbl name="parChTrans1D4">
+    <dgm:scene3d>
+      <a:camera prst="orthographicFront"/>
+      <a:lightRig rig="threePt" dir="t"/>
+    </dgm:scene3d>
+    <dgm:sp3d/>
+    <dgm:txPr/>
+    <dgm:style>
+      <a:lnRef idx="2">
+        <a:scrgbClr r="0" g="0" b="0"/>
+      </a:lnRef>
+      <a:fillRef idx="0">
+        <a:scrgbClr r="0" g="0" b="0"/>
+      </a:fillRef>
+      <a:effectRef idx="0">
+        <a:scrgbClr r="0" g="0" b="0"/>
+      </a:effectRef>
+      <a:fontRef idx="minor"/>
+    </dgm:style>
+  </dgm:styleLbl>
+  <dgm:styleLbl name="fgAcc1">
+    <dgm:scene3d>
+      <a:camera prst="orthographicFront"/>
+      <a:lightRig rig="threePt" dir="t"/>
+    </dgm:scene3d>
+    <dgm:sp3d/>
+    <dgm:txPr/>
+    <dgm:style>
+      <a:lnRef idx="1">
+        <a:scrgbClr r="0" g="0" b="0"/>
+      </a:lnRef>
+      <a:fillRef idx="1">
+        <a:scrgbClr r="0" g="0" b="0"/>
+      </a:fillRef>
+      <a:effectRef idx="0">
+        <a:scrgbClr r="0" g="0" b="0"/>
+      </a:effectRef>
+      <a:fontRef idx="minor"/>
+    </dgm:style>
+  </dgm:styleLbl>
+  <dgm:styleLbl name="conFgAcc1">
+    <dgm:scene3d>
+      <a:camera prst="orthographicFront"/>
+      <a:lightRig rig="threePt" dir="t"/>
+    </dgm:scene3d>
+    <dgm:sp3d/>
+    <dgm:txPr/>
+    <dgm:style>
+      <a:lnRef idx="1">
+        <a:scrgbClr r="0" g="0" b="0"/>
+      </a:lnRef>
+      <a:fillRef idx="1">
+        <a:scrgbClr r="0" g="0" b="0"/>
+      </a:fillRef>
+      <a:effectRef idx="0">
+        <a:scrgbClr r="0" g="0" b="0"/>
+      </a:effectRef>
+      <a:fontRef idx="minor"/>
+    </dgm:style>
+  </dgm:styleLbl>
+  <dgm:styleLbl name="alignAcc1">
+    <dgm:scene3d>
+      <a:camera prst="orthographicFront"/>
+      <a:lightRig rig="threePt" dir="t"/>
+    </dgm:scene3d>
+    <dgm:sp3d/>
+    <dgm:txPr/>
+    <dgm:style>
+      <a:lnRef idx="1">
+        <a:scrgbClr r="0" g="0" b="0"/>
+      </a:lnRef>
+      <a:fillRef idx="1">
+        <a:scrgbClr r="0" g="0" b="0"/>
+      </a:fillRef>
+      <a:effectRef idx="0">
+        <a:scrgbClr r="0" g="0" b="0"/>
+      </a:effectRef>
+      <a:fontRef idx="minor"/>
+    </dgm:style>
+  </dgm:styleLbl>
+  <dgm:styleLbl name="trAlignAcc1">
+    <dgm:scene3d>
+      <a:camera prst="orthographicFront"/>
+      <a:lightRig rig="threePt" dir="t"/>
+    </dgm:scene3d>
+    <dgm:sp3d/>
+    <dgm:txPr/>
+    <dgm:style>
+      <a:lnRef idx="1">
+        <a:scrgbClr r="0" g="0" b="0"/>
+      </a:lnRef>
+      <a:fillRef idx="1">
+        <a:scrgbClr r="0" g="0" b="0"/>
+      </a:fillRef>
+      <a:effectRef idx="0">
+        <a:scrgbClr r="0" g="0" b="0"/>
+      </a:effectRef>
+      <a:fontRef idx="minor"/>
+    </dgm:style>
+  </dgm:styleLbl>
+  <dgm:styleLbl name="bgAcc1">
+    <dgm:scene3d>
+      <a:camera prst="orthographicFront"/>
+      <a:lightRig rig="threePt" dir="t"/>
+    </dgm:scene3d>
+    <dgm:sp3d/>
+    <dgm:txPr/>
+    <dgm:style>
+      <a:lnRef idx="1">
+        <a:scrgbClr r="0" g="0" b="0"/>
+      </a:lnRef>
+      <a:fillRef idx="1">
+        <a:scrgbClr r="0" g="0" b="0"/>
+      </a:fillRef>
+      <a:effectRef idx="0">
+        <a:scrgbClr r="0" g="0" b="0"/>
+      </a:effectRef>
+      <a:fontRef idx="minor"/>
+    </dgm:style>
+  </dgm:styleLbl>
+  <dgm:styleLbl name="solidFgAcc1">
+    <dgm:scene3d>
+      <a:camera prst="orthographicFront"/>
+      <a:lightRig rig="threePt" dir="t"/>
+    </dgm:scene3d>
+    <dgm:sp3d/>
+    <dgm:txPr/>
+    <dgm:style>
+      <a:lnRef idx="1">
+        <a:scrgbClr r="0" g="0" b="0"/>
+      </a:lnRef>
+      <a:fillRef idx="2">
+        <a:scrgbClr r="0" g="0" b="0"/>
+      </a:fillRef>
+      <a:effectRef idx="0">
+        <a:scrgbClr r="0" g="0" b="0"/>
+      </a:effectRef>
+      <a:fontRef idx="minor"/>
+    </dgm:style>
+  </dgm:styleLbl>
+  <dgm:styleLbl name="solidAlignAcc1">
+    <dgm:scene3d>
+      <a:camera prst="orthographicFront"/>
+      <a:lightRig rig="threePt" dir="t"/>
+    </dgm:scene3d>
+    <dgm:sp3d/>
+    <dgm:txPr/>
+    <dgm:style>
+      <a:lnRef idx="1">
+        <a:scrgbClr r="0" g="0" b="0"/>
+      </a:lnRef>
+      <a:fillRef idx="1">
+        <a:scrgbClr r="0" g="0" b="0"/>
+      </a:fillRef>
+      <a:effectRef idx="0">
+        <a:scrgbClr r="0" g="0" b="0"/>
+      </a:effectRef>
+      <a:fontRef idx="minor"/>
+    </dgm:style>
+  </dgm:styleLbl>
+  <dgm:styleLbl name="solidBgAcc1">
+    <dgm:scene3d>
+      <a:camera prst="orthographicFront"/>
+      <a:lightRig rig="threePt" dir="t"/>
+    </dgm:scene3d>
+    <dgm:sp3d/>
+    <dgm:txPr/>
+    <dgm:style>
+      <a:lnRef idx="1">
+        <a:scrgbClr r="0" g="0" b="0"/>
+      </a:lnRef>
+      <a:fillRef idx="1">
+        <a:scrgbClr r="0" g="0" b="0"/>
+      </a:fillRef>
+      <a:effectRef idx="0">
+        <a:scrgbClr r="0" g="0" b="0"/>
+      </a:effectRef>
+      <a:fontRef idx="minor"/>
+    </dgm:style>
+  </dgm:styleLbl>
+  <dgm:styleLbl name="fgAccFollowNode1">
+    <dgm:scene3d>
+      <a:camera prst="orthographicFront"/>
+      <a:lightRig rig="threePt" dir="t"/>
+    </dgm:scene3d>
+    <dgm:sp3d/>
+    <dgm:txPr/>
+    <dgm:style>
+      <a:lnRef idx="1">
+        <a:scrgbClr r="0" g="0" b="0"/>
+      </a:lnRef>
+      <a:fillRef idx="1">
+        <a:scrgbClr r="0" g="0" b="0"/>
+      </a:fillRef>
+      <a:effectRef idx="0">
+        <a:scrgbClr r="0" g="0" b="0"/>
+      </a:effectRef>
+      <a:fontRef idx="minor"/>
+    </dgm:style>
+  </dgm:styleLbl>
+  <dgm:styleLbl name="alignAccFollowNode1">
+    <dgm:scene3d>
+      <a:camera prst="orthographicFront"/>
+      <a:lightRig rig="threePt" dir="t"/>
+    </dgm:scene3d>
+    <dgm:sp3d/>
+    <dgm:txPr/>
+    <dgm:style>
+      <a:lnRef idx="1">
+        <a:scrgbClr r="0" g="0" b="0"/>
+      </a:lnRef>
+      <a:fillRef idx="1">
+        <a:scrgbClr r="0" g="0" b="0"/>
+      </a:fillRef>
+      <a:effectRef idx="0">
+        <a:scrgbClr r="0" g="0" b="0"/>
+      </a:effectRef>
+      <a:fontRef idx="minor"/>
+    </dgm:style>
+  </dgm:styleLbl>
+  <dgm:styleLbl name="bgAccFollowNode1">
+    <dgm:scene3d>
+      <a:camera prst="orthographicFront"/>
+      <a:lightRig rig="threePt" dir="t"/>
+    </dgm:scene3d>
+    <dgm:sp3d/>
+    <dgm:txPr/>
+    <dgm:style>
+      <a:lnRef idx="1">
+        <a:scrgbClr r="0" g="0" b="0"/>
+      </a:lnRef>
+      <a:fillRef idx="1">
+        <a:scrgbClr r="0" g="0" b="0"/>
+      </a:fillRef>
+      <a:effectRef idx="0">
+        <a:scrgbClr r="0" g="0" b="0"/>
+      </a:effectRef>
+      <a:fontRef idx="minor"/>
+    </dgm:style>
+  </dgm:styleLbl>
+  <dgm:styleLbl name="fgAcc0">
+    <dgm:scene3d>
+      <a:camera prst="orthographicFront"/>
+      <a:lightRig rig="threePt" dir="t"/>
+    </dgm:scene3d>
+    <dgm:sp3d/>
+    <dgm:txPr/>
+    <dgm:style>
+      <a:lnRef idx="1">
+        <a:scrgbClr r="0" g="0" b="0"/>
+      </a:lnRef>
+      <a:fillRef idx="1">
+        <a:scrgbClr r="0" g="0" b="0"/>
+      </a:fillRef>
+      <a:effectRef idx="0">
+        <a:scrgbClr r="0" g="0" b="0"/>
+      </a:effectRef>
+      <a:fontRef idx="minor"/>
+    </dgm:style>
+  </dgm:styleLbl>
+  <dgm:styleLbl name="fgAcc2">
+    <dgm:scene3d>
+      <a:camera prst="orthographicFront"/>
+      <a:lightRig rig="threePt" dir="t"/>
+    </dgm:scene3d>
+    <dgm:sp3d/>
+    <dgm:txPr/>
+    <dgm:style>
+      <a:lnRef idx="1">
+        <a:scrgbClr r="0" g="0" b="0"/>
+      </a:lnRef>
+      <a:fillRef idx="1">
+        <a:scrgbClr r="0" g="0" b="0"/>
+      </a:fillRef>
+      <a:effectRef idx="0">
+        <a:scrgbClr r="0" g="0" b="0"/>
+      </a:effectRef>
+      <a:fontRef idx="minor"/>
+    </dgm:style>
+  </dgm:styleLbl>
+  <dgm:styleLbl name="fgAcc3">
+    <dgm:scene3d>
+      <a:camera prst="orthographicFront"/>
+      <a:lightRig rig="threePt" dir="t"/>
+    </dgm:scene3d>
+    <dgm:sp3d/>
+    <dgm:txPr/>
+    <dgm:style>
+      <a:lnRef idx="1">
+        <a:scrgbClr r="0" g="0" b="0"/>
+      </a:lnRef>
+      <a:fillRef idx="1">
+        <a:scrgbClr r="0" g="0" b="0"/>
+      </a:fillRef>
+      <a:effectRef idx="0">
+        <a:scrgbClr r="0" g="0" b="0"/>
+      </a:effectRef>
+      <a:fontRef idx="minor"/>
+    </dgm:style>
+  </dgm:styleLbl>
+  <dgm:styleLbl name="fgAcc4">
+    <dgm:scene3d>
+      <a:camera prst="orthographicFront"/>
+      <a:lightRig rig="threePt" dir="t"/>
+    </dgm:scene3d>
+    <dgm:sp3d/>
+    <dgm:txPr/>
+    <dgm:style>
+      <a:lnRef idx="1">
+        <a:scrgbClr r="0" g="0" b="0"/>
+      </a:lnRef>
+      <a:fillRef idx="1">
+        <a:scrgbClr r="0" g="0" b="0"/>
+      </a:fillRef>
+      <a:effectRef idx="0">
+        <a:scrgbClr r="0" g="0" b="0"/>
+      </a:effectRef>
+      <a:fontRef idx="minor"/>
+    </dgm:style>
+  </dgm:styleLbl>
+  <dgm:styleLbl name="bgShp">
+    <dgm:scene3d>
+      <a:camera prst="orthographicFront"/>
+      <a:lightRig rig="threePt" dir="t"/>
+    </dgm:scene3d>
+    <dgm:sp3d/>
+    <dgm:txPr/>
+    <dgm:style>
+      <a:lnRef idx="0">
+        <a:scrgbClr r="0" g="0" b="0"/>
+      </a:lnRef>
+      <a:fillRef idx="1">
+        <a:scrgbClr r="0" g="0" b="0"/>
+      </a:fillRef>
+      <a:effectRef idx="1">
+        <a:scrgbClr r="0" g="0" b="0"/>
+      </a:effectRef>
+      <a:fontRef idx="minor"/>
+    </dgm:style>
+  </dgm:styleLbl>
+  <dgm:styleLbl name="dkBgShp">
+    <dgm:scene3d>
+      <a:camera prst="orthographicFront"/>
+      <a:lightRig rig="threePt" dir="t"/>
+    </dgm:scene3d>
+    <dgm:sp3d/>
+    <dgm:txPr/>
+    <dgm:style>
+      <a:lnRef idx="0">
+        <a:scrgbClr r="0" g="0" b="0"/>
+      </a:lnRef>
+      <a:fillRef idx="1">
+        <a:scrgbClr r="0" g="0" b="0"/>
+      </a:fillRef>
+      <a:effectRef idx="1">
+        <a:scrgbClr r="0" g="0" b="0"/>
+      </a:effectRef>
+      <a:fontRef idx="minor"/>
+    </dgm:style>
+  </dgm:styleLbl>
+  <dgm:styleLbl name="trBgShp">
+    <dgm:scene3d>
+      <a:camera prst="orthographicFront"/>
+      <a:lightRig rig="threePt" dir="t"/>
+    </dgm:scene3d>
+    <dgm:sp3d/>
+    <dgm:txPr/>
+    <dgm:style>
+      <a:lnRef idx="0">
+        <a:scrgbClr r="0" g="0" b="0"/>
+      </a:lnRef>
+      <a:fillRef idx="1">
+        <a:scrgbClr r="0" g="0" b="0"/>
+      </a:fillRef>
+      <a:effectRef idx="0">
+        <a:scrgbClr r="0" g="0" b="0"/>
+      </a:effectRef>
+      <a:fontRef idx="minor"/>
+    </dgm:style>
+  </dgm:styleLbl>
+  <dgm:styleLbl name="fgShp">
+    <dgm:scene3d>
+      <a:camera prst="orthographicFront"/>
+      <a:lightRig rig="flat" dir="t"/>
+    </dgm:scene3d>
+    <dgm:sp3d prstMaterial="dkEdge">
+      <a:bevelT w="8200" h="38100"/>
+    </dgm:sp3d>
+    <dgm:txPr/>
+    <dgm:style>
+      <a:lnRef idx="1">
+        <a:scrgbClr r="0" g="0" b="0"/>
+      </a:lnRef>
+      <a:fillRef idx="2">
+        <a:scrgbClr r="0" g="0" b="0"/>
+      </a:fillRef>
+      <a:effectRef idx="1">
         <a:scrgbClr r="0" g="0" b="0"/>
       </a:effectRef>
       <a:fontRef idx="minor"/>
@@ -2843,7 +5834,7 @@
           <a:p>
             <a:fld id="{C8D18E60-4300-4729-A0D7-6AB984C3922D}" type="datetimeFigureOut">
               <a:rPr lang="en-US" smtClean="0"/>
-              <a:t>11/9/2025</a:t>
+              <a:t>11/10/2025</a:t>
             </a:fld>
             <a:endParaRPr lang="en-US"/>
           </a:p>
@@ -3184,12 +6175,6 @@
               <a:t>. O objetivo deste trabalho foi construir um Gêmeo Digital funcional, capaz não apenas de simular uma cidade em 3D, mas também de integrar dados do mundo real e aplicar modelos de mineração de dados para gerar previsões e detectar anomalias."</a:t>
             </a:r>
           </a:p>
-          <a:p>
-            <a:r>
-              <a:rPr lang="pt-BR" dirty="0"/>
-              <a:t>	</a:t>
-            </a:r>
-          </a:p>
         </p:txBody>
       </p:sp>
       <p:sp>
@@ -3233,13 +6218,7 @@
   <p:cSld>
     <p:spTree>
       <p:nvGrpSpPr>
-        <p:cNvPr id="1" name="">
-          <a:extLst>
-            <a:ext uri="{FF2B5EF4-FFF2-40B4-BE49-F238E27FC236}">
-              <a16:creationId xmlns:a16="http://schemas.microsoft.com/office/drawing/2014/main" id="{4E846850-1364-61EA-C90A-9647044BB72B}"/>
-            </a:ext>
-          </a:extLst>
-        </p:cNvPr>
+        <p:cNvPr id="1" name=""/>
         <p:cNvGrpSpPr/>
         <p:nvPr/>
       </p:nvGrpSpPr>
@@ -3253,13 +6232,7 @@
       </p:grpSpPr>
       <p:sp>
         <p:nvSpPr>
-          <p:cNvPr id="2" name="Espaço Reservado para Imagem de Slide 1">
-            <a:extLst>
-              <a:ext uri="{FF2B5EF4-FFF2-40B4-BE49-F238E27FC236}">
-                <a16:creationId xmlns:a16="http://schemas.microsoft.com/office/drawing/2014/main" id="{1DF234FC-6F11-F56E-4DC7-E268CE35A6D2}"/>
-              </a:ext>
-            </a:extLst>
-          </p:cNvPr>
+          <p:cNvPr id="2" name="Espaço Reservado para Imagem de Slide 1"/>
           <p:cNvSpPr>
             <a:spLocks noGrp="1" noRot="1" noChangeAspect="1"/>
           </p:cNvSpPr>
@@ -3271,13 +6244,7 @@
       </p:sp>
       <p:sp>
         <p:nvSpPr>
-          <p:cNvPr id="3" name="Espaço Reservado para Anotações 2">
-            <a:extLst>
-              <a:ext uri="{FF2B5EF4-FFF2-40B4-BE49-F238E27FC236}">
-                <a16:creationId xmlns:a16="http://schemas.microsoft.com/office/drawing/2014/main" id="{3FF05D11-3B49-ED26-1C18-061F799FC6A1}"/>
-              </a:ext>
-            </a:extLst>
-          </p:cNvPr>
+          <p:cNvPr id="3" name="Espaço Reservado para Anotações 2"/>
           <p:cNvSpPr>
             <a:spLocks noGrp="1"/>
           </p:cNvSpPr>
@@ -3309,7 +6276,7 @@
             </a:pPr>
             <a:r>
               <a:rPr lang="pt-BR" dirty="0"/>
-              <a:t>A metodologia foi dividida em três pipelines. Vou focar no Pipeline 1: O catalogador..." (Descrever um deles brevemente).</a:t>
+              <a:t>A metodologia foi dividida em três pipelines de dados. Este fluxograma, por exemplo, mostra o pipeline da Qualidade do Ar: o catalogador lê os arquivos CSV, salva no Mongo, a API lê o Mongo, e a Unity consome a API para popular os filtros.</a:t>
             </a:r>
           </a:p>
           <a:p>
@@ -3319,13 +6286,7 @@
       </p:sp>
       <p:sp>
         <p:nvSpPr>
-          <p:cNvPr id="4" name="Espaço Reservado para Número de Slide 3">
-            <a:extLst>
-              <a:ext uri="{FF2B5EF4-FFF2-40B4-BE49-F238E27FC236}">
-                <a16:creationId xmlns:a16="http://schemas.microsoft.com/office/drawing/2014/main" id="{590C813D-C9C2-6CDD-17A1-985F467C7F3E}"/>
-              </a:ext>
-            </a:extLst>
-          </p:cNvPr>
+          <p:cNvPr id="4" name="Espaço Reservado para Número de Slide 3"/>
           <p:cNvSpPr>
             <a:spLocks noGrp="1"/>
           </p:cNvSpPr>
@@ -3340,7 +6301,7 @@
           <a:p>
             <a:fld id="{AF533E96-F078-4B3D-A8F4-F1AF21EBC357}" type="slidenum">
               <a:rPr lang="en-US" smtClean="0"/>
-              <a:t>12</a:t>
+              <a:t>11</a:t>
             </a:fld>
             <a:endParaRPr lang="en-US"/>
           </a:p>
@@ -3349,7 +6310,7 @@
     </p:spTree>
     <p:extLst>
       <p:ext uri="{BB962C8B-B14F-4D97-AF65-F5344CB8AC3E}">
-        <p14:creationId xmlns:p14="http://schemas.microsoft.com/office/powerpoint/2010/main" val="2153168813"/>
+        <p14:creationId xmlns:p14="http://schemas.microsoft.com/office/powerpoint/2010/main" val="226538683"/>
       </p:ext>
     </p:extLst>
   </p:cSld>
@@ -3422,9 +6383,111 @@
             </a:pPr>
             <a:r>
               <a:rPr lang="pt-BR" dirty="0"/>
-              <a:t>O primeiro resultado foi o Replay de Clima. </a:t>
-            </a:r>
-          </a:p>
+              <a:t>A metodologia foi dividida em três pipelines. Vou focar no Pipeline 1: O catalogador..." (Descrever um deles brevemente).</a:t>
+            </a:r>
+          </a:p>
+          <a:p>
+            <a:endParaRPr lang="pt-BR" dirty="0"/>
+          </a:p>
+        </p:txBody>
+      </p:sp>
+      <p:sp>
+        <p:nvSpPr>
+          <p:cNvPr id="4" name="Espaço Reservado para Número de Slide 3"/>
+          <p:cNvSpPr>
+            <a:spLocks noGrp="1"/>
+          </p:cNvSpPr>
+          <p:nvPr>
+            <p:ph type="sldNum" sz="quarter" idx="5"/>
+          </p:nvPr>
+        </p:nvSpPr>
+        <p:spPr/>
+        <p:txBody>
+          <a:bodyPr/>
+          <a:lstStyle/>
+          <a:p>
+            <a:fld id="{AF533E96-F078-4B3D-A8F4-F1AF21EBC357}" type="slidenum">
+              <a:rPr lang="en-US" smtClean="0"/>
+              <a:t>12</a:t>
+            </a:fld>
+            <a:endParaRPr lang="en-US"/>
+          </a:p>
+        </p:txBody>
+      </p:sp>
+    </p:spTree>
+    <p:extLst>
+      <p:ext uri="{BB962C8B-B14F-4D97-AF65-F5344CB8AC3E}">
+        <p14:creationId xmlns:p14="http://schemas.microsoft.com/office/powerpoint/2010/main" val="2372006313"/>
+      </p:ext>
+    </p:extLst>
+  </p:cSld>
+  <p:clrMapOvr>
+    <a:masterClrMapping/>
+  </p:clrMapOvr>
+</p:notes>
+</file>
+
+<file path=ppt/notesSlides/notesSlide12.xml><?xml version="1.0" encoding="utf-8"?>
+<p:notes xmlns:a="http://schemas.openxmlformats.org/drawingml/2006/main" xmlns:r="http://schemas.openxmlformats.org/officeDocument/2006/relationships" xmlns:p="http://schemas.openxmlformats.org/presentationml/2006/main">
+  <p:cSld>
+    <p:spTree>
+      <p:nvGrpSpPr>
+        <p:cNvPr id="1" name="">
+          <a:extLst>
+            <a:ext uri="{FF2B5EF4-FFF2-40B4-BE49-F238E27FC236}">
+              <a16:creationId xmlns:a16="http://schemas.microsoft.com/office/drawing/2014/main" id="{4E846850-1364-61EA-C90A-9647044BB72B}"/>
+            </a:ext>
+          </a:extLst>
+        </p:cNvPr>
+        <p:cNvGrpSpPr/>
+        <p:nvPr/>
+      </p:nvGrpSpPr>
+      <p:grpSpPr>
+        <a:xfrm>
+          <a:off x="0" y="0"/>
+          <a:ext cx="0" cy="0"/>
+          <a:chOff x="0" y="0"/>
+          <a:chExt cx="0" cy="0"/>
+        </a:xfrm>
+      </p:grpSpPr>
+      <p:sp>
+        <p:nvSpPr>
+          <p:cNvPr id="2" name="Espaço Reservado para Imagem de Slide 1">
+            <a:extLst>
+              <a:ext uri="{FF2B5EF4-FFF2-40B4-BE49-F238E27FC236}">
+                <a16:creationId xmlns:a16="http://schemas.microsoft.com/office/drawing/2014/main" id="{1DF234FC-6F11-F56E-4DC7-E268CE35A6D2}"/>
+              </a:ext>
+            </a:extLst>
+          </p:cNvPr>
+          <p:cNvSpPr>
+            <a:spLocks noGrp="1" noRot="1" noChangeAspect="1"/>
+          </p:cNvSpPr>
+          <p:nvPr>
+            <p:ph type="sldImg"/>
+          </p:nvPr>
+        </p:nvSpPr>
+        <p:spPr/>
+      </p:sp>
+      <p:sp>
+        <p:nvSpPr>
+          <p:cNvPr id="3" name="Espaço Reservado para Anotações 2">
+            <a:extLst>
+              <a:ext uri="{FF2B5EF4-FFF2-40B4-BE49-F238E27FC236}">
+                <a16:creationId xmlns:a16="http://schemas.microsoft.com/office/drawing/2014/main" id="{3FF05D11-3B49-ED26-1C18-061F799FC6A1}"/>
+              </a:ext>
+            </a:extLst>
+          </p:cNvPr>
+          <p:cNvSpPr>
+            <a:spLocks noGrp="1"/>
+          </p:cNvSpPr>
+          <p:nvPr>
+            <p:ph type="body" idx="1"/>
+          </p:nvPr>
+        </p:nvSpPr>
+        <p:spPr/>
+        <p:txBody>
+          <a:bodyPr/>
+          <a:lstStyle/>
           <a:p>
             <a:pPr marL="0" marR="0" lvl="0" indent="0" algn="l" defTabSz="914400" rtl="0" eaLnBrk="1" fontAlgn="auto" latinLnBrk="0" hangingPunct="1">
               <a:lnSpc>
@@ -3445,38 +6508,7 @@
             </a:pPr>
             <a:r>
               <a:rPr lang="pt-BR" dirty="0"/>
-              <a:t>O desafio eram os dados massivos. A solução foi um catálogo </a:t>
-            </a:r>
-            <a:r>
-              <a:rPr lang="pt-BR" dirty="0" err="1"/>
-              <a:t>sob-demanda</a:t>
-            </a:r>
-            <a:r>
-              <a:rPr lang="pt-BR" dirty="0"/>
-              <a:t>. </a:t>
-            </a:r>
-          </a:p>
-          <a:p>
-            <a:pPr marL="0" marR="0" lvl="0" indent="0" algn="l" defTabSz="914400" rtl="0" eaLnBrk="1" fontAlgn="auto" latinLnBrk="0" hangingPunct="1">
-              <a:lnSpc>
-                <a:spcPct val="100000"/>
-              </a:lnSpc>
-              <a:spcBef>
-                <a:spcPts val="0"/>
-              </a:spcBef>
-              <a:spcAft>
-                <a:spcPts val="0"/>
-              </a:spcAft>
-              <a:buClrTx/>
-              <a:buSzTx/>
-              <a:buFontTx/>
-              <a:buNone/>
-              <a:tabLst/>
-              <a:defRPr/>
-            </a:pPr>
-            <a:r>
-              <a:rPr lang="pt-BR" dirty="0"/>
-              <a:t>Como veremos na demo, a UI filtra anos e regiões instantaneamente, e o sistema só baixa o dado quando o usuário pede.</a:t>
+              <a:t>A metodologia foi dividida em três pipelines. Vou focar no Pipeline 1: O catalogador..." (Descrever um deles brevemente).</a:t>
             </a:r>
           </a:p>
           <a:p>
@@ -3486,7 +6518,13 @@
       </p:sp>
       <p:sp>
         <p:nvSpPr>
-          <p:cNvPr id="4" name="Espaço Reservado para Número de Slide 3"/>
+          <p:cNvPr id="4" name="Espaço Reservado para Número de Slide 3">
+            <a:extLst>
+              <a:ext uri="{FF2B5EF4-FFF2-40B4-BE49-F238E27FC236}">
+                <a16:creationId xmlns:a16="http://schemas.microsoft.com/office/drawing/2014/main" id="{590C813D-C9C2-6CDD-17A1-985F467C7F3E}"/>
+              </a:ext>
+            </a:extLst>
+          </p:cNvPr>
           <p:cNvSpPr>
             <a:spLocks noGrp="1"/>
           </p:cNvSpPr>
@@ -3510,111 +6548,7 @@
     </p:spTree>
     <p:extLst>
       <p:ext uri="{BB962C8B-B14F-4D97-AF65-F5344CB8AC3E}">
-        <p14:creationId xmlns:p14="http://schemas.microsoft.com/office/powerpoint/2010/main" val="2727073163"/>
-      </p:ext>
-    </p:extLst>
-  </p:cSld>
-  <p:clrMapOvr>
-    <a:masterClrMapping/>
-  </p:clrMapOvr>
-</p:notes>
-</file>
-
-<file path=ppt/notesSlides/notesSlide12.xml><?xml version="1.0" encoding="utf-8"?>
-<p:notes xmlns:a="http://schemas.openxmlformats.org/drawingml/2006/main" xmlns:r="http://schemas.openxmlformats.org/officeDocument/2006/relationships" xmlns:p="http://schemas.openxmlformats.org/presentationml/2006/main">
-  <p:cSld>
-    <p:spTree>
-      <p:nvGrpSpPr>
-        <p:cNvPr id="1" name=""/>
-        <p:cNvGrpSpPr/>
-        <p:nvPr/>
-      </p:nvGrpSpPr>
-      <p:grpSpPr>
-        <a:xfrm>
-          <a:off x="0" y="0"/>
-          <a:ext cx="0" cy="0"/>
-          <a:chOff x="0" y="0"/>
-          <a:chExt cx="0" cy="0"/>
-        </a:xfrm>
-      </p:grpSpPr>
-      <p:sp>
-        <p:nvSpPr>
-          <p:cNvPr id="2" name="Espaço Reservado para Imagem de Slide 1"/>
-          <p:cNvSpPr>
-            <a:spLocks noGrp="1" noRot="1" noChangeAspect="1"/>
-          </p:cNvSpPr>
-          <p:nvPr>
-            <p:ph type="sldImg"/>
-          </p:nvPr>
-        </p:nvSpPr>
-        <p:spPr/>
-      </p:sp>
-      <p:sp>
-        <p:nvSpPr>
-          <p:cNvPr id="3" name="Espaço Reservado para Anotações 2"/>
-          <p:cNvSpPr>
-            <a:spLocks noGrp="1"/>
-          </p:cNvSpPr>
-          <p:nvPr>
-            <p:ph type="body" idx="1"/>
-          </p:nvPr>
-        </p:nvSpPr>
-        <p:spPr/>
-        <p:txBody>
-          <a:bodyPr/>
-          <a:lstStyle/>
-          <a:p>
-            <a:pPr marL="0" marR="0" lvl="0" indent="0" algn="l" defTabSz="914400" rtl="0" eaLnBrk="1" fontAlgn="auto" latinLnBrk="0" hangingPunct="1">
-              <a:lnSpc>
-                <a:spcPct val="100000"/>
-              </a:lnSpc>
-              <a:spcBef>
-                <a:spcPts val="0"/>
-              </a:spcBef>
-              <a:spcAft>
-                <a:spcPts val="0"/>
-              </a:spcAft>
-              <a:buClrTx/>
-              <a:buSzTx/>
-              <a:buFontTx/>
-              <a:buNone/>
-              <a:tabLst/>
-              <a:defRPr/>
-            </a:pPr>
-            <a:r>
-              <a:rPr lang="pt-BR" dirty="0"/>
-              <a:t>Para a Atividade 3, o objetivo era detectar outliers no tráfego. Eu treinei o modelo com dados normais e, para testar, forcei uma anomalia. O resultado foi que o sistema identificou o carro parado e criou um incidente visual na simulação.</a:t>
-            </a:r>
-          </a:p>
-        </p:txBody>
-      </p:sp>
-      <p:sp>
-        <p:nvSpPr>
-          <p:cNvPr id="4" name="Espaço Reservado para Número de Slide 3"/>
-          <p:cNvSpPr>
-            <a:spLocks noGrp="1"/>
-          </p:cNvSpPr>
-          <p:nvPr>
-            <p:ph type="sldNum" sz="quarter" idx="5"/>
-          </p:nvPr>
-        </p:nvSpPr>
-        <p:spPr/>
-        <p:txBody>
-          <a:bodyPr/>
-          <a:lstStyle/>
-          <a:p>
-            <a:fld id="{AF533E96-F078-4B3D-A8F4-F1AF21EBC357}" type="slidenum">
-              <a:rPr lang="en-US" smtClean="0"/>
-              <a:t>14</a:t>
-            </a:fld>
-            <a:endParaRPr lang="en-US"/>
-          </a:p>
-        </p:txBody>
-      </p:sp>
-    </p:spTree>
-    <p:extLst>
-      <p:ext uri="{BB962C8B-B14F-4D97-AF65-F5344CB8AC3E}">
-        <p14:creationId xmlns:p14="http://schemas.microsoft.com/office/powerpoint/2010/main" val="206216084"/>
+        <p14:creationId xmlns:p14="http://schemas.microsoft.com/office/powerpoint/2010/main" val="2153168813"/>
       </p:ext>
     </p:extLst>
   </p:cSld>
@@ -3687,7 +6621,7 @@
             </a:pPr>
             <a:r>
               <a:rPr lang="pt-BR" dirty="0"/>
-              <a:t>Para a Atividade de Classificação, tivemos um desafio: a API da CETESB estava bloqueada. </a:t>
+              <a:t>O primeiro resultado foi o Replay de Clima. </a:t>
             </a:r>
           </a:p>
           <a:p>
@@ -3710,7 +6644,15 @@
             </a:pPr>
             <a:r>
               <a:rPr lang="pt-BR" dirty="0"/>
-              <a:t>A solução foi criar um pipeline de dados 100% local, baseado em arquivos CSV. </a:t>
+              <a:t>O desafio eram os dados massivos. A solução foi um catálogo </a:t>
+            </a:r>
+            <a:r>
+              <a:rPr lang="pt-BR" dirty="0" err="1"/>
+              <a:t>sob-demanda</a:t>
+            </a:r>
+            <a:r>
+              <a:rPr lang="pt-BR" dirty="0"/>
+              <a:t>. </a:t>
             </a:r>
           </a:p>
           <a:p>
@@ -3733,7 +6675,7 @@
             </a:pPr>
             <a:r>
               <a:rPr lang="pt-BR" dirty="0"/>
-              <a:t>O resultado é que o sistema importa esses dados e o relógio da simulação agora prevê a qualidade do ar a cada hora."</a:t>
+              <a:t>Como veremos na demo, a UI filtra anos e regiões instantaneamente, e o sistema só baixa o dado quando o usuário pede.</a:t>
             </a:r>
           </a:p>
           <a:p>
@@ -3758,7 +6700,7 @@
           <a:p>
             <a:fld id="{AF533E96-F078-4B3D-A8F4-F1AF21EBC357}" type="slidenum">
               <a:rPr lang="en-US" smtClean="0"/>
-              <a:t>15</a:t>
+              <a:t>14</a:t>
             </a:fld>
             <a:endParaRPr lang="en-US"/>
           </a:p>
@@ -3767,7 +6709,7 @@
     </p:spTree>
     <p:extLst>
       <p:ext uri="{BB962C8B-B14F-4D97-AF65-F5344CB8AC3E}">
-        <p14:creationId xmlns:p14="http://schemas.microsoft.com/office/powerpoint/2010/main" val="463091734"/>
+        <p14:creationId xmlns:p14="http://schemas.microsoft.com/office/powerpoint/2010/main" val="2727073163"/>
       </p:ext>
     </p:extLst>
   </p:cSld>
@@ -3840,11 +6782,8 @@
             </a:pPr>
             <a:r>
               <a:rPr lang="pt-BR" dirty="0"/>
-              <a:t>Aqui está o resultado da Atividade 4. À esquerda, os dados originais. À direita, os dados balanceados pelo SMOTE. Mas o mais interessante é o resultado: o modelo ficou ótimo em prever 'Boa', mas péssimo em prever 'Alerta'. Isso não é um erro, é uma descoberta: o modelo aprendeu que 'chutar' Boa é a aposta mais segura. Isso mostra que só o SMOTE não é suficiente; precisaríamos de mais dados.</a:t>
-            </a:r>
-          </a:p>
-          <a:p>
-            <a:endParaRPr lang="pt-BR" dirty="0"/>
+              <a:t>Para a Atividade 3, o objetivo era detectar outliers no tráfego. Eu treinei o modelo com dados normais e, para testar, forcei uma anomalia. O resultado foi que o sistema identificou o carro parado e criou um incidente visual na simulação.</a:t>
+            </a:r>
           </a:p>
         </p:txBody>
       </p:sp>
@@ -3865,7 +6804,7 @@
           <a:p>
             <a:fld id="{AF533E96-F078-4B3D-A8F4-F1AF21EBC357}" type="slidenum">
               <a:rPr lang="en-US" smtClean="0"/>
-              <a:t>16</a:t>
+              <a:t>15</a:t>
             </a:fld>
             <a:endParaRPr lang="en-US"/>
           </a:p>
@@ -3874,7 +6813,7 @@
     </p:spTree>
     <p:extLst>
       <p:ext uri="{BB962C8B-B14F-4D97-AF65-F5344CB8AC3E}">
-        <p14:creationId xmlns:p14="http://schemas.microsoft.com/office/powerpoint/2010/main" val="1352274472"/>
+        <p14:creationId xmlns:p14="http://schemas.microsoft.com/office/powerpoint/2010/main" val="206216084"/>
       </p:ext>
     </p:extLst>
   </p:cSld>
@@ -3947,7 +6886,53 @@
             </a:pPr>
             <a:r>
               <a:rPr lang="pt-BR" dirty="0"/>
-              <a:t>Em conclusão, o projeto atingiu todos os objetivos, criando um sistema integrado. As atividades de mineração de dados foram validadas. Como trabalhos futuros, eu gostaria de usar as predições para mudar a simulação e, como uma ideia extra, gerar um dashboard em HTML com explicações de IA."</a:t>
+              <a:t>Para a Atividade de Classificação, tivemos um desafio: a API da CETESB estava bloqueada. </a:t>
+            </a:r>
+          </a:p>
+          <a:p>
+            <a:pPr marL="0" marR="0" lvl="0" indent="0" algn="l" defTabSz="914400" rtl="0" eaLnBrk="1" fontAlgn="auto" latinLnBrk="0" hangingPunct="1">
+              <a:lnSpc>
+                <a:spcPct val="100000"/>
+              </a:lnSpc>
+              <a:spcBef>
+                <a:spcPts val="0"/>
+              </a:spcBef>
+              <a:spcAft>
+                <a:spcPts val="0"/>
+              </a:spcAft>
+              <a:buClrTx/>
+              <a:buSzTx/>
+              <a:buFontTx/>
+              <a:buNone/>
+              <a:tabLst/>
+              <a:defRPr/>
+            </a:pPr>
+            <a:r>
+              <a:rPr lang="pt-BR" dirty="0"/>
+              <a:t>A solução foi criar um pipeline de dados 100% local, baseado em arquivos CSV. </a:t>
+            </a:r>
+          </a:p>
+          <a:p>
+            <a:pPr marL="0" marR="0" lvl="0" indent="0" algn="l" defTabSz="914400" rtl="0" eaLnBrk="1" fontAlgn="auto" latinLnBrk="0" hangingPunct="1">
+              <a:lnSpc>
+                <a:spcPct val="100000"/>
+              </a:lnSpc>
+              <a:spcBef>
+                <a:spcPts val="0"/>
+              </a:spcBef>
+              <a:spcAft>
+                <a:spcPts val="0"/>
+              </a:spcAft>
+              <a:buClrTx/>
+              <a:buSzTx/>
+              <a:buFontTx/>
+              <a:buNone/>
+              <a:tabLst/>
+              <a:defRPr/>
+            </a:pPr>
+            <a:r>
+              <a:rPr lang="pt-BR" dirty="0"/>
+              <a:t>O resultado é que o sistema importa esses dados e o relógio da simulação agora prevê a qualidade do ar a cada hora."</a:t>
             </a:r>
           </a:p>
           <a:p>
@@ -3972,7 +6957,7 @@
           <a:p>
             <a:fld id="{AF533E96-F078-4B3D-A8F4-F1AF21EBC357}" type="slidenum">
               <a:rPr lang="en-US" smtClean="0"/>
-              <a:t>17</a:t>
+              <a:t>16</a:t>
             </a:fld>
             <a:endParaRPr lang="en-US"/>
           </a:p>
@@ -3981,7 +6966,7 @@
     </p:spTree>
     <p:extLst>
       <p:ext uri="{BB962C8B-B14F-4D97-AF65-F5344CB8AC3E}">
-        <p14:creationId xmlns:p14="http://schemas.microsoft.com/office/powerpoint/2010/main" val="78481270"/>
+        <p14:creationId xmlns:p14="http://schemas.microsoft.com/office/powerpoint/2010/main" val="463091734"/>
       </p:ext>
     </p:extLst>
   </p:cSld>
@@ -4010,7 +6995,7 @@
       </p:grpSpPr>
       <p:sp>
         <p:nvSpPr>
-          <p:cNvPr id="2" name="Slide Image Placeholder 1"/>
+          <p:cNvPr id="2" name="Espaço Reservado para Imagem de Slide 1"/>
           <p:cNvSpPr>
             <a:spLocks noGrp="1" noRot="1" noChangeAspect="1"/>
           </p:cNvSpPr>
@@ -4022,7 +7007,7 @@
       </p:sp>
       <p:sp>
         <p:nvSpPr>
-          <p:cNvPr id="3" name="Notes Placeholder 2"/>
+          <p:cNvPr id="3" name="Espaço Reservado para Anotações 2"/>
           <p:cNvSpPr>
             <a:spLocks noGrp="1"/>
           </p:cNvSpPr>
@@ -4035,18 +7020,41 @@
           <a:bodyPr/>
           <a:lstStyle/>
           <a:p>
-            <a:endParaRPr lang="en-US"/>
+            <a:pPr marL="0" marR="0" lvl="0" indent="0" algn="l" defTabSz="914400" rtl="0" eaLnBrk="1" fontAlgn="auto" latinLnBrk="0" hangingPunct="1">
+              <a:lnSpc>
+                <a:spcPct val="100000"/>
+              </a:lnSpc>
+              <a:spcBef>
+                <a:spcPts val="0"/>
+              </a:spcBef>
+              <a:spcAft>
+                <a:spcPts val="0"/>
+              </a:spcAft>
+              <a:buClrTx/>
+              <a:buSzTx/>
+              <a:buFontTx/>
+              <a:buNone/>
+              <a:tabLst/>
+              <a:defRPr/>
+            </a:pPr>
+            <a:r>
+              <a:rPr lang="pt-BR" dirty="0"/>
+              <a:t>Aqui está o resultado da Atividade 4. À esquerda, os dados originais. À direita, os dados balanceados pelo SMOTE. Mas o mais interessante é o resultado: o modelo ficou ótimo em prever 'Boa', mas péssimo em prever 'Alerta'. Isso não é um erro, é uma descoberta: o modelo aprendeu que 'chutar' Boa é a aposta mais segura. Isso mostra que só o SMOTE não é suficiente; precisaríamos de mais dados.</a:t>
+            </a:r>
+          </a:p>
+          <a:p>
+            <a:endParaRPr lang="pt-BR" dirty="0"/>
           </a:p>
         </p:txBody>
       </p:sp>
       <p:sp>
         <p:nvSpPr>
-          <p:cNvPr id="4" name="Slide Number Placeholder 3"/>
+          <p:cNvPr id="4" name="Espaço Reservado para Número de Slide 3"/>
           <p:cNvSpPr>
             <a:spLocks noGrp="1"/>
           </p:cNvSpPr>
           <p:nvPr>
-            <p:ph type="sldNum" sz="quarter" idx="10"/>
+            <p:ph type="sldNum" sz="quarter" idx="5"/>
           </p:nvPr>
         </p:nvSpPr>
         <p:spPr/>
@@ -4054,9 +7062,200 @@
           <a:bodyPr/>
           <a:lstStyle/>
           <a:p>
+            <a:fld id="{AF533E96-F078-4B3D-A8F4-F1AF21EBC357}" type="slidenum">
+              <a:rPr lang="en-US" smtClean="0"/>
+              <a:t>17</a:t>
+            </a:fld>
+            <a:endParaRPr lang="en-US"/>
+          </a:p>
+        </p:txBody>
+      </p:sp>
+    </p:spTree>
+    <p:extLst>
+      <p:ext uri="{BB962C8B-B14F-4D97-AF65-F5344CB8AC3E}">
+        <p14:creationId xmlns:p14="http://schemas.microsoft.com/office/powerpoint/2010/main" val="1352274472"/>
+      </p:ext>
+    </p:extLst>
+  </p:cSld>
+  <p:clrMapOvr>
+    <a:masterClrMapping/>
+  </p:clrMapOvr>
+</p:notes>
+</file>
+
+<file path=ppt/notesSlides/notesSlide17.xml><?xml version="1.0" encoding="utf-8"?>
+<p:notes xmlns:a="http://schemas.openxmlformats.org/drawingml/2006/main" xmlns:r="http://schemas.openxmlformats.org/officeDocument/2006/relationships" xmlns:p="http://schemas.openxmlformats.org/presentationml/2006/main">
+  <p:cSld>
+    <p:spTree>
+      <p:nvGrpSpPr>
+        <p:cNvPr id="1" name=""/>
+        <p:cNvGrpSpPr/>
+        <p:nvPr/>
+      </p:nvGrpSpPr>
+      <p:grpSpPr>
+        <a:xfrm>
+          <a:off x="0" y="0"/>
+          <a:ext cx="0" cy="0"/>
+          <a:chOff x="0" y="0"/>
+          <a:chExt cx="0" cy="0"/>
+        </a:xfrm>
+      </p:grpSpPr>
+      <p:sp>
+        <p:nvSpPr>
+          <p:cNvPr id="2" name="Espaço Reservado para Imagem de Slide 1"/>
+          <p:cNvSpPr>
+            <a:spLocks noGrp="1" noRot="1" noChangeAspect="1"/>
+          </p:cNvSpPr>
+          <p:nvPr>
+            <p:ph type="sldImg"/>
+          </p:nvPr>
+        </p:nvSpPr>
+        <p:spPr/>
+      </p:sp>
+      <p:sp>
+        <p:nvSpPr>
+          <p:cNvPr id="3" name="Espaço Reservado para Anotações 2"/>
+          <p:cNvSpPr>
+            <a:spLocks noGrp="1"/>
+          </p:cNvSpPr>
+          <p:nvPr>
+            <p:ph type="body" idx="1"/>
+          </p:nvPr>
+        </p:nvSpPr>
+        <p:spPr/>
+        <p:txBody>
+          <a:bodyPr/>
+          <a:lstStyle/>
+          <a:p>
+            <a:pPr marL="0" marR="0" lvl="0" indent="0" algn="l" defTabSz="914400" rtl="0" eaLnBrk="1" fontAlgn="auto" latinLnBrk="0" hangingPunct="1">
+              <a:lnSpc>
+                <a:spcPct val="100000"/>
+              </a:lnSpc>
+              <a:spcBef>
+                <a:spcPts val="0"/>
+              </a:spcBef>
+              <a:spcAft>
+                <a:spcPts val="0"/>
+              </a:spcAft>
+              <a:buClrTx/>
+              <a:buSzTx/>
+              <a:buFontTx/>
+              <a:buNone/>
+              <a:tabLst/>
+              <a:defRPr/>
+            </a:pPr>
+            <a:r>
+              <a:rPr lang="pt-BR" dirty="0"/>
+              <a:t>Em conclusão, o projeto atingiu todos os objetivos, criando um sistema integrado. As atividades de mineração de dados foram validadas. Como trabalhos futuros, eu gostaria de usar as predições para mudar a simulação e, como uma ideia extra, gerar um dashboard em HTML com explicações de IA."</a:t>
+            </a:r>
+          </a:p>
+          <a:p>
+            <a:endParaRPr lang="pt-BR" dirty="0"/>
+          </a:p>
+        </p:txBody>
+      </p:sp>
+      <p:sp>
+        <p:nvSpPr>
+          <p:cNvPr id="4" name="Espaço Reservado para Número de Slide 3"/>
+          <p:cNvSpPr>
+            <a:spLocks noGrp="1"/>
+          </p:cNvSpPr>
+          <p:nvPr>
+            <p:ph type="sldNum" sz="quarter" idx="5"/>
+          </p:nvPr>
+        </p:nvSpPr>
+        <p:spPr/>
+        <p:txBody>
+          <a:bodyPr/>
+          <a:lstStyle/>
+          <a:p>
+            <a:fld id="{AF533E96-F078-4B3D-A8F4-F1AF21EBC357}" type="slidenum">
+              <a:rPr lang="en-US" smtClean="0"/>
+              <a:t>18</a:t>
+            </a:fld>
+            <a:endParaRPr lang="en-US"/>
+          </a:p>
+        </p:txBody>
+      </p:sp>
+    </p:spTree>
+    <p:extLst>
+      <p:ext uri="{BB962C8B-B14F-4D97-AF65-F5344CB8AC3E}">
+        <p14:creationId xmlns:p14="http://schemas.microsoft.com/office/powerpoint/2010/main" val="78481270"/>
+      </p:ext>
+    </p:extLst>
+  </p:cSld>
+  <p:clrMapOvr>
+    <a:masterClrMapping/>
+  </p:clrMapOvr>
+</p:notes>
+</file>
+
+<file path=ppt/notesSlides/notesSlide18.xml><?xml version="1.0" encoding="utf-8"?>
+<p:notes xmlns:a="http://schemas.openxmlformats.org/drawingml/2006/main" xmlns:r="http://schemas.openxmlformats.org/officeDocument/2006/relationships" xmlns:p="http://schemas.openxmlformats.org/presentationml/2006/main">
+  <p:cSld>
+    <p:spTree>
+      <p:nvGrpSpPr>
+        <p:cNvPr id="1" name=""/>
+        <p:cNvGrpSpPr/>
+        <p:nvPr/>
+      </p:nvGrpSpPr>
+      <p:grpSpPr>
+        <a:xfrm>
+          <a:off x="0" y="0"/>
+          <a:ext cx="0" cy="0"/>
+          <a:chOff x="0" y="0"/>
+          <a:chExt cx="0" cy="0"/>
+        </a:xfrm>
+      </p:grpSpPr>
+      <p:sp>
+        <p:nvSpPr>
+          <p:cNvPr id="2" name="Slide Image Placeholder 1"/>
+          <p:cNvSpPr>
+            <a:spLocks noGrp="1" noRot="1" noChangeAspect="1"/>
+          </p:cNvSpPr>
+          <p:nvPr>
+            <p:ph type="sldImg"/>
+          </p:nvPr>
+        </p:nvSpPr>
+        <p:spPr/>
+      </p:sp>
+      <p:sp>
+        <p:nvSpPr>
+          <p:cNvPr id="3" name="Notes Placeholder 2"/>
+          <p:cNvSpPr>
+            <a:spLocks noGrp="1"/>
+          </p:cNvSpPr>
+          <p:nvPr>
+            <p:ph type="body" idx="1"/>
+          </p:nvPr>
+        </p:nvSpPr>
+        <p:spPr/>
+        <p:txBody>
+          <a:bodyPr/>
+          <a:lstStyle/>
+          <a:p>
+            <a:endParaRPr lang="en-US"/>
+          </a:p>
+        </p:txBody>
+      </p:sp>
+      <p:sp>
+        <p:nvSpPr>
+          <p:cNvPr id="4" name="Slide Number Placeholder 3"/>
+          <p:cNvSpPr>
+            <a:spLocks noGrp="1"/>
+          </p:cNvSpPr>
+          <p:nvPr>
+            <p:ph type="sldNum" sz="quarter" idx="10"/>
+          </p:nvPr>
+        </p:nvSpPr>
+        <p:spPr/>
+        <p:txBody>
+          <a:bodyPr/>
+          <a:lstStyle/>
+          <a:p>
             <a:fld id="{87350B06-B074-48FC-8CFD-53D2CD8FB95F}" type="slidenum">
               <a:rPr lang="en-US" smtClean="0"/>
-              <a:t>18</a:t>
+              <a:t>19</a:t>
             </a:fld>
             <a:endParaRPr lang="en-US"/>
           </a:p>
@@ -4119,30 +7318,62 @@
           <a:bodyPr/>
           <a:lstStyle/>
           <a:p>
-            <a:pPr marL="0" marR="0" lvl="0" indent="0" algn="l" defTabSz="914400" rtl="0" eaLnBrk="1" fontAlgn="auto" latinLnBrk="0" hangingPunct="1">
-              <a:lnSpc>
-                <a:spcPct val="100000"/>
-              </a:lnSpc>
-              <a:spcBef>
-                <a:spcPts val="0"/>
-              </a:spcBef>
-              <a:spcAft>
-                <a:spcPts val="0"/>
-              </a:spcAft>
-              <a:buClrTx/>
-              <a:buSzTx/>
-              <a:buFontTx/>
-              <a:buNone/>
-              <a:tabLst/>
-              <a:defRPr/>
+            <a:r>
+              <a:rPr lang="pt-BR" dirty="0"/>
+              <a:t>Este trabalho propõe o </a:t>
+            </a:r>
+            <a:r>
+              <a:rPr lang="pt-BR" dirty="0" err="1"/>
+              <a:t>SmartCitySystem</a:t>
+            </a:r>
+            <a:r>
+              <a:rPr lang="pt-BR" dirty="0"/>
+              <a:t>, uma plataforma de Gêmeo Digital desenvolvida no motor gráfico Unity, que integra simulação visual 3D com pipelines de Mineração de Dados em tempo real</a:t>
+            </a:r>
+          </a:p>
+          <a:p>
+            <a:endParaRPr lang="pt-BR" dirty="0"/>
+          </a:p>
+          <a:p>
+            <a:r>
+              <a:rPr lang="pt-BR" dirty="0"/>
+              <a:t>O sistema implementa três recursos principais:</a:t>
+            </a:r>
+          </a:p>
+          <a:p>
+            <a:pPr marL="228600" indent="-228600">
+              <a:buAutoNum type="arabicParenBoth"/>
             </a:pPr>
             <a:r>
               <a:rPr lang="pt-BR" dirty="0"/>
-              <a:t>"Para contextualizar, um Gêmeo Digital é um clone virtual de um sistema. A motivação do meu trabalho foi aplicar esse conceito a uma cidade, que é um dos sistemas mais complexos que temos. O valor disso está em poder testar cenários: 'O que acontece se esta rua for fechada?' ou 'Qual será a qualidade do ar amanhã?'."</a:t>
-            </a:r>
-          </a:p>
-          <a:p>
-            <a:endParaRPr lang="pt-BR" dirty="0"/>
+              <a:t>Um replay de dados climáticos históricos que altera o </a:t>
+            </a:r>
+            <a:r>
+              <a:rPr lang="pt-BR" dirty="0" err="1"/>
+              <a:t>ambienteda</a:t>
+            </a:r>
+            <a:r>
+              <a:rPr lang="pt-BR" dirty="0"/>
+              <a:t> simulação; </a:t>
+            </a:r>
+          </a:p>
+          <a:p>
+            <a:pPr marL="228600" indent="-228600">
+              <a:buAutoNum type="arabicParenBoth"/>
+            </a:pPr>
+            <a:r>
+              <a:rPr lang="pt-BR" dirty="0"/>
+              <a:t>Um pipeline de Detecção de Outliers (LOF) que identifica e visualiza anomalias de tráfego em tempo real; </a:t>
+            </a:r>
+          </a:p>
+          <a:p>
+            <a:pPr marL="228600" indent="-228600">
+              <a:buAutoNum type="arabicParenBoth"/>
+            </a:pPr>
+            <a:r>
+              <a:rPr lang="pt-BR" dirty="0"/>
+              <a:t>Um pipeline de Classificação (Random Forest com SMOTE) que prevê a qualidade do ar, abordando o desafio de dados desbalanceados. </a:t>
+            </a:r>
           </a:p>
         </p:txBody>
       </p:sp>
@@ -4163,7 +7394,7 @@
           <a:p>
             <a:fld id="{AF533E96-F078-4B3D-A8F4-F1AF21EBC357}" type="slidenum">
               <a:rPr lang="en-US" smtClean="0"/>
-              <a:t>3</a:t>
+              <a:t>2</a:t>
             </a:fld>
             <a:endParaRPr lang="en-US"/>
           </a:p>
@@ -4172,7 +7403,7 @@
     </p:spTree>
     <p:extLst>
       <p:ext uri="{BB962C8B-B14F-4D97-AF65-F5344CB8AC3E}">
-        <p14:creationId xmlns:p14="http://schemas.microsoft.com/office/powerpoint/2010/main" val="2064890738"/>
+        <p14:creationId xmlns:p14="http://schemas.microsoft.com/office/powerpoint/2010/main" val="3797817789"/>
       </p:ext>
     </p:extLst>
   </p:cSld>
@@ -4245,8 +7476,11 @@
             </a:pPr>
             <a:r>
               <a:rPr lang="pt-BR" dirty="0"/>
-              <a:t>"O problema central é a integração. </a:t>
-            </a:r>
+              <a:t>"Para contextualizar, um Gêmeo Digital é um clone virtual de um sistema. A motivação do meu trabalho foi aplicar esse conceito a uma cidade, que é um dos sistemas mais complexos que temos. O valor disso está em poder testar cenários: 'O que acontece se esta rua for fechada?' ou 'Qual será a qualidade do ar amanhã?’.”</a:t>
+            </a:r>
+          </a:p>
+          <a:p>
+            <a:endParaRPr lang="pt-BR" dirty="0"/>
           </a:p>
           <a:p>
             <a:pPr marL="0" marR="0" lvl="0" indent="0" algn="l" defTabSz="914400" rtl="0" eaLnBrk="1" fontAlgn="auto" latinLnBrk="0" hangingPunct="1">
@@ -4268,93 +7502,60 @@
             </a:pPr>
             <a:r>
               <a:rPr lang="pt-BR" dirty="0"/>
-              <a:t>Meu objetivo foi construir um sistema que resolvesse isso, focando em três recursos principais, que são as minhas atividades da disciplina: um replay de clima, uma detecção de outlier para tráfego e uma classificação de qualidade do ar."</a:t>
-            </a:r>
-          </a:p>
-          <a:p>
-            <a:endParaRPr lang="pt-BR" dirty="0"/>
-          </a:p>
-        </p:txBody>
-      </p:sp>
-      <p:sp>
-        <p:nvSpPr>
-          <p:cNvPr id="4" name="Espaço Reservado para Número de Slide 3"/>
-          <p:cNvSpPr>
-            <a:spLocks noGrp="1"/>
-          </p:cNvSpPr>
-          <p:nvPr>
-            <p:ph type="sldNum" sz="quarter" idx="5"/>
-          </p:nvPr>
-        </p:nvSpPr>
-        <p:spPr/>
-        <p:txBody>
-          <a:bodyPr/>
-          <a:lstStyle/>
-          <a:p>
-            <a:fld id="{AF533E96-F078-4B3D-A8F4-F1AF21EBC357}" type="slidenum">
-              <a:rPr lang="en-US" smtClean="0"/>
-              <a:t>5</a:t>
-            </a:fld>
-            <a:endParaRPr lang="en-US"/>
-          </a:p>
-        </p:txBody>
-      </p:sp>
-    </p:spTree>
-    <p:extLst>
-      <p:ext uri="{BB962C8B-B14F-4D97-AF65-F5344CB8AC3E}">
-        <p14:creationId xmlns:p14="http://schemas.microsoft.com/office/powerpoint/2010/main" val="2771787453"/>
-      </p:ext>
-    </p:extLst>
-  </p:cSld>
-  <p:clrMapOvr>
-    <a:masterClrMapping/>
-  </p:clrMapOvr>
-</p:notes>
-</file>
-
-<file path=ppt/notesSlides/notesSlide4.xml><?xml version="1.0" encoding="utf-8"?>
-<p:notes xmlns:a="http://schemas.openxmlformats.org/drawingml/2006/main" xmlns:r="http://schemas.openxmlformats.org/officeDocument/2006/relationships" xmlns:p="http://schemas.openxmlformats.org/presentationml/2006/main">
-  <p:cSld>
-    <p:spTree>
-      <p:nvGrpSpPr>
-        <p:cNvPr id="1" name=""/>
-        <p:cNvGrpSpPr/>
-        <p:nvPr/>
-      </p:nvGrpSpPr>
-      <p:grpSpPr>
-        <a:xfrm>
-          <a:off x="0" y="0"/>
-          <a:ext cx="0" cy="0"/>
-          <a:chOff x="0" y="0"/>
-          <a:chExt cx="0" cy="0"/>
-        </a:xfrm>
-      </p:grpSpPr>
-      <p:sp>
-        <p:nvSpPr>
-          <p:cNvPr id="2" name="Espaço Reservado para Imagem de Slide 1"/>
-          <p:cNvSpPr>
-            <a:spLocks noGrp="1" noRot="1" noChangeAspect="1"/>
-          </p:cNvSpPr>
-          <p:nvPr>
-            <p:ph type="sldImg"/>
-          </p:nvPr>
-        </p:nvSpPr>
-        <p:spPr/>
-      </p:sp>
-      <p:sp>
-        <p:nvSpPr>
-          <p:cNvPr id="3" name="Espaço Reservado para Anotações 2"/>
-          <p:cNvSpPr>
-            <a:spLocks noGrp="1"/>
-          </p:cNvSpPr>
-          <p:nvPr>
-            <p:ph type="body" idx="1"/>
-          </p:nvPr>
-        </p:nvSpPr>
-        <p:spPr/>
-        <p:txBody>
-          <a:bodyPr/>
-          <a:lstStyle/>
+              <a:t>Os dados do </a:t>
+            </a:r>
+            <a:r>
+              <a:rPr lang="pt-BR" b="1" dirty="0"/>
+              <a:t>INMET</a:t>
+            </a:r>
+            <a:r>
+              <a:rPr lang="pt-BR" dirty="0"/>
+              <a:t> e da </a:t>
+            </a:r>
+            <a:r>
+              <a:rPr lang="pt-BR" b="1" dirty="0"/>
+              <a:t>CETESB/</a:t>
+            </a:r>
+            <a:r>
+              <a:rPr lang="pt-BR" b="1" dirty="0" err="1"/>
+              <a:t>Qualar</a:t>
+            </a:r>
+            <a:r>
+              <a:rPr lang="pt-BR" dirty="0"/>
+              <a:t> são coletados por estações que são, na essência, dispositivos IoT. [</a:t>
+            </a:r>
+            <a:r>
+              <a:rPr lang="pt-BR" dirty="0" err="1"/>
+              <a:t>cite_start</a:t>
+            </a:r>
+            <a:r>
+              <a:rPr lang="pt-BR" dirty="0"/>
+              <a:t>]Além disso, o seu </a:t>
+            </a:r>
+            <a:r>
+              <a:rPr lang="pt-BR" sz="1200" kern="1200" dirty="0" err="1">
+                <a:solidFill>
+                  <a:schemeClr val="tx1"/>
+                </a:solidFill>
+                <a:latin typeface="+mn-lt"/>
+                <a:ea typeface="+mn-ea"/>
+                <a:cs typeface="+mn-cs"/>
+              </a:rPr>
+              <a:t>VehicleCounterSensor</a:t>
+            </a:r>
+            <a:r>
+              <a:rPr lang="pt-BR" dirty="0"/>
+              <a:t> na Unity </a:t>
+            </a:r>
+            <a:r>
+              <a:rPr lang="pt-BR" i="1" dirty="0"/>
+              <a:t>simula</a:t>
+            </a:r>
+            <a:r>
+              <a:rPr lang="pt-BR" dirty="0"/>
+              <a:t> um sensor IoT de tráfego.   </a:t>
+            </a:r>
+          </a:p>
           <a:p>
             <a:pPr marL="0" marR="0" lvl="0" indent="0" algn="l" defTabSz="914400" rtl="0" eaLnBrk="1" fontAlgn="auto" latinLnBrk="0" hangingPunct="1">
               <a:lnSpc>
@@ -4373,18 +7574,145 @@
               <a:tabLst/>
               <a:defRPr/>
             </a:pPr>
+            <a:endParaRPr lang="pt-BR" dirty="0"/>
+          </a:p>
+          <a:p>
+            <a:pPr marL="0" marR="0" lvl="0" indent="0" algn="l" defTabSz="914400" rtl="0" eaLnBrk="1" fontAlgn="auto" latinLnBrk="0" hangingPunct="1">
+              <a:lnSpc>
+                <a:spcPct val="100000"/>
+              </a:lnSpc>
+              <a:spcBef>
+                <a:spcPts val="0"/>
+              </a:spcBef>
+              <a:spcAft>
+                <a:spcPts val="0"/>
+              </a:spcAft>
+              <a:buClrTx/>
+              <a:buSzTx/>
+              <a:buFontTx/>
+              <a:buNone/>
+              <a:tabLst/>
+              <a:defRPr/>
+            </a:pPr>
+            <a:endParaRPr lang="pt-BR" dirty="0"/>
+          </a:p>
+          <a:p>
+            <a:pPr marL="0" marR="0" lvl="0" indent="0" algn="l" defTabSz="914400" rtl="0" eaLnBrk="1" fontAlgn="auto" latinLnBrk="0" hangingPunct="1">
+              <a:lnSpc>
+                <a:spcPct val="100000"/>
+              </a:lnSpc>
+              <a:spcBef>
+                <a:spcPts val="0"/>
+              </a:spcBef>
+              <a:spcAft>
+                <a:spcPts val="0"/>
+              </a:spcAft>
+              <a:buClrTx/>
+              <a:buSzTx/>
+              <a:buFontTx/>
+              <a:buNone/>
+              <a:tabLst/>
+              <a:defRPr/>
+            </a:pPr>
             <a:r>
               <a:rPr lang="pt-BR" dirty="0"/>
-              <a:t>"Na minha revisão, encontrei trabalhos que focavam ou na simulação 3D, ou na análise de tráfego, ou na análise de poluição. A lacuna que meu projeto preenche é a </a:t>
-            </a:r>
-            <a:r>
-              <a:rPr lang="pt-BR" i="1" dirty="0"/>
-              <a:t>integração</a:t>
+              <a:t>o desafio de lidar com "gigabytes de arquivos CSV do INMET“. Só para </a:t>
+            </a:r>
+            <a:r>
+              <a:rPr lang="pt-BR" dirty="0" err="1"/>
+              <a:t>vc</a:t>
             </a:r>
             <a:r>
               <a:rPr lang="pt-BR" dirty="0"/>
-              <a:t> de todas essas frentes em uma plataforma única e funcional."</a:t>
-            </a:r>
+              <a:t> ter uma ideia, só um </a:t>
+            </a:r>
+            <a:r>
+              <a:rPr lang="pt-BR" dirty="0" err="1"/>
+              <a:t>mes</a:t>
+            </a:r>
+            <a:r>
+              <a:rPr lang="pt-BR" dirty="0"/>
+              <a:t> de uma </a:t>
+            </a:r>
+            <a:r>
+              <a:rPr lang="pt-BR" dirty="0" err="1"/>
+              <a:t>estacao</a:t>
+            </a:r>
+            <a:r>
+              <a:rPr lang="pt-BR" dirty="0"/>
+              <a:t> são </a:t>
+            </a:r>
+            <a:r>
+              <a:rPr lang="pt-BR" dirty="0" err="1"/>
+              <a:t>quae</a:t>
+            </a:r>
+            <a:r>
+              <a:rPr lang="pt-BR" dirty="0"/>
+              <a:t> 86 mil registros</a:t>
+            </a:r>
+          </a:p>
+          <a:p>
+            <a:pPr marL="0" marR="0" lvl="0" indent="0" algn="l" defTabSz="914400" rtl="0" eaLnBrk="1" fontAlgn="auto" latinLnBrk="0" hangingPunct="1">
+              <a:lnSpc>
+                <a:spcPct val="100000"/>
+              </a:lnSpc>
+              <a:spcBef>
+                <a:spcPts val="0"/>
+              </a:spcBef>
+              <a:spcAft>
+                <a:spcPts val="0"/>
+              </a:spcAft>
+              <a:buClrTx/>
+              <a:buSzTx/>
+              <a:buFontTx/>
+              <a:buNone/>
+              <a:tabLst/>
+              <a:defRPr/>
+            </a:pPr>
+            <a:endParaRPr lang="pt-BR" dirty="0"/>
+          </a:p>
+          <a:p>
+            <a:pPr marL="0" marR="0" lvl="0" indent="0" algn="l" defTabSz="914400" rtl="0" eaLnBrk="1" fontAlgn="auto" latinLnBrk="0" hangingPunct="1">
+              <a:lnSpc>
+                <a:spcPct val="100000"/>
+              </a:lnSpc>
+              <a:spcBef>
+                <a:spcPts val="0"/>
+              </a:spcBef>
+              <a:spcAft>
+                <a:spcPts val="0"/>
+              </a:spcAft>
+              <a:buClrTx/>
+              <a:buSzTx/>
+              <a:buFontTx/>
+              <a:buNone/>
+              <a:tabLst/>
+              <a:defRPr/>
+            </a:pPr>
+            <a:r>
+              <a:rPr lang="pt-BR" dirty="0"/>
+              <a:t>pipeline de detecção de outlier (LOF) foi feito para operar "em tempo real".   </a:t>
+            </a:r>
+          </a:p>
+          <a:p>
+            <a:pPr marL="0" marR="0" lvl="0" indent="0" algn="l" defTabSz="914400" rtl="0" eaLnBrk="1" fontAlgn="auto" latinLnBrk="0" hangingPunct="1">
+              <a:lnSpc>
+                <a:spcPct val="100000"/>
+              </a:lnSpc>
+              <a:spcBef>
+                <a:spcPts val="0"/>
+              </a:spcBef>
+              <a:spcAft>
+                <a:spcPts val="0"/>
+              </a:spcAft>
+              <a:buClrTx/>
+              <a:buSzTx/>
+              <a:buFontTx/>
+              <a:buNone/>
+              <a:tabLst/>
+              <a:defRPr/>
+            </a:pPr>
+            <a:endParaRPr lang="pt-BR" dirty="0"/>
           </a:p>
           <a:p>
             <a:endParaRPr lang="pt-BR" dirty="0"/>
@@ -4408,7 +7736,7 @@
           <a:p>
             <a:fld id="{AF533E96-F078-4B3D-A8F4-F1AF21EBC357}" type="slidenum">
               <a:rPr lang="en-US" smtClean="0"/>
-              <a:t>6</a:t>
+              <a:t>3</a:t>
             </a:fld>
             <a:endParaRPr lang="en-US"/>
           </a:p>
@@ -4417,7 +7745,138 @@
     </p:spTree>
     <p:extLst>
       <p:ext uri="{BB962C8B-B14F-4D97-AF65-F5344CB8AC3E}">
-        <p14:creationId xmlns:p14="http://schemas.microsoft.com/office/powerpoint/2010/main" val="877819453"/>
+        <p14:creationId xmlns:p14="http://schemas.microsoft.com/office/powerpoint/2010/main" val="2064890738"/>
+      </p:ext>
+    </p:extLst>
+  </p:cSld>
+  <p:clrMapOvr>
+    <a:masterClrMapping/>
+  </p:clrMapOvr>
+</p:notes>
+</file>
+
+<file path=ppt/notesSlides/notesSlide4.xml><?xml version="1.0" encoding="utf-8"?>
+<p:notes xmlns:a="http://schemas.openxmlformats.org/drawingml/2006/main" xmlns:r="http://schemas.openxmlformats.org/officeDocument/2006/relationships" xmlns:p="http://schemas.openxmlformats.org/presentationml/2006/main">
+  <p:cSld>
+    <p:spTree>
+      <p:nvGrpSpPr>
+        <p:cNvPr id="1" name="">
+          <a:extLst>
+            <a:ext uri="{FF2B5EF4-FFF2-40B4-BE49-F238E27FC236}">
+              <a16:creationId xmlns:a16="http://schemas.microsoft.com/office/drawing/2014/main" id="{8706A64C-6EC4-11A0-EC06-0CEA03303D27}"/>
+            </a:ext>
+          </a:extLst>
+        </p:cNvPr>
+        <p:cNvGrpSpPr/>
+        <p:nvPr/>
+      </p:nvGrpSpPr>
+      <p:grpSpPr>
+        <a:xfrm>
+          <a:off x="0" y="0"/>
+          <a:ext cx="0" cy="0"/>
+          <a:chOff x="0" y="0"/>
+          <a:chExt cx="0" cy="0"/>
+        </a:xfrm>
+      </p:grpSpPr>
+      <p:sp>
+        <p:nvSpPr>
+          <p:cNvPr id="2" name="Espaço Reservado para Imagem de Slide 1">
+            <a:extLst>
+              <a:ext uri="{FF2B5EF4-FFF2-40B4-BE49-F238E27FC236}">
+                <a16:creationId xmlns:a16="http://schemas.microsoft.com/office/drawing/2014/main" id="{3DDC2414-199D-0DA3-C633-30050FAB5272}"/>
+              </a:ext>
+            </a:extLst>
+          </p:cNvPr>
+          <p:cNvSpPr>
+            <a:spLocks noGrp="1" noRot="1" noChangeAspect="1"/>
+          </p:cNvSpPr>
+          <p:nvPr>
+            <p:ph type="sldImg"/>
+          </p:nvPr>
+        </p:nvSpPr>
+        <p:spPr/>
+      </p:sp>
+      <p:sp>
+        <p:nvSpPr>
+          <p:cNvPr id="3" name="Espaço Reservado para Anotações 2">
+            <a:extLst>
+              <a:ext uri="{FF2B5EF4-FFF2-40B4-BE49-F238E27FC236}">
+                <a16:creationId xmlns:a16="http://schemas.microsoft.com/office/drawing/2014/main" id="{7AD87551-A243-6638-62FD-F5E6A8903E85}"/>
+              </a:ext>
+            </a:extLst>
+          </p:cNvPr>
+          <p:cNvSpPr>
+            <a:spLocks noGrp="1"/>
+          </p:cNvSpPr>
+          <p:nvPr>
+            <p:ph type="body" idx="1"/>
+          </p:nvPr>
+        </p:nvSpPr>
+        <p:spPr/>
+        <p:txBody>
+          <a:bodyPr/>
+          <a:lstStyle/>
+          <a:p>
+            <a:pPr marL="0" marR="0" lvl="0" indent="0" algn="l" defTabSz="914400" rtl="0" eaLnBrk="1" fontAlgn="auto" latinLnBrk="0" hangingPunct="1">
+              <a:lnSpc>
+                <a:spcPct val="100000"/>
+              </a:lnSpc>
+              <a:spcBef>
+                <a:spcPts val="0"/>
+              </a:spcBef>
+              <a:spcAft>
+                <a:spcPts val="0"/>
+              </a:spcAft>
+              <a:buClrTx/>
+              <a:buSzTx/>
+              <a:buFontTx/>
+              <a:buNone/>
+              <a:tabLst/>
+              <a:defRPr/>
+            </a:pPr>
+            <a:r>
+              <a:rPr lang="pt-BR" dirty="0"/>
+              <a:t>"Para contextualizar, um Gêmeo Digital é um clone virtual de um sistema. A motivação do meu trabalho foi aplicar esse conceito a uma cidade, que é um dos sistemas mais complexos que temos. O valor disso está em poder testar cenários: 'O que acontece se esta rua for fechada?' ou 'Qual será a qualidade do ar amanhã?'."</a:t>
+            </a:r>
+          </a:p>
+          <a:p>
+            <a:endParaRPr lang="pt-BR" dirty="0"/>
+          </a:p>
+        </p:txBody>
+      </p:sp>
+      <p:sp>
+        <p:nvSpPr>
+          <p:cNvPr id="4" name="Espaço Reservado para Número de Slide 3">
+            <a:extLst>
+              <a:ext uri="{FF2B5EF4-FFF2-40B4-BE49-F238E27FC236}">
+                <a16:creationId xmlns:a16="http://schemas.microsoft.com/office/drawing/2014/main" id="{ED3ACA4C-D199-44B0-8DDB-6CE1B2A0C620}"/>
+              </a:ext>
+            </a:extLst>
+          </p:cNvPr>
+          <p:cNvSpPr>
+            <a:spLocks noGrp="1"/>
+          </p:cNvSpPr>
+          <p:nvPr>
+            <p:ph type="sldNum" sz="quarter" idx="5"/>
+          </p:nvPr>
+        </p:nvSpPr>
+        <p:spPr/>
+        <p:txBody>
+          <a:bodyPr/>
+          <a:lstStyle/>
+          <a:p>
+            <a:fld id="{AF533E96-F078-4B3D-A8F4-F1AF21EBC357}" type="slidenum">
+              <a:rPr lang="en-US" smtClean="0"/>
+              <a:t>4</a:t>
+            </a:fld>
+            <a:endParaRPr lang="en-US"/>
+          </a:p>
+        </p:txBody>
+      </p:sp>
+    </p:spTree>
+    <p:extLst>
+      <p:ext uri="{BB962C8B-B14F-4D97-AF65-F5344CB8AC3E}">
+        <p14:creationId xmlns:p14="http://schemas.microsoft.com/office/powerpoint/2010/main" val="296913279"/>
       </p:ext>
     </p:extLst>
   </p:cSld>
@@ -4490,15 +7949,30 @@
             </a:pPr>
             <a:r>
               <a:rPr lang="pt-BR" dirty="0"/>
-              <a:t>Para o projeto funcionar, usei alguns conceitos-chave. A Unity é o cliente. O Node.js é o cérebro (servidor). E o mais importante, para o Machine Learning, usei o Node.js para </a:t>
-            </a:r>
-            <a:r>
-              <a:rPr lang="pt-BR" i="1" dirty="0"/>
-              <a:t>chamar</a:t>
-            </a:r>
+              <a:t>"O problema central é a integração. </a:t>
+            </a:r>
+          </a:p>
+          <a:p>
+            <a:pPr marL="0" marR="0" lvl="0" indent="0" algn="l" defTabSz="914400" rtl="0" eaLnBrk="1" fontAlgn="auto" latinLnBrk="0" hangingPunct="1">
+              <a:lnSpc>
+                <a:spcPct val="100000"/>
+              </a:lnSpc>
+              <a:spcBef>
+                <a:spcPts val="0"/>
+              </a:spcBef>
+              <a:spcAft>
+                <a:spcPts val="0"/>
+              </a:spcAft>
+              <a:buClrTx/>
+              <a:buSzTx/>
+              <a:buFontTx/>
+              <a:buNone/>
+              <a:tabLst/>
+              <a:defRPr/>
+            </a:pPr>
             <a:r>
               <a:rPr lang="pt-BR" dirty="0"/>
-              <a:t> scripts Python diretamente, o que é uma arquitetura muito leve e eficiente.</a:t>
+              <a:t>Meu objetivo foi construir um sistema que resolvesse isso, focando em três recursos principais, que são as minhas atividades da disciplina: um replay de clima, uma detecção de outlier para tráfego e uma classificação de qualidade do ar."</a:t>
             </a:r>
           </a:p>
           <a:p>
@@ -4523,7 +7997,7 @@
           <a:p>
             <a:fld id="{AF533E96-F078-4B3D-A8F4-F1AF21EBC357}" type="slidenum">
               <a:rPr lang="en-US" smtClean="0"/>
-              <a:t>7</a:t>
+              <a:t>6</a:t>
             </a:fld>
             <a:endParaRPr lang="en-US"/>
           </a:p>
@@ -4532,7 +8006,7 @@
     </p:spTree>
     <p:extLst>
       <p:ext uri="{BB962C8B-B14F-4D97-AF65-F5344CB8AC3E}">
-        <p14:creationId xmlns:p14="http://schemas.microsoft.com/office/powerpoint/2010/main" val="2870491981"/>
+        <p14:creationId xmlns:p14="http://schemas.microsoft.com/office/powerpoint/2010/main" val="2771787453"/>
       </p:ext>
     </p:extLst>
   </p:cSld>
@@ -4605,76 +8079,15 @@
             </a:pPr>
             <a:r>
               <a:rPr lang="pt-BR" dirty="0"/>
-              <a:t>O núcleo do trabalho são essas três técnicas de mineração de dados. </a:t>
-            </a:r>
-          </a:p>
-          <a:p>
-            <a:pPr marL="0" marR="0" lvl="0" indent="0" algn="l" defTabSz="914400" rtl="0" eaLnBrk="1" fontAlgn="auto" latinLnBrk="0" hangingPunct="1">
-              <a:lnSpc>
-                <a:spcPct val="100000"/>
-              </a:lnSpc>
-              <a:spcBef>
-                <a:spcPts val="0"/>
-              </a:spcBef>
-              <a:spcAft>
-                <a:spcPts val="0"/>
-              </a:spcAft>
-              <a:buClrTx/>
-              <a:buSzTx/>
-              <a:buFontTx/>
-              <a:buNone/>
-              <a:tabLst/>
-              <a:defRPr/>
-            </a:pPr>
+              <a:t>"Na minha revisão, encontrei trabalhos que focavam ou na simulação 3D, ou na análise de tráfego, ou na análise de poluição. A lacuna que meu projeto preenche é a </a:t>
+            </a:r>
+            <a:r>
+              <a:rPr lang="pt-BR" i="1" dirty="0"/>
+              <a:t>integração</a:t>
+            </a:r>
             <a:r>
               <a:rPr lang="pt-BR" dirty="0"/>
-              <a:t>Para o tráfego, usei o LOF. </a:t>
-            </a:r>
-          </a:p>
-          <a:p>
-            <a:pPr marL="0" marR="0" lvl="0" indent="0" algn="l" defTabSz="914400" rtl="0" eaLnBrk="1" fontAlgn="auto" latinLnBrk="0" hangingPunct="1">
-              <a:lnSpc>
-                <a:spcPct val="100000"/>
-              </a:lnSpc>
-              <a:spcBef>
-                <a:spcPts val="0"/>
-              </a:spcBef>
-              <a:spcAft>
-                <a:spcPts val="0"/>
-              </a:spcAft>
-              <a:buClrTx/>
-              <a:buSzTx/>
-              <a:buFontTx/>
-              <a:buNone/>
-              <a:tabLst/>
-              <a:defRPr/>
-            </a:pPr>
-            <a:r>
-              <a:rPr lang="pt-BR" dirty="0"/>
-              <a:t>Para a qualidade do ar, usei o Random Forest para classificar, </a:t>
-            </a:r>
-          </a:p>
-          <a:p>
-            <a:pPr marL="0" marR="0" lvl="0" indent="0" algn="l" defTabSz="914400" rtl="0" eaLnBrk="1" fontAlgn="auto" latinLnBrk="0" hangingPunct="1">
-              <a:lnSpc>
-                <a:spcPct val="100000"/>
-              </a:lnSpc>
-              <a:spcBef>
-                <a:spcPts val="0"/>
-              </a:spcBef>
-              <a:spcAft>
-                <a:spcPts val="0"/>
-              </a:spcAft>
-              <a:buClrTx/>
-              <a:buSzTx/>
-              <a:buFontTx/>
-              <a:buNone/>
-              <a:tabLst/>
-              <a:defRPr/>
-            </a:pPr>
-            <a:r>
-              <a:rPr lang="pt-BR" dirty="0"/>
-              <a:t>SMOTE para corrigir o desbalanceamento dos dados, o que foi a Atividade 4."</a:t>
+              <a:t> de todas essas frentes em uma plataforma única e funcional."</a:t>
             </a:r>
           </a:p>
           <a:p>
@@ -4699,7 +8112,7 @@
           <a:p>
             <a:fld id="{AF533E96-F078-4B3D-A8F4-F1AF21EBC357}" type="slidenum">
               <a:rPr lang="en-US" smtClean="0"/>
-              <a:t>8</a:t>
+              <a:t>7</a:t>
             </a:fld>
             <a:endParaRPr lang="en-US"/>
           </a:p>
@@ -4708,7 +8121,7 @@
     </p:spTree>
     <p:extLst>
       <p:ext uri="{BB962C8B-B14F-4D97-AF65-F5344CB8AC3E}">
-        <p14:creationId xmlns:p14="http://schemas.microsoft.com/office/powerpoint/2010/main" val="1563633694"/>
+        <p14:creationId xmlns:p14="http://schemas.microsoft.com/office/powerpoint/2010/main" val="877819453"/>
       </p:ext>
     </p:extLst>
   </p:cSld>
@@ -4781,84 +8194,15 @@
             </a:pPr>
             <a:r>
               <a:rPr lang="pt-BR" dirty="0"/>
-              <a:t>Esta é a arquitetura completa do sistema. </a:t>
-            </a:r>
-          </a:p>
-          <a:p>
-            <a:pPr marL="0" marR="0" lvl="0" indent="0" algn="l" defTabSz="914400" rtl="0" eaLnBrk="1" fontAlgn="auto" latinLnBrk="0" hangingPunct="1">
-              <a:lnSpc>
-                <a:spcPct val="100000"/>
-              </a:lnSpc>
-              <a:spcBef>
-                <a:spcPts val="0"/>
-              </a:spcBef>
-              <a:spcAft>
-                <a:spcPts val="0"/>
-              </a:spcAft>
-              <a:buClrTx/>
-              <a:buSzTx/>
-              <a:buFontTx/>
-              <a:buNone/>
-              <a:tabLst/>
-              <a:defRPr/>
-            </a:pPr>
+              <a:t>Para o projeto funcionar, usei alguns conceitos-chave. A Unity é o cliente. O Node.js é o cérebro (servidor). E o mais importante, para o Machine Learning, usei o Node.js para </a:t>
+            </a:r>
+            <a:r>
+              <a:rPr lang="pt-BR" i="1" dirty="0"/>
+              <a:t>chamar</a:t>
+            </a:r>
             <a:r>
               <a:rPr lang="pt-BR" dirty="0"/>
-              <a:t>A Unity (cliente) só conversa com a API Node.js.</a:t>
-            </a:r>
-          </a:p>
-          <a:p>
-            <a:pPr marL="0" marR="0" lvl="0" indent="0" algn="l" defTabSz="914400" rtl="0" eaLnBrk="1" fontAlgn="auto" latinLnBrk="0" hangingPunct="1">
-              <a:lnSpc>
-                <a:spcPct val="100000"/>
-              </a:lnSpc>
-              <a:spcBef>
-                <a:spcPts val="0"/>
-              </a:spcBef>
-              <a:spcAft>
-                <a:spcPts val="0"/>
-              </a:spcAft>
-              <a:buClrTx/>
-              <a:buSzTx/>
-              <a:buFontTx/>
-              <a:buNone/>
-              <a:tabLst/>
-              <a:defRPr/>
-            </a:pPr>
-            <a:r>
-              <a:rPr lang="pt-BR" dirty="0"/>
-              <a:t> O Node.js é o 'maestro': ele busca dados no </a:t>
-            </a:r>
-            <a:r>
-              <a:rPr lang="pt-BR" dirty="0" err="1"/>
-              <a:t>MongoDB</a:t>
-            </a:r>
-            <a:r>
-              <a:rPr lang="pt-BR" dirty="0"/>
-              <a:t> e, quando precisa de inteligência, ele executa um script Python, pega a resposta (JSON) e a devolve para a Unity.</a:t>
-            </a:r>
-          </a:p>
-          <a:p>
-            <a:pPr marL="0" marR="0" lvl="0" indent="0" algn="l" defTabSz="914400" rtl="0" eaLnBrk="1" fontAlgn="auto" latinLnBrk="0" hangingPunct="1">
-              <a:lnSpc>
-                <a:spcPct val="100000"/>
-              </a:lnSpc>
-              <a:spcBef>
-                <a:spcPts val="0"/>
-              </a:spcBef>
-              <a:spcAft>
-                <a:spcPts val="0"/>
-              </a:spcAft>
-              <a:buClrTx/>
-              <a:buSzTx/>
-              <a:buFontTx/>
-              <a:buNone/>
-              <a:tabLst/>
-              <a:defRPr/>
-            </a:pPr>
-            <a:r>
-              <a:rPr lang="pt-BR" dirty="0"/>
-              <a:t> Tudo de forma assíncrona."</a:t>
+              <a:t> scripts Python diretamente, o que é uma arquitetura muito leve e eficiente.</a:t>
             </a:r>
           </a:p>
           <a:p>
@@ -4883,7 +8227,7 @@
           <a:p>
             <a:fld id="{AF533E96-F078-4B3D-A8F4-F1AF21EBC357}" type="slidenum">
               <a:rPr lang="en-US" smtClean="0"/>
-              <a:t>9</a:t>
+              <a:t>8</a:t>
             </a:fld>
             <a:endParaRPr lang="en-US"/>
           </a:p>
@@ -4892,7 +8236,7 @@
     </p:spTree>
     <p:extLst>
       <p:ext uri="{BB962C8B-B14F-4D97-AF65-F5344CB8AC3E}">
-        <p14:creationId xmlns:p14="http://schemas.microsoft.com/office/powerpoint/2010/main" val="1997707374"/>
+        <p14:creationId xmlns:p14="http://schemas.microsoft.com/office/powerpoint/2010/main" val="2870491981"/>
       </p:ext>
     </p:extLst>
   </p:cSld>
@@ -4965,7 +8309,76 @@
             </a:pPr>
             <a:r>
               <a:rPr lang="pt-BR" dirty="0"/>
-              <a:t>A metodologia foi dividida em três pipelines de dados. Este fluxograma, por exemplo, mostra o pipeline da Qualidade do Ar: o catalogador lê os arquivos CSV, salva no Mongo, a API lê o Mongo, e a Unity consome a API para popular os filtros.</a:t>
+              <a:t>O núcleo do trabalho são essas três técnicas de mineração de dados. </a:t>
+            </a:r>
+          </a:p>
+          <a:p>
+            <a:pPr marL="0" marR="0" lvl="0" indent="0" algn="l" defTabSz="914400" rtl="0" eaLnBrk="1" fontAlgn="auto" latinLnBrk="0" hangingPunct="1">
+              <a:lnSpc>
+                <a:spcPct val="100000"/>
+              </a:lnSpc>
+              <a:spcBef>
+                <a:spcPts val="0"/>
+              </a:spcBef>
+              <a:spcAft>
+                <a:spcPts val="0"/>
+              </a:spcAft>
+              <a:buClrTx/>
+              <a:buSzTx/>
+              <a:buFontTx/>
+              <a:buNone/>
+              <a:tabLst/>
+              <a:defRPr/>
+            </a:pPr>
+            <a:r>
+              <a:rPr lang="pt-BR" dirty="0"/>
+              <a:t>Para o tráfego, usei o LOF. </a:t>
+            </a:r>
+          </a:p>
+          <a:p>
+            <a:pPr marL="0" marR="0" lvl="0" indent="0" algn="l" defTabSz="914400" rtl="0" eaLnBrk="1" fontAlgn="auto" latinLnBrk="0" hangingPunct="1">
+              <a:lnSpc>
+                <a:spcPct val="100000"/>
+              </a:lnSpc>
+              <a:spcBef>
+                <a:spcPts val="0"/>
+              </a:spcBef>
+              <a:spcAft>
+                <a:spcPts val="0"/>
+              </a:spcAft>
+              <a:buClrTx/>
+              <a:buSzTx/>
+              <a:buFontTx/>
+              <a:buNone/>
+              <a:tabLst/>
+              <a:defRPr/>
+            </a:pPr>
+            <a:r>
+              <a:rPr lang="pt-BR" dirty="0"/>
+              <a:t>Para a qualidade do ar, usei o Random Forest para classificar, </a:t>
+            </a:r>
+          </a:p>
+          <a:p>
+            <a:pPr marL="0" marR="0" lvl="0" indent="0" algn="l" defTabSz="914400" rtl="0" eaLnBrk="1" fontAlgn="auto" latinLnBrk="0" hangingPunct="1">
+              <a:lnSpc>
+                <a:spcPct val="100000"/>
+              </a:lnSpc>
+              <a:spcBef>
+                <a:spcPts val="0"/>
+              </a:spcBef>
+              <a:spcAft>
+                <a:spcPts val="0"/>
+              </a:spcAft>
+              <a:buClrTx/>
+              <a:buSzTx/>
+              <a:buFontTx/>
+              <a:buNone/>
+              <a:tabLst/>
+              <a:defRPr/>
+            </a:pPr>
+            <a:r>
+              <a:rPr lang="pt-BR" dirty="0"/>
+              <a:t>SMOTE para corrigir o desbalanceamento dos dados, o que foi a Atividade 4."</a:t>
             </a:r>
           </a:p>
           <a:p>
@@ -4990,7 +8403,7 @@
           <a:p>
             <a:fld id="{AF533E96-F078-4B3D-A8F4-F1AF21EBC357}" type="slidenum">
               <a:rPr lang="en-US" smtClean="0"/>
-              <a:t>10</a:t>
+              <a:t>9</a:t>
             </a:fld>
             <a:endParaRPr lang="en-US"/>
           </a:p>
@@ -4999,7 +8412,7 @@
     </p:spTree>
     <p:extLst>
       <p:ext uri="{BB962C8B-B14F-4D97-AF65-F5344CB8AC3E}">
-        <p14:creationId xmlns:p14="http://schemas.microsoft.com/office/powerpoint/2010/main" val="226538683"/>
+        <p14:creationId xmlns:p14="http://schemas.microsoft.com/office/powerpoint/2010/main" val="1563633694"/>
       </p:ext>
     </p:extLst>
   </p:cSld>
@@ -5072,8 +8485,175 @@
             </a:pPr>
             <a:r>
               <a:rPr lang="pt-BR" dirty="0"/>
-              <a:t>A metodologia foi dividida em três pipelines. Vou focar no Pipeline 1: O catalogador..." (Descrever um deles brevemente).</a:t>
-            </a:r>
+              <a:t>Esta é a arquitetura completa do sistema. oi desenvolvido sobre uma arquitetura de microsserviços desacoplada, </a:t>
+            </a:r>
+          </a:p>
+          <a:p>
+            <a:pPr marL="0" marR="0" lvl="0" indent="0" algn="l" defTabSz="914400" rtl="0" eaLnBrk="1" fontAlgn="auto" latinLnBrk="0" hangingPunct="1">
+              <a:lnSpc>
+                <a:spcPct val="100000"/>
+              </a:lnSpc>
+              <a:spcBef>
+                <a:spcPts val="0"/>
+              </a:spcBef>
+              <a:spcAft>
+                <a:spcPts val="0"/>
+              </a:spcAft>
+              <a:buClrTx/>
+              <a:buSzTx/>
+              <a:buFontTx/>
+              <a:buNone/>
+              <a:tabLst/>
+              <a:defRPr/>
+            </a:pPr>
+            <a:r>
+              <a:rPr lang="pt-BR" dirty="0"/>
+              <a:t>A Unity (cliente) só conversa com a API Node.js.</a:t>
+            </a:r>
+          </a:p>
+          <a:p>
+            <a:pPr marL="0" marR="0" lvl="0" indent="0" algn="l" defTabSz="914400" rtl="0" eaLnBrk="1" fontAlgn="auto" latinLnBrk="0" hangingPunct="1">
+              <a:lnSpc>
+                <a:spcPct val="100000"/>
+              </a:lnSpc>
+              <a:spcBef>
+                <a:spcPts val="0"/>
+              </a:spcBef>
+              <a:spcAft>
+                <a:spcPts val="0"/>
+              </a:spcAft>
+              <a:buClrTx/>
+              <a:buSzTx/>
+              <a:buFontTx/>
+              <a:buNone/>
+              <a:tabLst/>
+              <a:defRPr/>
+            </a:pPr>
+            <a:r>
+              <a:rPr lang="pt-BR" dirty="0"/>
+              <a:t> O Node.js é o 'maestro': ele busca dados no </a:t>
+            </a:r>
+            <a:r>
+              <a:rPr lang="pt-BR" dirty="0" err="1"/>
+              <a:t>MongoDB</a:t>
+            </a:r>
+            <a:r>
+              <a:rPr lang="pt-BR" dirty="0"/>
+              <a:t> e, quando precisa de inteligência, ele executa um script Python, pega a resposta (JSON) e a devolve para a Unity.</a:t>
+            </a:r>
+          </a:p>
+          <a:p>
+            <a:pPr marL="0" marR="0" lvl="0" indent="0" algn="l" defTabSz="914400" rtl="0" eaLnBrk="1" fontAlgn="auto" latinLnBrk="0" hangingPunct="1">
+              <a:lnSpc>
+                <a:spcPct val="100000"/>
+              </a:lnSpc>
+              <a:spcBef>
+                <a:spcPts val="0"/>
+              </a:spcBef>
+              <a:spcAft>
+                <a:spcPts val="0"/>
+              </a:spcAft>
+              <a:buClrTx/>
+              <a:buSzTx/>
+              <a:buFontTx/>
+              <a:buNone/>
+              <a:tabLst/>
+              <a:defRPr/>
+            </a:pPr>
+            <a:r>
+              <a:rPr lang="pt-BR" dirty="0"/>
+              <a:t> Tudo de forma assíncrona."</a:t>
+            </a:r>
+          </a:p>
+          <a:p>
+            <a:endParaRPr lang="pt-BR" dirty="0"/>
+          </a:p>
+          <a:p>
+            <a:r>
+              <a:rPr lang="pt-BR" b="1" dirty="0"/>
+              <a:t>[CLIENTE (Unity)]</a:t>
+            </a:r>
+            <a:r>
+              <a:rPr lang="pt-BR" dirty="0"/>
+              <a:t> -&gt; (JSON via HTTP) -&gt; </a:t>
+            </a:r>
+            <a:r>
+              <a:rPr lang="pt-BR" b="1" dirty="0"/>
+              <a:t>[BACKEND (Node.js API)]</a:t>
+            </a:r>
+            <a:endParaRPr lang="pt-BR" dirty="0"/>
+          </a:p>
+          <a:p>
+            <a:r>
+              <a:rPr lang="pt-BR" b="1" dirty="0"/>
+              <a:t>[BACKEND (Node.js API)]</a:t>
+            </a:r>
+            <a:r>
+              <a:rPr lang="pt-BR" dirty="0"/>
+              <a:t> &lt;-&gt; </a:t>
+            </a:r>
+            <a:r>
+              <a:rPr lang="pt-BR" b="1" dirty="0"/>
+              <a:t>[BANCO (</a:t>
+            </a:r>
+            <a:r>
+              <a:rPr lang="pt-BR" b="1" dirty="0" err="1"/>
+              <a:t>MongoDB</a:t>
+            </a:r>
+            <a:r>
+              <a:rPr lang="pt-BR" b="1" dirty="0"/>
+              <a:t>)]</a:t>
+            </a:r>
+            <a:r>
+              <a:rPr lang="pt-BR" dirty="0"/>
+              <a:t> (Para salvar/ler dados dos sensores e catálogos)</a:t>
+            </a:r>
+          </a:p>
+          <a:p>
+            <a:r>
+              <a:rPr lang="pt-BR" b="1" dirty="0"/>
+              <a:t>[BACKEND (Node.js API)]</a:t>
+            </a:r>
+            <a:r>
+              <a:rPr lang="pt-BR" dirty="0"/>
+              <a:t> -&gt; (Chama </a:t>
+            </a:r>
+            <a:r>
+              <a:rPr lang="pt-BR" dirty="0" err="1"/>
+              <a:t>child_process</a:t>
+            </a:r>
+            <a:r>
+              <a:rPr lang="pt-BR" dirty="0"/>
+              <a:t>) -&gt; </a:t>
+            </a:r>
+            <a:r>
+              <a:rPr lang="pt-BR" b="1" dirty="0"/>
+              <a:t>[ML (Python Scripts)]</a:t>
+            </a:r>
+            <a:endParaRPr lang="pt-BR" dirty="0"/>
+          </a:p>
+          <a:p>
+            <a:r>
+              <a:rPr lang="pt-BR" b="1" dirty="0"/>
+              <a:t>[ML (Python Scripts)]</a:t>
+            </a:r>
+            <a:r>
+              <a:rPr lang="pt-BR" dirty="0"/>
+              <a:t> -&gt; (Lê/Salva .</a:t>
+            </a:r>
+            <a:r>
+              <a:rPr lang="pt-BR" dirty="0" err="1"/>
+              <a:t>joblib</a:t>
+            </a:r>
+            <a:r>
+              <a:rPr lang="pt-BR" dirty="0"/>
+              <a:t>) -&gt; </a:t>
+            </a:r>
+            <a:r>
+              <a:rPr lang="pt-BR" b="1" dirty="0"/>
+              <a:t>[Modelos Treinados]</a:t>
+            </a:r>
+            <a:endParaRPr lang="pt-BR" dirty="0"/>
           </a:p>
           <a:p>
             <a:endParaRPr lang="pt-BR" dirty="0"/>
@@ -5097,7 +8677,7 @@
           <a:p>
             <a:fld id="{AF533E96-F078-4B3D-A8F4-F1AF21EBC357}" type="slidenum">
               <a:rPr lang="en-US" smtClean="0"/>
-              <a:t>11</a:t>
+              <a:t>10</a:t>
             </a:fld>
             <a:endParaRPr lang="en-US"/>
           </a:p>
@@ -5106,7 +8686,7 @@
     </p:spTree>
     <p:extLst>
       <p:ext uri="{BB962C8B-B14F-4D97-AF65-F5344CB8AC3E}">
-        <p14:creationId xmlns:p14="http://schemas.microsoft.com/office/powerpoint/2010/main" val="2372006313"/>
+        <p14:creationId xmlns:p14="http://schemas.microsoft.com/office/powerpoint/2010/main" val="1997707374"/>
       </p:ext>
     </p:extLst>
   </p:cSld>
@@ -5328,7 +8908,7 @@
             <a:fld id="{53074F12-AA26-4AC8-9962-C36BB8F32554}" type="datetimeFigureOut">
               <a:rPr lang="en-US" smtClean="0"/>
               <a:pPr/>
-              <a:t>11/9/2025</a:t>
+              <a:t>11/10/2025</a:t>
             </a:fld>
             <a:endParaRPr lang="en-US"/>
           </a:p>
@@ -5582,7 +9162,7 @@
             <a:fld id="{53074F12-AA26-4AC8-9962-C36BB8F32554}" type="datetimeFigureOut">
               <a:rPr lang="en-US" smtClean="0"/>
               <a:pPr/>
-              <a:t>11/9/2025</a:t>
+              <a:t>11/10/2025</a:t>
             </a:fld>
             <a:endParaRPr lang="en-US"/>
           </a:p>
@@ -5752,7 +9332,7 @@
             <a:fld id="{53074F12-AA26-4AC8-9962-C36BB8F32554}" type="datetimeFigureOut">
               <a:rPr lang="en-US" smtClean="0"/>
               <a:pPr/>
-              <a:t>11/9/2025</a:t>
+              <a:t>11/10/2025</a:t>
             </a:fld>
             <a:endParaRPr lang="en-US"/>
           </a:p>
@@ -5932,7 +9512,7 @@
             <a:fld id="{53074F12-AA26-4AC8-9962-C36BB8F32554}" type="datetimeFigureOut">
               <a:rPr lang="en-US" smtClean="0"/>
               <a:pPr/>
-              <a:t>11/9/2025</a:t>
+              <a:t>11/10/2025</a:t>
             </a:fld>
             <a:endParaRPr lang="en-US"/>
           </a:p>
@@ -6214,7 +9794,7 @@
             <a:fld id="{53074F12-AA26-4AC8-9962-C36BB8F32554}" type="datetimeFigureOut">
               <a:rPr lang="en-US" smtClean="0"/>
               <a:pPr/>
-              <a:t>11/9/2025</a:t>
+              <a:t>11/10/2025</a:t>
             </a:fld>
             <a:endParaRPr lang="en-US"/>
           </a:p>
@@ -6461,7 +10041,7 @@
             <a:fld id="{53074F12-AA26-4AC8-9962-C36BB8F32554}" type="datetimeFigureOut">
               <a:rPr lang="en-US" smtClean="0"/>
               <a:pPr/>
-              <a:t>11/9/2025</a:t>
+              <a:t>11/10/2025</a:t>
             </a:fld>
             <a:endParaRPr lang="en-US"/>
           </a:p>
@@ -6708,7 +10288,7 @@
             <a:fld id="{53074F12-AA26-4AC8-9962-C36BB8F32554}" type="datetimeFigureOut">
               <a:rPr lang="en-US" smtClean="0"/>
               <a:pPr/>
-              <a:t>11/9/2025</a:t>
+              <a:t>11/10/2025</a:t>
             </a:fld>
             <a:endParaRPr lang="en-US"/>
           </a:p>
@@ -6995,7 +10575,7 @@
             <a:fld id="{53074F12-AA26-4AC8-9962-C36BB8F32554}" type="datetimeFigureOut">
               <a:rPr lang="en-US" smtClean="0"/>
               <a:pPr/>
-              <a:t>11/9/2025</a:t>
+              <a:t>11/10/2025</a:t>
             </a:fld>
             <a:endParaRPr lang="en-US"/>
           </a:p>
@@ -7482,7 +11062,7 @@
             <a:fld id="{53074F12-AA26-4AC8-9962-C36BB8F32554}" type="datetimeFigureOut">
               <a:rPr lang="en-US" smtClean="0"/>
               <a:pPr/>
-              <a:t>11/9/2025</a:t>
+              <a:t>11/10/2025</a:t>
             </a:fld>
             <a:endParaRPr lang="en-US"/>
           </a:p>
@@ -7601,7 +11181,7 @@
             <a:fld id="{53074F12-AA26-4AC8-9962-C36BB8F32554}" type="datetimeFigureOut">
               <a:rPr lang="en-US" smtClean="0"/>
               <a:pPr/>
-              <a:t>11/9/2025</a:t>
+              <a:t>11/10/2025</a:t>
             </a:fld>
             <a:endParaRPr lang="en-US"/>
           </a:p>
@@ -7698,7 +11278,7 @@
             <a:fld id="{53074F12-AA26-4AC8-9962-C36BB8F32554}" type="datetimeFigureOut">
               <a:rPr lang="en-US" smtClean="0"/>
               <a:pPr/>
-              <a:t>11/9/2025</a:t>
+              <a:t>11/10/2025</a:t>
             </a:fld>
             <a:endParaRPr lang="en-US"/>
           </a:p>
@@ -7975,7 +11555,7 @@
             <a:fld id="{53074F12-AA26-4AC8-9962-C36BB8F32554}" type="datetimeFigureOut">
               <a:rPr lang="en-US" smtClean="0"/>
               <a:pPr/>
-              <a:t>11/9/2025</a:t>
+              <a:t>11/10/2025</a:t>
             </a:fld>
             <a:endParaRPr lang="en-US"/>
           </a:p>
@@ -8197,7 +11777,7 @@
             <a:fld id="{53074F12-AA26-4AC8-9962-C36BB8F32554}" type="datetimeFigureOut">
               <a:rPr lang="en-US" smtClean="0"/>
               <a:pPr/>
-              <a:t>11/9/2025</a:t>
+              <a:t>11/10/2025</a:t>
             </a:fld>
             <a:endParaRPr lang="en-US"/>
           </a:p>
@@ -8711,6 +12291,273 @@
         <p:cNvPr id="1" name="">
           <a:extLst>
             <a:ext uri="{FF2B5EF4-FFF2-40B4-BE49-F238E27FC236}">
+              <a16:creationId xmlns:a16="http://schemas.microsoft.com/office/drawing/2014/main" id="{244564ED-E573-E99E-A622-7637CA1044D7}"/>
+            </a:ext>
+          </a:extLst>
+        </p:cNvPr>
+        <p:cNvGrpSpPr/>
+        <p:nvPr/>
+      </p:nvGrpSpPr>
+      <p:grpSpPr>
+        <a:xfrm>
+          <a:off x="0" y="0"/>
+          <a:ext cx="0" cy="0"/>
+          <a:chOff x="0" y="0"/>
+          <a:chExt cx="0" cy="0"/>
+        </a:xfrm>
+      </p:grpSpPr>
+      <p:sp>
+        <p:nvSpPr>
+          <p:cNvPr id="4" name="Title 3">
+            <a:extLst>
+              <a:ext uri="{FF2B5EF4-FFF2-40B4-BE49-F238E27FC236}">
+                <a16:creationId xmlns:a16="http://schemas.microsoft.com/office/drawing/2014/main" id="{F3BEC58A-EC22-8808-9094-8EAFC5322F73}"/>
+              </a:ext>
+            </a:extLst>
+          </p:cNvPr>
+          <p:cNvSpPr>
+            <a:spLocks noGrp="1"/>
+          </p:cNvSpPr>
+          <p:nvPr>
+            <p:ph type="title"/>
+          </p:nvPr>
+        </p:nvSpPr>
+        <p:spPr/>
+        <p:txBody>
+          <a:bodyPr>
+            <a:noAutofit/>
+          </a:bodyPr>
+          <a:lstStyle/>
+          <a:p>
+            <a:r>
+              <a:rPr lang="pt-BR" sz="2000" b="1" dirty="0"/>
+              <a:t>Metodologia (a.4) - Arquitetura do Sistema</a:t>
+            </a:r>
+          </a:p>
+        </p:txBody>
+      </p:sp>
+      <p:sp>
+        <p:nvSpPr>
+          <p:cNvPr id="10" name="Content Placeholder 4">
+            <a:extLst>
+              <a:ext uri="{FF2B5EF4-FFF2-40B4-BE49-F238E27FC236}">
+                <a16:creationId xmlns:a16="http://schemas.microsoft.com/office/drawing/2014/main" id="{6CFE38B2-2E18-E862-F6AD-AB3C965A9C6E}"/>
+              </a:ext>
+            </a:extLst>
+          </p:cNvPr>
+          <p:cNvSpPr txBox="1">
+            <a:spLocks/>
+          </p:cNvSpPr>
+          <p:nvPr/>
+        </p:nvSpPr>
+        <p:spPr>
+          <a:xfrm>
+            <a:off x="601670" y="1044699"/>
+            <a:ext cx="3817625" cy="3512215"/>
+          </a:xfrm>
+          <a:prstGeom prst="rect">
+            <a:avLst/>
+          </a:prstGeom>
+        </p:spPr>
+        <p:txBody>
+          <a:bodyPr vert="horz" lIns="91440" tIns="45720" rIns="91440" bIns="45720" rtlCol="0">
+            <a:normAutofit/>
+          </a:bodyPr>
+          <a:lstStyle>
+            <a:lvl1pPr marL="342900" indent="-342900" algn="l" defTabSz="914400" rtl="0" eaLnBrk="1" latinLnBrk="0" hangingPunct="1">
+              <a:spcBef>
+                <a:spcPct val="20000"/>
+              </a:spcBef>
+              <a:buFont typeface="Arial" pitchFamily="34" charset="0"/>
+              <a:buChar char="•"/>
+              <a:defRPr sz="2800" kern="1200">
+                <a:solidFill>
+                  <a:schemeClr val="tx1"/>
+                </a:solidFill>
+                <a:latin typeface="+mn-lt"/>
+                <a:ea typeface="+mn-ea"/>
+                <a:cs typeface="+mn-cs"/>
+              </a:defRPr>
+            </a:lvl1pPr>
+            <a:lvl2pPr marL="742950" indent="-285750" algn="l" defTabSz="914400" rtl="0" eaLnBrk="1" latinLnBrk="0" hangingPunct="1">
+              <a:spcBef>
+                <a:spcPct val="20000"/>
+              </a:spcBef>
+              <a:buFont typeface="Arial" pitchFamily="34" charset="0"/>
+              <a:buChar char="–"/>
+              <a:defRPr sz="2800" kern="1200">
+                <a:solidFill>
+                  <a:schemeClr val="tx1"/>
+                </a:solidFill>
+                <a:latin typeface="+mn-lt"/>
+                <a:ea typeface="+mn-ea"/>
+                <a:cs typeface="+mn-cs"/>
+              </a:defRPr>
+            </a:lvl2pPr>
+            <a:lvl3pPr marL="1143000" indent="-228600" algn="l" defTabSz="914400" rtl="0" eaLnBrk="1" latinLnBrk="0" hangingPunct="1">
+              <a:spcBef>
+                <a:spcPct val="20000"/>
+              </a:spcBef>
+              <a:buFont typeface="Arial" pitchFamily="34" charset="0"/>
+              <a:buChar char="•"/>
+              <a:defRPr sz="2400" kern="1200">
+                <a:solidFill>
+                  <a:schemeClr val="tx1"/>
+                </a:solidFill>
+                <a:latin typeface="+mn-lt"/>
+                <a:ea typeface="+mn-ea"/>
+                <a:cs typeface="+mn-cs"/>
+              </a:defRPr>
+            </a:lvl3pPr>
+            <a:lvl4pPr marL="1600200" indent="-228600" algn="l" defTabSz="914400" rtl="0" eaLnBrk="1" latinLnBrk="0" hangingPunct="1">
+              <a:spcBef>
+                <a:spcPct val="20000"/>
+              </a:spcBef>
+              <a:buFont typeface="Arial" pitchFamily="34" charset="0"/>
+              <a:buChar char="–"/>
+              <a:defRPr sz="2000" kern="1200">
+                <a:solidFill>
+                  <a:schemeClr val="tx1"/>
+                </a:solidFill>
+                <a:latin typeface="+mn-lt"/>
+                <a:ea typeface="+mn-ea"/>
+                <a:cs typeface="+mn-cs"/>
+              </a:defRPr>
+            </a:lvl4pPr>
+            <a:lvl5pPr marL="2057400" indent="-228600" algn="l" defTabSz="914400" rtl="0" eaLnBrk="1" latinLnBrk="0" hangingPunct="1">
+              <a:spcBef>
+                <a:spcPct val="20000"/>
+              </a:spcBef>
+              <a:buFont typeface="Arial" pitchFamily="34" charset="0"/>
+              <a:buChar char="»"/>
+              <a:defRPr sz="2000" kern="1200">
+                <a:solidFill>
+                  <a:schemeClr val="tx1"/>
+                </a:solidFill>
+                <a:latin typeface="+mn-lt"/>
+                <a:ea typeface="+mn-ea"/>
+                <a:cs typeface="+mn-cs"/>
+              </a:defRPr>
+            </a:lvl5pPr>
+            <a:lvl6pPr marL="2514600" indent="-228600" algn="l" defTabSz="914400" rtl="0" eaLnBrk="1" latinLnBrk="0" hangingPunct="1">
+              <a:spcBef>
+                <a:spcPct val="20000"/>
+              </a:spcBef>
+              <a:buFont typeface="Arial" pitchFamily="34" charset="0"/>
+              <a:buChar char="•"/>
+              <a:defRPr sz="2000" kern="1200">
+                <a:solidFill>
+                  <a:schemeClr val="tx1"/>
+                </a:solidFill>
+                <a:latin typeface="+mn-lt"/>
+                <a:ea typeface="+mn-ea"/>
+                <a:cs typeface="+mn-cs"/>
+              </a:defRPr>
+            </a:lvl6pPr>
+            <a:lvl7pPr marL="2971800" indent="-228600" algn="l" defTabSz="914400" rtl="0" eaLnBrk="1" latinLnBrk="0" hangingPunct="1">
+              <a:spcBef>
+                <a:spcPct val="20000"/>
+              </a:spcBef>
+              <a:buFont typeface="Arial" pitchFamily="34" charset="0"/>
+              <a:buChar char="•"/>
+              <a:defRPr sz="2000" kern="1200">
+                <a:solidFill>
+                  <a:schemeClr val="tx1"/>
+                </a:solidFill>
+                <a:latin typeface="+mn-lt"/>
+                <a:ea typeface="+mn-ea"/>
+                <a:cs typeface="+mn-cs"/>
+              </a:defRPr>
+            </a:lvl7pPr>
+            <a:lvl8pPr marL="3429000" indent="-228600" algn="l" defTabSz="914400" rtl="0" eaLnBrk="1" latinLnBrk="0" hangingPunct="1">
+              <a:spcBef>
+                <a:spcPct val="20000"/>
+              </a:spcBef>
+              <a:buFont typeface="Arial" pitchFamily="34" charset="0"/>
+              <a:buChar char="•"/>
+              <a:defRPr sz="2000" kern="1200">
+                <a:solidFill>
+                  <a:schemeClr val="tx1"/>
+                </a:solidFill>
+                <a:latin typeface="+mn-lt"/>
+                <a:ea typeface="+mn-ea"/>
+                <a:cs typeface="+mn-cs"/>
+              </a:defRPr>
+            </a:lvl8pPr>
+            <a:lvl9pPr marL="3886200" indent="-228600" algn="l" defTabSz="914400" rtl="0" eaLnBrk="1" latinLnBrk="0" hangingPunct="1">
+              <a:spcBef>
+                <a:spcPct val="20000"/>
+              </a:spcBef>
+              <a:buFont typeface="Arial" pitchFamily="34" charset="0"/>
+              <a:buChar char="•"/>
+              <a:defRPr sz="2000" kern="1200">
+                <a:solidFill>
+                  <a:schemeClr val="tx1"/>
+                </a:solidFill>
+                <a:latin typeface="+mn-lt"/>
+                <a:ea typeface="+mn-ea"/>
+                <a:cs typeface="+mn-cs"/>
+              </a:defRPr>
+            </a:lvl9pPr>
+          </a:lstStyle>
+          <a:p>
+            <a:endParaRPr lang="pt-BR" dirty="0"/>
+          </a:p>
+        </p:txBody>
+      </p:sp>
+      <p:pic>
+        <p:nvPicPr>
+          <p:cNvPr id="6" name="Espaço Reservado para Conteúdo 5">
+            <a:extLst>
+              <a:ext uri="{FF2B5EF4-FFF2-40B4-BE49-F238E27FC236}">
+                <a16:creationId xmlns:a16="http://schemas.microsoft.com/office/drawing/2014/main" id="{0ABFFAEB-6D4E-4583-29BF-141B6FCD7EB6}"/>
+              </a:ext>
+            </a:extLst>
+          </p:cNvPr>
+          <p:cNvPicPr>
+            <a:picLocks noGrp="1" noChangeAspect="1"/>
+          </p:cNvPicPr>
+          <p:nvPr>
+            <p:ph idx="1"/>
+          </p:nvPr>
+        </p:nvPicPr>
+        <p:blipFill>
+          <a:blip r:embed="rId3"/>
+          <a:stretch>
+            <a:fillRect/>
+          </a:stretch>
+        </p:blipFill>
+        <p:spPr>
+          <a:xfrm>
+            <a:off x="448965" y="1371972"/>
+            <a:ext cx="6878379" cy="2857667"/>
+          </a:xfrm>
+          <a:prstGeom prst="rect">
+            <a:avLst/>
+          </a:prstGeom>
+        </p:spPr>
+      </p:pic>
+    </p:spTree>
+    <p:extLst>
+      <p:ext uri="{BB962C8B-B14F-4D97-AF65-F5344CB8AC3E}">
+        <p14:creationId xmlns:p14="http://schemas.microsoft.com/office/powerpoint/2010/main" val="3601093421"/>
+      </p:ext>
+    </p:extLst>
+  </p:cSld>
+  <p:clrMapOvr>
+    <a:masterClrMapping/>
+  </p:clrMapOvr>
+</p:sld>
+</file>
+
+<file path=ppt/slides/slide11.xml><?xml version="1.0" encoding="utf-8"?>
+<p:sld xmlns:a="http://schemas.openxmlformats.org/drawingml/2006/main" xmlns:r="http://schemas.openxmlformats.org/officeDocument/2006/relationships" xmlns:p="http://schemas.openxmlformats.org/presentationml/2006/main">
+  <p:cSld>
+    <p:spTree>
+      <p:nvGrpSpPr>
+        <p:cNvPr id="1" name="">
+          <a:extLst>
+            <a:ext uri="{FF2B5EF4-FFF2-40B4-BE49-F238E27FC236}">
               <a16:creationId xmlns:a16="http://schemas.microsoft.com/office/drawing/2014/main" id="{05D343EC-340F-EAF6-8635-D89989CF4B35}"/>
             </a:ext>
           </a:extLst>
@@ -9051,7 +12898,7 @@
 </p:sld>
 </file>
 
-<file path=ppt/slides/slide11.xml><?xml version="1.0" encoding="utf-8"?>
+<file path=ppt/slides/slide12.xml><?xml version="1.0" encoding="utf-8"?>
 <p:sld xmlns:a="http://schemas.openxmlformats.org/drawingml/2006/main" xmlns:r="http://schemas.openxmlformats.org/officeDocument/2006/relationships" xmlns:p="http://schemas.openxmlformats.org/presentationml/2006/main">
   <p:cSld>
     <p:spTree>
@@ -9417,7 +13264,7 @@
 </p:sld>
 </file>
 
-<file path=ppt/slides/slide12.xml><?xml version="1.0" encoding="utf-8"?>
+<file path=ppt/slides/slide13.xml><?xml version="1.0" encoding="utf-8"?>
 <p:sld xmlns:a="http://schemas.openxmlformats.org/drawingml/2006/main" xmlns:r="http://schemas.openxmlformats.org/officeDocument/2006/relationships" xmlns:p="http://schemas.openxmlformats.org/presentationml/2006/main">
   <p:cSld>
     <p:spTree>
@@ -9529,7 +13376,7 @@
 </p:sld>
 </file>
 
-<file path=ppt/slides/slide13.xml><?xml version="1.0" encoding="utf-8"?>
+<file path=ppt/slides/slide14.xml><?xml version="1.0" encoding="utf-8"?>
 <p:sld xmlns:a="http://schemas.openxmlformats.org/drawingml/2006/main" xmlns:r="http://schemas.openxmlformats.org/officeDocument/2006/relationships" xmlns:p="http://schemas.openxmlformats.org/presentationml/2006/main">
   <p:cSld>
     <p:spTree>
@@ -9670,7 +13517,7 @@
 </p:sld>
 </file>
 
-<file path=ppt/slides/slide14.xml><?xml version="1.0" encoding="utf-8"?>
+<file path=ppt/slides/slide15.xml><?xml version="1.0" encoding="utf-8"?>
 <p:sld xmlns:a="http://schemas.openxmlformats.org/drawingml/2006/main" xmlns:r="http://schemas.openxmlformats.org/officeDocument/2006/relationships" xmlns:p="http://schemas.openxmlformats.org/presentationml/2006/main">
   <p:cSld>
     <p:spTree>
@@ -9838,7 +13685,7 @@
 </p:sld>
 </file>
 
-<file path=ppt/slides/slide15.xml><?xml version="1.0" encoding="utf-8"?>
+<file path=ppt/slides/slide16.xml><?xml version="1.0" encoding="utf-8"?>
 <p:sld xmlns:a="http://schemas.openxmlformats.org/drawingml/2006/main" xmlns:r="http://schemas.openxmlformats.org/officeDocument/2006/relationships" xmlns:p="http://schemas.openxmlformats.org/presentationml/2006/main">
   <p:cSld>
     <p:spTree>
@@ -9970,7 +13817,7 @@
 </p:sld>
 </file>
 
-<file path=ppt/slides/slide16.xml><?xml version="1.0" encoding="utf-8"?>
+<file path=ppt/slides/slide17.xml><?xml version="1.0" encoding="utf-8"?>
 <p:sld xmlns:a="http://schemas.openxmlformats.org/drawingml/2006/main" xmlns:r="http://schemas.openxmlformats.org/officeDocument/2006/relationships" xmlns:p="http://schemas.openxmlformats.org/presentationml/2006/main">
   <p:cSld>
     <p:spTree>
@@ -10039,67 +13886,72 @@
             <p:ph idx="1"/>
           </p:nvPr>
         </p:nvSpPr>
-        <p:spPr/>
+        <p:spPr>
+          <a:xfrm>
+            <a:off x="601670" y="1044699"/>
+            <a:ext cx="6405375" cy="3817625"/>
+          </a:xfrm>
+        </p:spPr>
         <p:txBody>
           <a:bodyPr>
-            <a:normAutofit fontScale="55000" lnSpcReduction="20000"/>
+            <a:noAutofit/>
           </a:bodyPr>
           <a:lstStyle/>
           <a:p>
             <a:r>
-              <a:rPr lang="pt-BR" dirty="0"/>
+              <a:rPr lang="pt-BR" sz="1600" dirty="0"/>
               <a:t>Problema (Dados Reais): Dados de qualidade do ar eram altamente desbalanceados. (</a:t>
             </a:r>
             <a:r>
-              <a:rPr lang="pt-BR" dirty="0" err="1"/>
+              <a:rPr lang="pt-BR" sz="1600" dirty="0" err="1"/>
               <a:t>Ex</a:t>
             </a:r>
             <a:r>
-              <a:rPr lang="pt-BR" dirty="0"/>
+              <a:rPr lang="pt-BR" sz="1600" dirty="0"/>
               <a:t>: Boa: 5208 registros, </a:t>
             </a:r>
             <a:r>
-              <a:rPr lang="pt-BR" dirty="0" err="1"/>
+              <a:rPr lang="pt-BR" sz="1600" dirty="0" err="1"/>
               <a:t>vs</a:t>
             </a:r>
             <a:r>
-              <a:rPr lang="pt-BR" dirty="0"/>
+              <a:rPr lang="pt-BR" sz="1600" dirty="0"/>
               <a:t> Alerta: 149 registros).</a:t>
             </a:r>
           </a:p>
           <a:p>
             <a:r>
-              <a:rPr lang="pt-BR" dirty="0"/>
+              <a:rPr lang="pt-BR" sz="1600" dirty="0"/>
               <a:t>Solução (SMOTE): Aplicamos a técnica SMOTE, que criou amostras sintéticas das classes "Moderada" e "Alerta" até que todas tivessem 5208 registros.</a:t>
             </a:r>
           </a:p>
           <a:p>
             <a:r>
-              <a:rPr lang="pt-BR" dirty="0"/>
+              <a:rPr lang="pt-BR" sz="1600" dirty="0"/>
               <a:t>Discussão (Resultados):</a:t>
             </a:r>
           </a:p>
           <a:p>
             <a:pPr lvl="1"/>
             <a:r>
-              <a:rPr lang="pt-BR" dirty="0"/>
+              <a:rPr lang="pt-BR" sz="1600" dirty="0"/>
               <a:t>O modelo treinado (com SMOTE) teve uma acurácia geral de 83%.</a:t>
             </a:r>
           </a:p>
           <a:p>
             <a:pPr lvl="1"/>
             <a:r>
-              <a:rPr lang="pt-BR" dirty="0"/>
+              <a:rPr lang="pt-BR" sz="1600" dirty="0"/>
               <a:t>Insight: O F1-Score (que mede a precisão) foi excelente para "Boa" (0.91), mas muito baixo para "Alerta" (0.14).</a:t>
             </a:r>
           </a:p>
           <a:p>
             <a:pPr lvl="1"/>
             <a:r>
-              <a:rPr lang="pt-BR" dirty="0"/>
+              <a:rPr lang="pt-BR" sz="1600" dirty="0"/>
               <a:t>Conclusão Acadêmica: Isso mostra que, mesmo com SMOTE, prever eventos raros é um desafio complexo. O modelo aprendeu a "apostar no seguro" (prever "Boa"), indicando que features adicionais (como dados de clima) seriam necessárias para melhorar a predição de alertas.</a:t>
             </a:r>
-            <a:endParaRPr lang="en-US" dirty="0"/>
+            <a:endParaRPr lang="en-US" sz="1600" dirty="0"/>
           </a:p>
         </p:txBody>
       </p:sp>
@@ -10116,7 +13968,7 @@
 </p:sld>
 </file>
 
-<file path=ppt/slides/slide17.xml><?xml version="1.0" encoding="utf-8"?>
+<file path=ppt/slides/slide18.xml><?xml version="1.0" encoding="utf-8"?>
 <p:sld xmlns:a="http://schemas.openxmlformats.org/drawingml/2006/main" xmlns:r="http://schemas.openxmlformats.org/officeDocument/2006/relationships" xmlns:p="http://schemas.openxmlformats.org/presentationml/2006/main">
   <p:cSld>
     <p:spTree>
@@ -10312,7 +14164,7 @@
 </p:sld>
 </file>
 
-<file path=ppt/slides/slide18.xml><?xml version="1.0" encoding="utf-8"?>
+<file path=ppt/slides/slide19.xml><?xml version="1.0" encoding="utf-8"?>
 <p:sld xmlns:a="http://schemas.openxmlformats.org/drawingml/2006/main" xmlns:r="http://schemas.openxmlformats.org/officeDocument/2006/relationships" xmlns:p="http://schemas.openxmlformats.org/presentationml/2006/main">
   <p:cSld>
     <p:spTree>
@@ -10883,174 +14735,6 @@
 </p:sld>
 </file>
 
-<file path=ppt/slides/slide19.xml><?xml version="1.0" encoding="utf-8"?>
-<p:sld xmlns:a="http://schemas.openxmlformats.org/drawingml/2006/main" xmlns:r="http://schemas.openxmlformats.org/officeDocument/2006/relationships" xmlns:p="http://schemas.openxmlformats.org/presentationml/2006/main" show="0">
-  <p:cSld>
-    <p:spTree>
-      <p:nvGrpSpPr>
-        <p:cNvPr id="1" name=""/>
-        <p:cNvGrpSpPr/>
-        <p:nvPr/>
-      </p:nvGrpSpPr>
-      <p:grpSpPr>
-        <a:xfrm>
-          <a:off x="0" y="0"/>
-          <a:ext cx="0" cy="0"/>
-          <a:chOff x="0" y="0"/>
-          <a:chExt cx="0" cy="0"/>
-        </a:xfrm>
-      </p:grpSpPr>
-      <p:sp>
-        <p:nvSpPr>
-          <p:cNvPr id="4" name="Title 3"/>
-          <p:cNvSpPr>
-            <a:spLocks noGrp="1"/>
-          </p:cNvSpPr>
-          <p:nvPr>
-            <p:ph type="title"/>
-          </p:nvPr>
-        </p:nvSpPr>
-        <p:spPr/>
-        <p:txBody>
-          <a:bodyPr>
-            <a:normAutofit/>
-          </a:bodyPr>
-          <a:lstStyle/>
-          <a:p>
-            <a:r>
-              <a:rPr lang="en-US"/>
-              <a:t>Slide Title</a:t>
-            </a:r>
-            <a:endParaRPr lang="en-US" dirty="0"/>
-          </a:p>
-        </p:txBody>
-      </p:sp>
-      <p:sp>
-        <p:nvSpPr>
-          <p:cNvPr id="5" name="Text Placeholder 4"/>
-          <p:cNvSpPr>
-            <a:spLocks noGrp="1"/>
-          </p:cNvSpPr>
-          <p:nvPr>
-            <p:ph type="body" idx="1"/>
-          </p:nvPr>
-        </p:nvSpPr>
-        <p:spPr/>
-        <p:txBody>
-          <a:bodyPr/>
-          <a:lstStyle/>
-          <a:p>
-            <a:r>
-              <a:rPr lang="en-US"/>
-              <a:t>Product A</a:t>
-            </a:r>
-            <a:endParaRPr lang="en-US" dirty="0"/>
-          </a:p>
-        </p:txBody>
-      </p:sp>
-      <p:sp>
-        <p:nvSpPr>
-          <p:cNvPr id="6" name="Content Placeholder 5"/>
-          <p:cNvSpPr>
-            <a:spLocks noGrp="1"/>
-          </p:cNvSpPr>
-          <p:nvPr>
-            <p:ph sz="half" idx="2"/>
-          </p:nvPr>
-        </p:nvSpPr>
-        <p:spPr/>
-        <p:txBody>
-          <a:bodyPr/>
-          <a:lstStyle/>
-          <a:p>
-            <a:r>
-              <a:rPr lang="en-US" dirty="0"/>
-              <a:t>Feature 1</a:t>
-            </a:r>
-          </a:p>
-          <a:p>
-            <a:r>
-              <a:rPr lang="en-US" dirty="0"/>
-              <a:t>Feature 2</a:t>
-            </a:r>
-          </a:p>
-          <a:p>
-            <a:r>
-              <a:rPr lang="en-US" dirty="0"/>
-              <a:t>Feature 3</a:t>
-            </a:r>
-          </a:p>
-        </p:txBody>
-      </p:sp>
-      <p:sp>
-        <p:nvSpPr>
-          <p:cNvPr id="7" name="Text Placeholder 6"/>
-          <p:cNvSpPr>
-            <a:spLocks noGrp="1"/>
-          </p:cNvSpPr>
-          <p:nvPr>
-            <p:ph type="body" sz="quarter" idx="3"/>
-          </p:nvPr>
-        </p:nvSpPr>
-        <p:spPr/>
-        <p:txBody>
-          <a:bodyPr/>
-          <a:lstStyle/>
-          <a:p>
-            <a:r>
-              <a:rPr lang="en-US"/>
-              <a:t>Product B</a:t>
-            </a:r>
-          </a:p>
-        </p:txBody>
-      </p:sp>
-      <p:sp>
-        <p:nvSpPr>
-          <p:cNvPr id="8" name="Content Placeholder 7"/>
-          <p:cNvSpPr>
-            <a:spLocks noGrp="1"/>
-          </p:cNvSpPr>
-          <p:nvPr>
-            <p:ph sz="quarter" idx="4"/>
-          </p:nvPr>
-        </p:nvSpPr>
-        <p:spPr/>
-        <p:txBody>
-          <a:bodyPr/>
-          <a:lstStyle/>
-          <a:p>
-            <a:r>
-              <a:rPr lang="en-US" dirty="0"/>
-              <a:t>Feature 1</a:t>
-            </a:r>
-          </a:p>
-          <a:p>
-            <a:r>
-              <a:rPr lang="en-US" dirty="0"/>
-              <a:t>Feature 2</a:t>
-            </a:r>
-          </a:p>
-          <a:p>
-            <a:r>
-              <a:rPr lang="en-US" dirty="0"/>
-              <a:t>Feature 3</a:t>
-            </a:r>
-          </a:p>
-        </p:txBody>
-      </p:sp>
-    </p:spTree>
-    <p:extLst>
-      <p:ext uri="{BB962C8B-B14F-4D97-AF65-F5344CB8AC3E}">
-        <p14:creationId xmlns:p14="http://schemas.microsoft.com/office/powerpoint/2010/main" val="4170783713"/>
-      </p:ext>
-    </p:extLst>
-  </p:cSld>
-  <p:clrMapOvr>
-    <a:masterClrMapping/>
-  </p:clrMapOvr>
-</p:sld>
-</file>
-
 <file path=ppt/slides/slide2.xml><?xml version="1.0" encoding="utf-8"?>
 <p:sld xmlns:a="http://schemas.openxmlformats.org/drawingml/2006/main" xmlns:r="http://schemas.openxmlformats.org/officeDocument/2006/relationships" xmlns:p="http://schemas.openxmlformats.org/presentationml/2006/main">
   <p:cSld>
@@ -11087,15 +14771,7 @@
           <a:p>
             <a:r>
               <a:rPr lang="en-US" dirty="0" err="1"/>
-              <a:t>Principais</a:t>
-            </a:r>
-            <a:r>
-              <a:rPr lang="en-US" dirty="0"/>
-              <a:t> </a:t>
-            </a:r>
-            <a:r>
-              <a:rPr lang="en-US" dirty="0" err="1"/>
-              <a:t>Assuntos</a:t>
+              <a:t>Resumo</a:t>
             </a:r>
             <a:endParaRPr lang="en-US" dirty="0"/>
           </a:p>
@@ -11151,6 +14827,174 @@
     <p:extLst>
       <p:ext uri="{BB962C8B-B14F-4D97-AF65-F5344CB8AC3E}">
         <p14:creationId xmlns:p14="http://schemas.microsoft.com/office/powerpoint/2010/main" val="4103309497"/>
+      </p:ext>
+    </p:extLst>
+  </p:cSld>
+  <p:clrMapOvr>
+    <a:masterClrMapping/>
+  </p:clrMapOvr>
+</p:sld>
+</file>
+
+<file path=ppt/slides/slide20.xml><?xml version="1.0" encoding="utf-8"?>
+<p:sld xmlns:a="http://schemas.openxmlformats.org/drawingml/2006/main" xmlns:r="http://schemas.openxmlformats.org/officeDocument/2006/relationships" xmlns:p="http://schemas.openxmlformats.org/presentationml/2006/main" show="0">
+  <p:cSld>
+    <p:spTree>
+      <p:nvGrpSpPr>
+        <p:cNvPr id="1" name=""/>
+        <p:cNvGrpSpPr/>
+        <p:nvPr/>
+      </p:nvGrpSpPr>
+      <p:grpSpPr>
+        <a:xfrm>
+          <a:off x="0" y="0"/>
+          <a:ext cx="0" cy="0"/>
+          <a:chOff x="0" y="0"/>
+          <a:chExt cx="0" cy="0"/>
+        </a:xfrm>
+      </p:grpSpPr>
+      <p:sp>
+        <p:nvSpPr>
+          <p:cNvPr id="4" name="Title 3"/>
+          <p:cNvSpPr>
+            <a:spLocks noGrp="1"/>
+          </p:cNvSpPr>
+          <p:nvPr>
+            <p:ph type="title"/>
+          </p:nvPr>
+        </p:nvSpPr>
+        <p:spPr/>
+        <p:txBody>
+          <a:bodyPr>
+            <a:normAutofit/>
+          </a:bodyPr>
+          <a:lstStyle/>
+          <a:p>
+            <a:r>
+              <a:rPr lang="en-US"/>
+              <a:t>Slide Title</a:t>
+            </a:r>
+            <a:endParaRPr lang="en-US" dirty="0"/>
+          </a:p>
+        </p:txBody>
+      </p:sp>
+      <p:sp>
+        <p:nvSpPr>
+          <p:cNvPr id="5" name="Text Placeholder 4"/>
+          <p:cNvSpPr>
+            <a:spLocks noGrp="1"/>
+          </p:cNvSpPr>
+          <p:nvPr>
+            <p:ph type="body" idx="1"/>
+          </p:nvPr>
+        </p:nvSpPr>
+        <p:spPr/>
+        <p:txBody>
+          <a:bodyPr/>
+          <a:lstStyle/>
+          <a:p>
+            <a:r>
+              <a:rPr lang="en-US"/>
+              <a:t>Product A</a:t>
+            </a:r>
+            <a:endParaRPr lang="en-US" dirty="0"/>
+          </a:p>
+        </p:txBody>
+      </p:sp>
+      <p:sp>
+        <p:nvSpPr>
+          <p:cNvPr id="6" name="Content Placeholder 5"/>
+          <p:cNvSpPr>
+            <a:spLocks noGrp="1"/>
+          </p:cNvSpPr>
+          <p:nvPr>
+            <p:ph sz="half" idx="2"/>
+          </p:nvPr>
+        </p:nvSpPr>
+        <p:spPr/>
+        <p:txBody>
+          <a:bodyPr/>
+          <a:lstStyle/>
+          <a:p>
+            <a:r>
+              <a:rPr lang="en-US" dirty="0"/>
+              <a:t>Feature 1</a:t>
+            </a:r>
+          </a:p>
+          <a:p>
+            <a:r>
+              <a:rPr lang="en-US" dirty="0"/>
+              <a:t>Feature 2</a:t>
+            </a:r>
+          </a:p>
+          <a:p>
+            <a:r>
+              <a:rPr lang="en-US" dirty="0"/>
+              <a:t>Feature 3</a:t>
+            </a:r>
+          </a:p>
+        </p:txBody>
+      </p:sp>
+      <p:sp>
+        <p:nvSpPr>
+          <p:cNvPr id="7" name="Text Placeholder 6"/>
+          <p:cNvSpPr>
+            <a:spLocks noGrp="1"/>
+          </p:cNvSpPr>
+          <p:nvPr>
+            <p:ph type="body" sz="quarter" idx="3"/>
+          </p:nvPr>
+        </p:nvSpPr>
+        <p:spPr/>
+        <p:txBody>
+          <a:bodyPr/>
+          <a:lstStyle/>
+          <a:p>
+            <a:r>
+              <a:rPr lang="en-US"/>
+              <a:t>Product B</a:t>
+            </a:r>
+          </a:p>
+        </p:txBody>
+      </p:sp>
+      <p:sp>
+        <p:nvSpPr>
+          <p:cNvPr id="8" name="Content Placeholder 7"/>
+          <p:cNvSpPr>
+            <a:spLocks noGrp="1"/>
+          </p:cNvSpPr>
+          <p:nvPr>
+            <p:ph sz="quarter" idx="4"/>
+          </p:nvPr>
+        </p:nvSpPr>
+        <p:spPr/>
+        <p:txBody>
+          <a:bodyPr/>
+          <a:lstStyle/>
+          <a:p>
+            <a:r>
+              <a:rPr lang="en-US" dirty="0"/>
+              <a:t>Feature 1</a:t>
+            </a:r>
+          </a:p>
+          <a:p>
+            <a:r>
+              <a:rPr lang="en-US" dirty="0"/>
+              <a:t>Feature 2</a:t>
+            </a:r>
+          </a:p>
+          <a:p>
+            <a:r>
+              <a:rPr lang="en-US" dirty="0"/>
+              <a:t>Feature 3</a:t>
+            </a:r>
+          </a:p>
+        </p:txBody>
+      </p:sp>
+    </p:spTree>
+    <p:extLst>
+      <p:ext uri="{BB962C8B-B14F-4D97-AF65-F5344CB8AC3E}">
+        <p14:creationId xmlns:p14="http://schemas.microsoft.com/office/powerpoint/2010/main" val="4170783713"/>
       </p:ext>
     </p:extLst>
   </p:cSld>
@@ -11232,7 +15076,7 @@
         <p:spPr/>
         <p:txBody>
           <a:bodyPr>
-            <a:normAutofit fontScale="70000" lnSpcReduction="20000"/>
+            <a:normAutofit fontScale="55000" lnSpcReduction="20000"/>
           </a:bodyPr>
           <a:lstStyle/>
           <a:p>
@@ -11240,6 +15084,8 @@
               <a:rPr lang="pt-BR" b="1" dirty="0"/>
               <a:t>Definição: </a:t>
             </a:r>
+          </a:p>
+          <a:p>
             <a:r>
               <a:rPr lang="pt-BR" dirty="0"/>
               <a:t>Gêmeo Digital (Digital Twin) </a:t>
@@ -11254,34 +15100,29 @@
           </a:p>
           <a:p>
             <a:r>
-              <a:rPr lang="pt-BR" b="1" dirty="0"/>
-              <a:t>Por que Cidades? </a:t>
+              <a:rPr lang="pt-BR" dirty="0"/>
+              <a:t>IoT (Internet das Coisas)</a:t>
             </a:r>
           </a:p>
           <a:p>
             <a:pPr lvl="1"/>
             <a:r>
               <a:rPr lang="pt-BR" dirty="0"/>
-              <a:t>Cidades são sistemas complexos com milhões de variáveis interconectadas (tráfego, clima, poluição, pessoas).</a:t>
-            </a:r>
-          </a:p>
-          <a:p>
-            <a:r>
-              <a:rPr lang="pt-BR" b="1" dirty="0"/>
-              <a:t>Motivação</a:t>
-            </a:r>
+              <a:t>é a rede de objetos físicos conectados à internet que podem coletar e transmitir dados, permitindo a comunicação entre dispositivos, a automação de tarefas e a análise de informações como câmeras de tráfego, estações meteorológicas, medidores de poluição) que coletam dados.</a:t>
+            </a:r>
+          </a:p>
+          <a:p>
             <a:r>
               <a:rPr lang="pt-BR" dirty="0"/>
-              <a:t> </a:t>
+              <a:t>Big Data</a:t>
             </a:r>
           </a:p>
           <a:p>
             <a:pPr lvl="1"/>
             <a:r>
               <a:rPr lang="pt-BR" dirty="0"/>
-              <a:t>Poder testar cenários, prever problemas (como congestionamentos ou picos de poluição) e planejar mudanças em um ambiente virtual, sem custos ou riscos do mundo real.</a:t>
-            </a:r>
-            <a:endParaRPr lang="en-US" dirty="0"/>
+              <a:t>conjuntos de dados muito grandes, complexos e de crescimento rápido que não podem ser gerenciados por softwares tradicionais de processamento de dados, como planilhas ou bancos de dados relacionais</a:t>
+            </a:r>
           </a:p>
         </p:txBody>
       </p:sp>
@@ -11298,7 +15139,7 @@
           <p:nvPr>
             <p:extLst>
               <p:ext uri="{D42A27DB-BD31-4B8C-83A1-F6EECF244321}">
-                <p14:modId xmlns:p14="http://schemas.microsoft.com/office/powerpoint/2010/main" val="1673590307"/>
+                <p14:modId xmlns:p14="http://schemas.microsoft.com/office/powerpoint/2010/main" val="658131970"/>
               </p:ext>
             </p:extLst>
           </p:nvPr>
@@ -11331,6 +15172,155 @@
   <p:cSld>
     <p:spTree>
       <p:nvGrpSpPr>
+        <p:cNvPr id="1" name="">
+          <a:extLst>
+            <a:ext uri="{FF2B5EF4-FFF2-40B4-BE49-F238E27FC236}">
+              <a16:creationId xmlns:a16="http://schemas.microsoft.com/office/drawing/2014/main" id="{4D4159AE-CA2E-FB79-DD7B-72A4B5A44743}"/>
+            </a:ext>
+          </a:extLst>
+        </p:cNvPr>
+        <p:cNvGrpSpPr/>
+        <p:nvPr/>
+      </p:nvGrpSpPr>
+      <p:grpSpPr>
+        <a:xfrm>
+          <a:off x="0" y="0"/>
+          <a:ext cx="0" cy="0"/>
+          <a:chOff x="0" y="0"/>
+          <a:chExt cx="0" cy="0"/>
+        </a:xfrm>
+      </p:grpSpPr>
+      <p:sp>
+        <p:nvSpPr>
+          <p:cNvPr id="4" name="Title 3">
+            <a:extLst>
+              <a:ext uri="{FF2B5EF4-FFF2-40B4-BE49-F238E27FC236}">
+                <a16:creationId xmlns:a16="http://schemas.microsoft.com/office/drawing/2014/main" id="{0C25A0EA-924D-C8EF-25E5-EB44282BF618}"/>
+              </a:ext>
+            </a:extLst>
+          </p:cNvPr>
+          <p:cNvSpPr>
+            <a:spLocks noGrp="1"/>
+          </p:cNvSpPr>
+          <p:nvPr>
+            <p:ph type="title"/>
+          </p:nvPr>
+        </p:nvSpPr>
+        <p:spPr/>
+        <p:txBody>
+          <a:bodyPr>
+            <a:normAutofit/>
+          </a:bodyPr>
+          <a:lstStyle/>
+          <a:p>
+            <a:r>
+              <a:rPr lang="pt-BR" b="1" dirty="0"/>
+              <a:t>Introdução e Contexto (a.1)</a:t>
+            </a:r>
+          </a:p>
+        </p:txBody>
+      </p:sp>
+      <p:sp>
+        <p:nvSpPr>
+          <p:cNvPr id="5" name="Content Placeholder 4">
+            <a:extLst>
+              <a:ext uri="{FF2B5EF4-FFF2-40B4-BE49-F238E27FC236}">
+                <a16:creationId xmlns:a16="http://schemas.microsoft.com/office/drawing/2014/main" id="{CB5102C0-812D-034E-99C4-3EC77F636E32}"/>
+              </a:ext>
+            </a:extLst>
+          </p:cNvPr>
+          <p:cNvSpPr>
+            <a:spLocks noGrp="1"/>
+          </p:cNvSpPr>
+          <p:nvPr>
+            <p:ph idx="1"/>
+          </p:nvPr>
+        </p:nvSpPr>
+        <p:spPr/>
+        <p:txBody>
+          <a:bodyPr>
+            <a:normAutofit fontScale="70000" lnSpcReduction="20000"/>
+          </a:bodyPr>
+          <a:lstStyle/>
+          <a:p>
+            <a:r>
+              <a:rPr lang="pt-BR" b="1" dirty="0"/>
+              <a:t>Por que Cidades? </a:t>
+            </a:r>
+          </a:p>
+          <a:p>
+            <a:pPr lvl="1"/>
+            <a:r>
+              <a:rPr lang="pt-BR" dirty="0"/>
+              <a:t>Cidades são os sistemas mais complexos que existem. Elas geram um volume massivo de dados em alta velocidade (Big Data) a partir de milhões de sensores interconectados (IoT), como câmeras, estações climáticas e medidores de poluição.</a:t>
+            </a:r>
+          </a:p>
+          <a:p>
+            <a:r>
+              <a:rPr lang="pt-BR" b="1" dirty="0"/>
+              <a:t>Motivação</a:t>
+            </a:r>
+            <a:r>
+              <a:rPr lang="pt-BR" dirty="0"/>
+              <a:t> </a:t>
+            </a:r>
+          </a:p>
+          <a:p>
+            <a:pPr lvl="1"/>
+            <a:r>
+              <a:rPr lang="pt-BR" dirty="0"/>
+              <a:t>Poder testar cenários, prever problemas (como congestionamentos ou picos de poluição) e planejar mudanças em um ambiente virtual, sem custos ou riscos do mundo real.</a:t>
+            </a:r>
+            <a:endParaRPr lang="en-US" dirty="0"/>
+          </a:p>
+        </p:txBody>
+      </p:sp>
+      <p:graphicFrame>
+        <p:nvGraphicFramePr>
+          <p:cNvPr id="2" name="Diagrama 1">
+            <a:extLst>
+              <a:ext uri="{FF2B5EF4-FFF2-40B4-BE49-F238E27FC236}">
+                <a16:creationId xmlns:a16="http://schemas.microsoft.com/office/drawing/2014/main" id="{832475D7-3C2B-7162-26CC-A5C72D7E5778}"/>
+              </a:ext>
+            </a:extLst>
+          </p:cNvPr>
+          <p:cNvGraphicFramePr/>
+          <p:nvPr>
+            <p:extLst>
+              <p:ext uri="{D42A27DB-BD31-4B8C-83A1-F6EECF244321}">
+                <p14:modId xmlns:p14="http://schemas.microsoft.com/office/powerpoint/2010/main" val="1439005537"/>
+              </p:ext>
+            </p:extLst>
+          </p:nvPr>
+        </p:nvGraphicFramePr>
+        <p:xfrm>
+          <a:off x="778573" y="4454890"/>
+          <a:ext cx="6273235" cy="569020"/>
+        </p:xfrm>
+        <a:graphic>
+          <a:graphicData uri="http://schemas.openxmlformats.org/drawingml/2006/diagram">
+            <dgm:relIds xmlns:dgm="http://schemas.openxmlformats.org/drawingml/2006/diagram" xmlns:r="http://schemas.openxmlformats.org/officeDocument/2006/relationships" r:dm="rId3" r:lo="rId4" r:qs="rId5" r:cs="rId6"/>
+          </a:graphicData>
+        </a:graphic>
+      </p:graphicFrame>
+    </p:spTree>
+    <p:extLst>
+      <p:ext uri="{BB962C8B-B14F-4D97-AF65-F5344CB8AC3E}">
+        <p14:creationId xmlns:p14="http://schemas.microsoft.com/office/powerpoint/2010/main" val="3611435784"/>
+      </p:ext>
+    </p:extLst>
+  </p:cSld>
+  <p:clrMapOvr>
+    <a:masterClrMapping/>
+  </p:clrMapOvr>
+</p:sld>
+</file>
+
+<file path=ppt/slides/slide5.xml><?xml version="1.0" encoding="utf-8"?>
+<p:sld xmlns:a="http://schemas.openxmlformats.org/drawingml/2006/main" xmlns:r="http://schemas.openxmlformats.org/officeDocument/2006/relationships" xmlns:p="http://schemas.openxmlformats.org/presentationml/2006/main">
+  <p:cSld>
+    <p:spTree>
+      <p:nvGrpSpPr>
         <p:cNvPr id="1" name=""/>
         <p:cNvGrpSpPr/>
         <p:nvPr/>
@@ -11408,7 +15398,7 @@
 </p:sld>
 </file>
 
-<file path=ppt/slides/slide5.xml><?xml version="1.0" encoding="utf-8"?>
+<file path=ppt/slides/slide6.xml><?xml version="1.0" encoding="utf-8"?>
 <p:sld xmlns:a="http://schemas.openxmlformats.org/drawingml/2006/main" xmlns:r="http://schemas.openxmlformats.org/officeDocument/2006/relationships" xmlns:p="http://schemas.openxmlformats.org/presentationml/2006/main">
   <p:cSld>
     <p:spTree>
@@ -11705,7 +15695,7 @@
 </p:sld>
 </file>
 
-<file path=ppt/slides/slide6.xml><?xml version="1.0" encoding="utf-8"?>
+<file path=ppt/slides/slide7.xml><?xml version="1.0" encoding="utf-8"?>
 <p:sld xmlns:a="http://schemas.openxmlformats.org/drawingml/2006/main" xmlns:r="http://schemas.openxmlformats.org/officeDocument/2006/relationships" xmlns:p="http://schemas.openxmlformats.org/presentationml/2006/main">
   <p:cSld>
     <p:spTree>
@@ -11849,7 +15839,7 @@
             </a:r>
             <a:r>
               <a:rPr lang="pt-BR" dirty="0"/>
-              <a:t> frentes: (1) simulação 3D interativa, (2) detecção de outlier em tempo real e (3) classificação de qualidade do ar em um único sistema coeso (Unity + Node.js + Python).</a:t>
+              <a:t> frentes: (1) simulação 3D interativa, (2) detecção de outlier em tempo real e (3) classificação de qualidade do ar em um único sistema (Unity + Node.js + Python).</a:t>
             </a:r>
           </a:p>
         </p:txBody>
@@ -11867,7 +15857,7 @@
 </p:sld>
 </file>
 
-<file path=ppt/slides/slide7.xml><?xml version="1.0" encoding="utf-8"?>
+<file path=ppt/slides/slide8.xml><?xml version="1.0" encoding="utf-8"?>
 <p:sld xmlns:a="http://schemas.openxmlformats.org/drawingml/2006/main" xmlns:r="http://schemas.openxmlformats.org/officeDocument/2006/relationships" xmlns:p="http://schemas.openxmlformats.org/presentationml/2006/main">
   <p:cSld>
     <p:spTree>
@@ -12081,7 +16071,7 @@
 </p:sld>
 </file>
 
-<file path=ppt/slides/slide8.xml><?xml version="1.0" encoding="utf-8"?>
+<file path=ppt/slides/slide9.xml><?xml version="1.0" encoding="utf-8"?>
 <p:sld xmlns:a="http://schemas.openxmlformats.org/drawingml/2006/main" xmlns:r="http://schemas.openxmlformats.org/officeDocument/2006/relationships" xmlns:p="http://schemas.openxmlformats.org/presentationml/2006/main">
   <p:cSld>
     <p:spTree>
@@ -12258,445 +16248,6 @@
     <p:extLst>
       <p:ext uri="{BB962C8B-B14F-4D97-AF65-F5344CB8AC3E}">
         <p14:creationId xmlns:p14="http://schemas.microsoft.com/office/powerpoint/2010/main" val="2624036503"/>
-      </p:ext>
-    </p:extLst>
-  </p:cSld>
-  <p:clrMapOvr>
-    <a:masterClrMapping/>
-  </p:clrMapOvr>
-</p:sld>
-</file>
-
-<file path=ppt/slides/slide9.xml><?xml version="1.0" encoding="utf-8"?>
-<p:sld xmlns:a="http://schemas.openxmlformats.org/drawingml/2006/main" xmlns:r="http://schemas.openxmlformats.org/officeDocument/2006/relationships" xmlns:p="http://schemas.openxmlformats.org/presentationml/2006/main">
-  <p:cSld>
-    <p:spTree>
-      <p:nvGrpSpPr>
-        <p:cNvPr id="1" name="">
-          <a:extLst>
-            <a:ext uri="{FF2B5EF4-FFF2-40B4-BE49-F238E27FC236}">
-              <a16:creationId xmlns:a16="http://schemas.microsoft.com/office/drawing/2014/main" id="{244564ED-E573-E99E-A622-7637CA1044D7}"/>
-            </a:ext>
-          </a:extLst>
-        </p:cNvPr>
-        <p:cNvGrpSpPr/>
-        <p:nvPr/>
-      </p:nvGrpSpPr>
-      <p:grpSpPr>
-        <a:xfrm>
-          <a:off x="0" y="0"/>
-          <a:ext cx="0" cy="0"/>
-          <a:chOff x="0" y="0"/>
-          <a:chExt cx="0" cy="0"/>
-        </a:xfrm>
-      </p:grpSpPr>
-      <p:sp>
-        <p:nvSpPr>
-          <p:cNvPr id="4" name="Title 3">
-            <a:extLst>
-              <a:ext uri="{FF2B5EF4-FFF2-40B4-BE49-F238E27FC236}">
-                <a16:creationId xmlns:a16="http://schemas.microsoft.com/office/drawing/2014/main" id="{F3BEC58A-EC22-8808-9094-8EAFC5322F73}"/>
-              </a:ext>
-            </a:extLst>
-          </p:cNvPr>
-          <p:cNvSpPr>
-            <a:spLocks noGrp="1"/>
-          </p:cNvSpPr>
-          <p:nvPr>
-            <p:ph type="title"/>
-          </p:nvPr>
-        </p:nvSpPr>
-        <p:spPr/>
-        <p:txBody>
-          <a:bodyPr>
-            <a:noAutofit/>
-          </a:bodyPr>
-          <a:lstStyle/>
-          <a:p>
-            <a:r>
-              <a:rPr lang="pt-BR" sz="2000" b="1" dirty="0"/>
-              <a:t>Metodologia (a.4) - Arquitetura do Sistema</a:t>
-            </a:r>
-          </a:p>
-        </p:txBody>
-      </p:sp>
-      <p:pic>
-        <p:nvPicPr>
-          <p:cNvPr id="8" name="Espaço Reservado para Conteúdo 7" descr="Diagrama&#10;&#10;O conteúdo gerado por IA pode estar incorreto.">
-            <a:extLst>
-              <a:ext uri="{FF2B5EF4-FFF2-40B4-BE49-F238E27FC236}">
-                <a16:creationId xmlns:a16="http://schemas.microsoft.com/office/drawing/2014/main" id="{CCCF7792-38B6-1DC4-BBB2-631B78BC18AC}"/>
-              </a:ext>
-            </a:extLst>
-          </p:cNvPr>
-          <p:cNvPicPr>
-            <a:picLocks noGrp="1" noChangeAspect="1"/>
-          </p:cNvPicPr>
-          <p:nvPr>
-            <p:ph idx="1"/>
-          </p:nvPr>
-        </p:nvPicPr>
-        <p:blipFill>
-          <a:blip r:embed="rId3" cstate="print">
-            <a:extLst>
-              <a:ext uri="{BEBA8EAE-BF5A-486C-A8C5-ECC9F3942E4B}">
-                <a14:imgProps xmlns:a14="http://schemas.microsoft.com/office/drawing/2010/main">
-                  <a14:imgLayer r:embed="rId4">
-                    <a14:imgEffect>
-                      <a14:backgroundRemoval t="5859" b="94629" l="9961" r="89974">
-                        <a14:foregroundMark x1="48503" y1="24902" x2="48503" y2="24902"/>
-                        <a14:foregroundMark x1="49870" y1="12988" x2="49870" y2="12988"/>
-                        <a14:foregroundMark x1="43490" y1="11816" x2="54818" y2="11816"/>
-                        <a14:foregroundMark x1="41732" y1="19531" x2="57747" y2="20410"/>
-                        <a14:foregroundMark x1="41797" y1="53613" x2="54622" y2="53320"/>
-                        <a14:foregroundMark x1="54622" y1="53320" x2="57747" y2="53320"/>
-                        <a14:foregroundMark x1="43424" y1="57617" x2="56510" y2="58594"/>
-                        <a14:foregroundMark x1="48698" y1="64453" x2="48698" y2="64453"/>
-                        <a14:foregroundMark x1="48112" y1="71387" x2="48112" y2="71387"/>
-                        <a14:foregroundMark x1="46159" y1="69727" x2="56576" y2="68457"/>
-                        <a14:foregroundMark x1="37565" y1="58789" x2="50521" y2="50879"/>
-                        <a14:foregroundMark x1="50521" y1="50879" x2="61328" y2="57910"/>
-                        <a14:foregroundMark x1="61328" y1="57910" x2="51302" y2="67676"/>
-                        <a14:foregroundMark x1="51302" y1="67676" x2="39258" y2="65039"/>
-                        <a14:foregroundMark x1="39258" y1="65039" x2="38411" y2="62695"/>
-                        <a14:foregroundMark x1="39648" y1="34180" x2="41862" y2="17480"/>
-                        <a14:foregroundMark x1="41862" y1="17480" x2="58073" y2="19727"/>
-                        <a14:foregroundMark x1="58073" y1="19727" x2="57227" y2="35449"/>
-                        <a14:foregroundMark x1="66081" y1="26172" x2="57682" y2="8496"/>
-                        <a14:foregroundMark x1="57682" y1="8496" x2="43229" y2="8008"/>
-                        <a14:foregroundMark x1="43229" y1="8008" x2="31771" y2="17578"/>
-                        <a14:foregroundMark x1="31771" y1="17578" x2="39063" y2="28613"/>
-                        <a14:foregroundMark x1="39063" y1="28613" x2="54232" y2="28906"/>
-                        <a14:foregroundMark x1="54232" y1="28906" x2="44727" y2="21289"/>
-                        <a14:foregroundMark x1="44727" y1="21289" x2="39453" y2="21680"/>
-                        <a14:foregroundMark x1="35742" y1="60547" x2="50977" y2="73242"/>
-                        <a14:foregroundMark x1="50977" y1="73242" x2="61523" y2="64160"/>
-                        <a14:foregroundMark x1="61523" y1="64160" x2="44922" y2="53613"/>
-                        <a14:foregroundMark x1="44922" y1="53613" x2="32292" y2="53027"/>
-                        <a14:foregroundMark x1="32292" y1="53027" x2="36328" y2="68750"/>
-                        <a14:foregroundMark x1="36328" y1="68750" x2="64714" y2="72852"/>
-                        <a14:foregroundMark x1="64714" y1="72852" x2="65885" y2="53320"/>
-                        <a14:foregroundMark x1="65104" y1="91016" x2="37826" y2="86035"/>
-                        <a14:foregroundMark x1="37826" y1="86035" x2="51237" y2="91699"/>
-                        <a14:foregroundMark x1="51237" y1="91699" x2="67448" y2="90332"/>
-                        <a14:foregroundMark x1="55404" y1="71191" x2="44922" y2="66895"/>
-                        <a14:foregroundMark x1="44922" y1="66895" x2="49544" y2="60059"/>
-                        <a14:foregroundMark x1="33268" y1="86719" x2="44987" y2="92188"/>
-                        <a14:foregroundMark x1="44987" y1="92188" x2="57161" y2="91211"/>
-                        <a14:foregroundMark x1="57161" y1="91211" x2="31706" y2="87012"/>
-                        <a14:foregroundMark x1="31706" y1="87012" x2="40560" y2="95117"/>
-                        <a14:foregroundMark x1="40560" y1="95117" x2="55794" y2="94629"/>
-                        <a14:foregroundMark x1="55794" y1="94629" x2="64258" y2="88965"/>
-                        <a14:foregroundMark x1="44922" y1="35254" x2="55078" y2="29395"/>
-                        <a14:foregroundMark x1="59245" y1="30859" x2="43945" y2="34180"/>
-                        <a14:foregroundMark x1="43945" y1="34180" x2="53776" y2="19531"/>
-                        <a14:foregroundMark x1="53776" y1="19531" x2="44857" y2="15234"/>
-                        <a14:foregroundMark x1="44857" y1="15234" x2="53320" y2="9570"/>
-                        <a14:foregroundMark x1="41081" y1="52051" x2="52669" y2="55273"/>
-                        <a14:foregroundMark x1="52669" y1="55273" x2="44401" y2="70605"/>
-                        <a14:foregroundMark x1="44401" y1="70605" x2="54297" y2="72949"/>
-                        <a14:foregroundMark x1="54297" y1="72949" x2="45508" y2="58496"/>
-                        <a14:foregroundMark x1="45508" y1="58496" x2="34570" y2="51270"/>
-                        <a14:foregroundMark x1="34570" y1="51270" x2="30273" y2="65234"/>
-                        <a14:foregroundMark x1="30273" y1="65234" x2="37630" y2="71484"/>
-                        <a14:foregroundMark x1="82031" y1="54395" x2="82031" y2="54395"/>
-                        <a14:foregroundMark x1="82031" y1="54395" x2="78971" y2="54395"/>
-                        <a14:foregroundMark x1="80013" y1="56641" x2="83854" y2="56836"/>
-                        <a14:foregroundMark x1="74674" y1="56836" x2="74674" y2="56836"/>
-                        <a14:foregroundMark x1="74674" y1="56836" x2="74077" y2="57018"/>
-                        <a14:foregroundMark x1="52083" y1="18945" x2="47135" y2="6836"/>
-                        <a14:foregroundMark x1="47135" y1="6836" x2="43359" y2="5859"/>
-                        <a14:foregroundMark x1="33789" y1="73535" x2="29622" y2="60938"/>
-                        <a14:foregroundMark x1="29622" y1="60938" x2="29492" y2="57617"/>
-                        <a14:foregroundMark x1="29492" y1="57617" x2="45768" y2="55176"/>
-                        <a14:foregroundMark x1="45768" y1="55176" x2="57943" y2="59375"/>
-                        <a14:foregroundMark x1="57943" y1="59375" x2="44596" y2="55078"/>
-                        <a14:foregroundMark x1="42383" y1="28711" x2="52669" y2="26367"/>
-                        <a14:foregroundMark x1="52669" y1="26367" x2="42057" y2="10742"/>
-                        <a14:foregroundMark x1="42057" y1="10742" x2="56836" y2="18652"/>
-                        <a14:backgroundMark x1="25391" y1="38672" x2="25391" y2="38672"/>
-                        <a14:backgroundMark x1="25391" y1="38672" x2="25391" y2="38672"/>
-                        <a14:backgroundMark x1="25391" y1="38672" x2="25391" y2="38672"/>
-                        <a14:backgroundMark x1="17773" y1="14551" x2="17839" y2="81934"/>
-                        <a14:backgroundMark x1="70508" y1="57715" x2="73242" y2="58691"/>
-                      </a14:backgroundRemoval>
-                    </a14:imgEffect>
-                  </a14:imgLayer>
-                </a14:imgProps>
-              </a:ext>
-              <a:ext uri="{28A0092B-C50C-407E-A947-70E740481C1C}">
-                <a14:useLocalDpi xmlns:a14="http://schemas.microsoft.com/office/drawing/2010/main" val="0"/>
-              </a:ext>
-            </a:extLst>
-          </a:blip>
-          <a:stretch>
-            <a:fillRect/>
-          </a:stretch>
-        </p:blipFill>
-        <p:spPr>
-          <a:xfrm>
-            <a:off x="3350360" y="1044940"/>
-            <a:ext cx="5114925" cy="3409950"/>
-          </a:xfrm>
-        </p:spPr>
-      </p:pic>
-      <p:sp>
-        <p:nvSpPr>
-          <p:cNvPr id="10" name="Content Placeholder 4">
-            <a:extLst>
-              <a:ext uri="{FF2B5EF4-FFF2-40B4-BE49-F238E27FC236}">
-                <a16:creationId xmlns:a16="http://schemas.microsoft.com/office/drawing/2014/main" id="{6CFE38B2-2E18-E862-F6AD-AB3C965A9C6E}"/>
-              </a:ext>
-            </a:extLst>
-          </p:cNvPr>
-          <p:cNvSpPr txBox="1">
-            <a:spLocks/>
-          </p:cNvSpPr>
-          <p:nvPr/>
-        </p:nvSpPr>
-        <p:spPr>
-          <a:xfrm>
-            <a:off x="601670" y="1044699"/>
-            <a:ext cx="3817625" cy="3512215"/>
-          </a:xfrm>
-          <a:prstGeom prst="rect">
-            <a:avLst/>
-          </a:prstGeom>
-        </p:spPr>
-        <p:txBody>
-          <a:bodyPr vert="horz" lIns="91440" tIns="45720" rIns="91440" bIns="45720" rtlCol="0">
-            <a:normAutofit fontScale="70000" lnSpcReduction="20000"/>
-          </a:bodyPr>
-          <a:lstStyle>
-            <a:lvl1pPr marL="342900" indent="-342900" algn="l" defTabSz="914400" rtl="0" eaLnBrk="1" latinLnBrk="0" hangingPunct="1">
-              <a:spcBef>
-                <a:spcPct val="20000"/>
-              </a:spcBef>
-              <a:buFont typeface="Arial" pitchFamily="34" charset="0"/>
-              <a:buChar char="•"/>
-              <a:defRPr sz="2800" kern="1200">
-                <a:solidFill>
-                  <a:schemeClr val="tx1"/>
-                </a:solidFill>
-                <a:latin typeface="+mn-lt"/>
-                <a:ea typeface="+mn-ea"/>
-                <a:cs typeface="+mn-cs"/>
-              </a:defRPr>
-            </a:lvl1pPr>
-            <a:lvl2pPr marL="742950" indent="-285750" algn="l" defTabSz="914400" rtl="0" eaLnBrk="1" latinLnBrk="0" hangingPunct="1">
-              <a:spcBef>
-                <a:spcPct val="20000"/>
-              </a:spcBef>
-              <a:buFont typeface="Arial" pitchFamily="34" charset="0"/>
-              <a:buChar char="–"/>
-              <a:defRPr sz="2800" kern="1200">
-                <a:solidFill>
-                  <a:schemeClr val="tx1"/>
-                </a:solidFill>
-                <a:latin typeface="+mn-lt"/>
-                <a:ea typeface="+mn-ea"/>
-                <a:cs typeface="+mn-cs"/>
-              </a:defRPr>
-            </a:lvl2pPr>
-            <a:lvl3pPr marL="1143000" indent="-228600" algn="l" defTabSz="914400" rtl="0" eaLnBrk="1" latinLnBrk="0" hangingPunct="1">
-              <a:spcBef>
-                <a:spcPct val="20000"/>
-              </a:spcBef>
-              <a:buFont typeface="Arial" pitchFamily="34" charset="0"/>
-              <a:buChar char="•"/>
-              <a:defRPr sz="2400" kern="1200">
-                <a:solidFill>
-                  <a:schemeClr val="tx1"/>
-                </a:solidFill>
-                <a:latin typeface="+mn-lt"/>
-                <a:ea typeface="+mn-ea"/>
-                <a:cs typeface="+mn-cs"/>
-              </a:defRPr>
-            </a:lvl3pPr>
-            <a:lvl4pPr marL="1600200" indent="-228600" algn="l" defTabSz="914400" rtl="0" eaLnBrk="1" latinLnBrk="0" hangingPunct="1">
-              <a:spcBef>
-                <a:spcPct val="20000"/>
-              </a:spcBef>
-              <a:buFont typeface="Arial" pitchFamily="34" charset="0"/>
-              <a:buChar char="–"/>
-              <a:defRPr sz="2000" kern="1200">
-                <a:solidFill>
-                  <a:schemeClr val="tx1"/>
-                </a:solidFill>
-                <a:latin typeface="+mn-lt"/>
-                <a:ea typeface="+mn-ea"/>
-                <a:cs typeface="+mn-cs"/>
-              </a:defRPr>
-            </a:lvl4pPr>
-            <a:lvl5pPr marL="2057400" indent="-228600" algn="l" defTabSz="914400" rtl="0" eaLnBrk="1" latinLnBrk="0" hangingPunct="1">
-              <a:spcBef>
-                <a:spcPct val="20000"/>
-              </a:spcBef>
-              <a:buFont typeface="Arial" pitchFamily="34" charset="0"/>
-              <a:buChar char="»"/>
-              <a:defRPr sz="2000" kern="1200">
-                <a:solidFill>
-                  <a:schemeClr val="tx1"/>
-                </a:solidFill>
-                <a:latin typeface="+mn-lt"/>
-                <a:ea typeface="+mn-ea"/>
-                <a:cs typeface="+mn-cs"/>
-              </a:defRPr>
-            </a:lvl5pPr>
-            <a:lvl6pPr marL="2514600" indent="-228600" algn="l" defTabSz="914400" rtl="0" eaLnBrk="1" latinLnBrk="0" hangingPunct="1">
-              <a:spcBef>
-                <a:spcPct val="20000"/>
-              </a:spcBef>
-              <a:buFont typeface="Arial" pitchFamily="34" charset="0"/>
-              <a:buChar char="•"/>
-              <a:defRPr sz="2000" kern="1200">
-                <a:solidFill>
-                  <a:schemeClr val="tx1"/>
-                </a:solidFill>
-                <a:latin typeface="+mn-lt"/>
-                <a:ea typeface="+mn-ea"/>
-                <a:cs typeface="+mn-cs"/>
-              </a:defRPr>
-            </a:lvl6pPr>
-            <a:lvl7pPr marL="2971800" indent="-228600" algn="l" defTabSz="914400" rtl="0" eaLnBrk="1" latinLnBrk="0" hangingPunct="1">
-              <a:spcBef>
-                <a:spcPct val="20000"/>
-              </a:spcBef>
-              <a:buFont typeface="Arial" pitchFamily="34" charset="0"/>
-              <a:buChar char="•"/>
-              <a:defRPr sz="2000" kern="1200">
-                <a:solidFill>
-                  <a:schemeClr val="tx1"/>
-                </a:solidFill>
-                <a:latin typeface="+mn-lt"/>
-                <a:ea typeface="+mn-ea"/>
-                <a:cs typeface="+mn-cs"/>
-              </a:defRPr>
-            </a:lvl7pPr>
-            <a:lvl8pPr marL="3429000" indent="-228600" algn="l" defTabSz="914400" rtl="0" eaLnBrk="1" latinLnBrk="0" hangingPunct="1">
-              <a:spcBef>
-                <a:spcPct val="20000"/>
-              </a:spcBef>
-              <a:buFont typeface="Arial" pitchFamily="34" charset="0"/>
-              <a:buChar char="•"/>
-              <a:defRPr sz="2000" kern="1200">
-                <a:solidFill>
-                  <a:schemeClr val="tx1"/>
-                </a:solidFill>
-                <a:latin typeface="+mn-lt"/>
-                <a:ea typeface="+mn-ea"/>
-                <a:cs typeface="+mn-cs"/>
-              </a:defRPr>
-            </a:lvl8pPr>
-            <a:lvl9pPr marL="3886200" indent="-228600" algn="l" defTabSz="914400" rtl="0" eaLnBrk="1" latinLnBrk="0" hangingPunct="1">
-              <a:spcBef>
-                <a:spcPct val="20000"/>
-              </a:spcBef>
-              <a:buFont typeface="Arial" pitchFamily="34" charset="0"/>
-              <a:buChar char="•"/>
-              <a:defRPr sz="2000" kern="1200">
-                <a:solidFill>
-                  <a:schemeClr val="tx1"/>
-                </a:solidFill>
-                <a:latin typeface="+mn-lt"/>
-                <a:ea typeface="+mn-ea"/>
-                <a:cs typeface="+mn-cs"/>
-              </a:defRPr>
-            </a:lvl9pPr>
-          </a:lstStyle>
-          <a:p>
-            <a:r>
-              <a:rPr lang="pt-BR" b="1" dirty="0"/>
-              <a:t>[CLIENTE (Unity)]</a:t>
-            </a:r>
-            <a:r>
-              <a:rPr lang="pt-BR" dirty="0"/>
-              <a:t> -&gt; (JSON via HTTP) -&gt; </a:t>
-            </a:r>
-            <a:r>
-              <a:rPr lang="pt-BR" b="1" dirty="0"/>
-              <a:t>[BACKEND (Node.js API)]</a:t>
-            </a:r>
-            <a:endParaRPr lang="pt-BR" dirty="0"/>
-          </a:p>
-          <a:p>
-            <a:r>
-              <a:rPr lang="pt-BR" b="1" dirty="0"/>
-              <a:t>[BACKEND (Node.js API)]</a:t>
-            </a:r>
-            <a:r>
-              <a:rPr lang="pt-BR" dirty="0"/>
-              <a:t> &lt;-&gt; </a:t>
-            </a:r>
-            <a:r>
-              <a:rPr lang="pt-BR" b="1" dirty="0"/>
-              <a:t>[BANCO (</a:t>
-            </a:r>
-            <a:r>
-              <a:rPr lang="pt-BR" b="1" dirty="0" err="1"/>
-              <a:t>MongoDB</a:t>
-            </a:r>
-            <a:r>
-              <a:rPr lang="pt-BR" b="1" dirty="0"/>
-              <a:t>)]</a:t>
-            </a:r>
-            <a:r>
-              <a:rPr lang="pt-BR" dirty="0"/>
-              <a:t> (Para salvar/ler dados dos sensores e catálogos)</a:t>
-            </a:r>
-          </a:p>
-          <a:p>
-            <a:r>
-              <a:rPr lang="pt-BR" b="1" dirty="0"/>
-              <a:t>[BACKEND (Node.js API)]</a:t>
-            </a:r>
-            <a:r>
-              <a:rPr lang="pt-BR" dirty="0"/>
-              <a:t> -&gt; (Chama </a:t>
-            </a:r>
-            <a:r>
-              <a:rPr lang="pt-BR" dirty="0" err="1"/>
-              <a:t>child_process</a:t>
-            </a:r>
-            <a:r>
-              <a:rPr lang="pt-BR" dirty="0"/>
-              <a:t>) -&gt; </a:t>
-            </a:r>
-            <a:r>
-              <a:rPr lang="pt-BR" b="1" dirty="0"/>
-              <a:t>[ML (Python Scripts)]</a:t>
-            </a:r>
-            <a:endParaRPr lang="pt-BR" dirty="0"/>
-          </a:p>
-          <a:p>
-            <a:r>
-              <a:rPr lang="pt-BR" b="1" dirty="0"/>
-              <a:t>[ML (Python Scripts)]</a:t>
-            </a:r>
-            <a:r>
-              <a:rPr lang="pt-BR" dirty="0"/>
-              <a:t> -&gt; (Lê/Salva .</a:t>
-            </a:r>
-            <a:r>
-              <a:rPr lang="pt-BR" dirty="0" err="1"/>
-              <a:t>joblib</a:t>
-            </a:r>
-            <a:r>
-              <a:rPr lang="pt-BR" dirty="0"/>
-              <a:t>) -&gt; </a:t>
-            </a:r>
-            <a:r>
-              <a:rPr lang="pt-BR" b="1" dirty="0"/>
-              <a:t>[Modelos Treinados]</a:t>
-            </a:r>
-            <a:endParaRPr lang="pt-BR" dirty="0"/>
-          </a:p>
-        </p:txBody>
-      </p:sp>
-    </p:spTree>
-    <p:extLst>
-      <p:ext uri="{BB962C8B-B14F-4D97-AF65-F5344CB8AC3E}">
-        <p14:creationId xmlns:p14="http://schemas.microsoft.com/office/powerpoint/2010/main" val="3601093421"/>
       </p:ext>
     </p:extLst>
   </p:cSld>
